--- a/Capstone Projects/Final_Capstone_NLP_Search_Recommendation/Recommender_System_Trip_Advisor.pptx
+++ b/Capstone Projects/Final_Capstone_NLP_Search_Recommendation/Recommender_System_Trip_Advisor.pptx
@@ -9896,8 +9896,13 @@
             </a:pPr>
             <a:r>
               <a:rPr lang="en-US" sz="1400" b="1" dirty="0"/>
-              <a:t>•  I first established a baseline using .</a:t>
+              <a:t>•  I first established a baseline using a Naïve </a:t>
             </a:r>
+            <a:r>
+              <a:rPr lang="en-US" sz="1400" b="1"/>
+              <a:t>Bayes estimator.</a:t>
+            </a:r>
+            <a:endParaRPr lang="en-US" sz="1400" b="1" dirty="0"/>
           </a:p>
           <a:p>
             <a:pPr marL="0" lvl="0" indent="0" algn="l" rtl="0">

--- a/Capstone Projects/Final_Capstone_NLP_Search_Recommendation/Recommender_System_Trip_Advisor.pptx
+++ b/Capstone Projects/Final_Capstone_NLP_Search_Recommendation/Recommender_System_Trip_Advisor.pptx
@@ -5,36 +5,49 @@
     <p:sldMasterId id="2147483659" r:id="rId1"/>
   </p:sldMasterIdLst>
   <p:notesMasterIdLst>
-    <p:notesMasterId r:id="rId12"/>
+    <p:notesMasterId r:id="rId25"/>
   </p:notesMasterIdLst>
   <p:sldIdLst>
     <p:sldId id="256" r:id="rId2"/>
     <p:sldId id="257" r:id="rId3"/>
     <p:sldId id="258" r:id="rId4"/>
-    <p:sldId id="259" r:id="rId5"/>
-    <p:sldId id="283" r:id="rId6"/>
-    <p:sldId id="285" r:id="rId7"/>
-    <p:sldId id="284" r:id="rId8"/>
-    <p:sldId id="280" r:id="rId9"/>
-    <p:sldId id="277" r:id="rId10"/>
-    <p:sldId id="278" r:id="rId11"/>
+    <p:sldId id="300" r:id="rId5"/>
+    <p:sldId id="259" r:id="rId6"/>
+    <p:sldId id="283" r:id="rId7"/>
+    <p:sldId id="285" r:id="rId8"/>
+    <p:sldId id="284" r:id="rId9"/>
+    <p:sldId id="301" r:id="rId10"/>
+    <p:sldId id="294" r:id="rId11"/>
+    <p:sldId id="280" r:id="rId12"/>
+    <p:sldId id="286" r:id="rId13"/>
+    <p:sldId id="287" r:id="rId14"/>
+    <p:sldId id="289" r:id="rId15"/>
+    <p:sldId id="290" r:id="rId16"/>
+    <p:sldId id="291" r:id="rId17"/>
+    <p:sldId id="292" r:id="rId18"/>
+    <p:sldId id="298" r:id="rId19"/>
+    <p:sldId id="293" r:id="rId20"/>
+    <p:sldId id="295" r:id="rId21"/>
+    <p:sldId id="299" r:id="rId22"/>
+    <p:sldId id="277" r:id="rId23"/>
+    <p:sldId id="278" r:id="rId24"/>
   </p:sldIdLst>
   <p:sldSz cx="9144000" cy="5143500" type="screen16x9"/>
   <p:notesSz cx="6858000" cy="9144000"/>
   <p:embeddedFontLst>
     <p:embeddedFont>
       <p:font typeface="Lato" panose="020F0502020204030203" pitchFamily="34" charset="0"/>
-      <p:regular r:id="rId13"/>
-      <p:bold r:id="rId14"/>
-      <p:italic r:id="rId15"/>
-      <p:boldItalic r:id="rId16"/>
+      <p:regular r:id="rId26"/>
+      <p:bold r:id="rId27"/>
+      <p:italic r:id="rId28"/>
+      <p:boldItalic r:id="rId29"/>
     </p:embeddedFont>
     <p:embeddedFont>
       <p:font typeface="Raleway" pitchFamily="2" charset="0"/>
-      <p:regular r:id="rId17"/>
-      <p:bold r:id="rId18"/>
-      <p:italic r:id="rId19"/>
-      <p:boldItalic r:id="rId20"/>
+      <p:regular r:id="rId30"/>
+      <p:bold r:id="rId31"/>
+      <p:italic r:id="rId32"/>
+      <p:boldItalic r:id="rId33"/>
     </p:embeddedFont>
   </p:embeddedFontLst>
   <p:defaultTextStyle>
@@ -835,7 +848,13 @@
   <p:cSld>
     <p:spTree>
       <p:nvGrpSpPr>
-        <p:cNvPr id="1" name="Shape 235"/>
+        <p:cNvPr id="1" name="Shape 101">
+          <a:extLst>
+            <a:ext uri="{FF2B5EF4-FFF2-40B4-BE49-F238E27FC236}">
+              <a16:creationId xmlns:a16="http://schemas.microsoft.com/office/drawing/2014/main" id="{9561551F-FF52-ADE3-35DB-27987C2B10A4}"/>
+            </a:ext>
+          </a:extLst>
+        </p:cNvPr>
         <p:cNvGrpSpPr/>
         <p:nvPr/>
       </p:nvGrpSpPr>
@@ -849,7 +868,13 @@
       </p:grpSpPr>
       <p:sp>
         <p:nvSpPr>
-          <p:cNvPr id="236" name="Google Shape;236;g782042cefa_1_0:notes"/>
+          <p:cNvPr id="102" name="Google Shape;102;g851b290239_0_292:notes">
+            <a:extLst>
+              <a:ext uri="{FF2B5EF4-FFF2-40B4-BE49-F238E27FC236}">
+                <a16:creationId xmlns:a16="http://schemas.microsoft.com/office/drawing/2014/main" id="{E62CA392-AD99-E890-3DEB-56D98F626E23}"/>
+              </a:ext>
+            </a:extLst>
+          </p:cNvPr>
           <p:cNvSpPr>
             <a:spLocks noGrp="1" noRot="1" noChangeAspect="1"/>
           </p:cNvSpPr>
@@ -890,7 +915,13 @@
       </p:sp>
       <p:sp>
         <p:nvSpPr>
-          <p:cNvPr id="237" name="Google Shape;237;g782042cefa_1_0:notes"/>
+          <p:cNvPr id="103" name="Google Shape;103;g851b290239_0_292:notes">
+            <a:extLst>
+              <a:ext uri="{FF2B5EF4-FFF2-40B4-BE49-F238E27FC236}">
+                <a16:creationId xmlns:a16="http://schemas.microsoft.com/office/drawing/2014/main" id="{69B04D90-D67E-5830-717F-F21AF632DBAB}"/>
+              </a:ext>
+            </a:extLst>
+          </p:cNvPr>
           <p:cNvSpPr txBox="1">
             <a:spLocks noGrp="1"/>
           </p:cNvSpPr>
@@ -927,6 +958,1154 @@
         </p:txBody>
       </p:sp>
     </p:spTree>
+    <p:extLst>
+      <p:ext uri="{BB962C8B-B14F-4D97-AF65-F5344CB8AC3E}">
+        <p14:creationId xmlns:p14="http://schemas.microsoft.com/office/powerpoint/2010/main" val="2138900806"/>
+      </p:ext>
+    </p:extLst>
+  </p:cSld>
+  <p:clrMapOvr>
+    <a:masterClrMapping/>
+  </p:clrMapOvr>
+</p:notes>
+</file>
+
+<file path=ppt/notesSlides/notesSlide11.xml><?xml version="1.0" encoding="utf-8"?>
+<p:notes xmlns:a="http://schemas.openxmlformats.org/drawingml/2006/main" xmlns:r="http://schemas.openxmlformats.org/officeDocument/2006/relationships" xmlns:p="http://schemas.openxmlformats.org/presentationml/2006/main" showMasterSp="0" showMasterPhAnim="0">
+  <p:cSld>
+    <p:spTree>
+      <p:nvGrpSpPr>
+        <p:cNvPr id="1" name="Shape 101">
+          <a:extLst>
+            <a:ext uri="{FF2B5EF4-FFF2-40B4-BE49-F238E27FC236}">
+              <a16:creationId xmlns:a16="http://schemas.microsoft.com/office/drawing/2014/main" id="{8671F596-F0D7-38CE-BED4-8079BAF0A262}"/>
+            </a:ext>
+          </a:extLst>
+        </p:cNvPr>
+        <p:cNvGrpSpPr/>
+        <p:nvPr/>
+      </p:nvGrpSpPr>
+      <p:grpSpPr>
+        <a:xfrm>
+          <a:off x="0" y="0"/>
+          <a:ext cx="0" cy="0"/>
+          <a:chOff x="0" y="0"/>
+          <a:chExt cx="0" cy="0"/>
+        </a:xfrm>
+      </p:grpSpPr>
+      <p:sp>
+        <p:nvSpPr>
+          <p:cNvPr id="102" name="Google Shape;102;g851b290239_0_292:notes">
+            <a:extLst>
+              <a:ext uri="{FF2B5EF4-FFF2-40B4-BE49-F238E27FC236}">
+                <a16:creationId xmlns:a16="http://schemas.microsoft.com/office/drawing/2014/main" id="{64889C0B-CCD9-9199-79E7-93CC76BAB7FD}"/>
+              </a:ext>
+            </a:extLst>
+          </p:cNvPr>
+          <p:cNvSpPr>
+            <a:spLocks noGrp="1" noRot="1" noChangeAspect="1"/>
+          </p:cNvSpPr>
+          <p:nvPr>
+            <p:ph type="sldImg" idx="2"/>
+          </p:nvPr>
+        </p:nvSpPr>
+        <p:spPr>
+          <a:xfrm>
+            <a:off x="381000" y="685800"/>
+            <a:ext cx="6096000" cy="3429000"/>
+          </a:xfrm>
+          <a:custGeom>
+            <a:avLst/>
+            <a:gdLst/>
+            <a:ahLst/>
+            <a:cxnLst/>
+            <a:rect l="l" t="t" r="r" b="b"/>
+            <a:pathLst>
+              <a:path w="120000" h="120000" extrusionOk="0">
+                <a:moveTo>
+                  <a:pt x="0" y="0"/>
+                </a:moveTo>
+                <a:lnTo>
+                  <a:pt x="120000" y="0"/>
+                </a:lnTo>
+                <a:lnTo>
+                  <a:pt x="120000" y="120000"/>
+                </a:lnTo>
+                <a:lnTo>
+                  <a:pt x="0" y="120000"/>
+                </a:lnTo>
+                <a:close/>
+              </a:path>
+            </a:pathLst>
+          </a:custGeom>
+        </p:spPr>
+      </p:sp>
+      <p:sp>
+        <p:nvSpPr>
+          <p:cNvPr id="103" name="Google Shape;103;g851b290239_0_292:notes">
+            <a:extLst>
+              <a:ext uri="{FF2B5EF4-FFF2-40B4-BE49-F238E27FC236}">
+                <a16:creationId xmlns:a16="http://schemas.microsoft.com/office/drawing/2014/main" id="{5E69F092-6879-5B68-BC14-6B1699C24C62}"/>
+              </a:ext>
+            </a:extLst>
+          </p:cNvPr>
+          <p:cNvSpPr txBox="1">
+            <a:spLocks noGrp="1"/>
+          </p:cNvSpPr>
+          <p:nvPr>
+            <p:ph type="body" idx="1"/>
+          </p:nvPr>
+        </p:nvSpPr>
+        <p:spPr>
+          <a:xfrm>
+            <a:off x="685800" y="4343400"/>
+            <a:ext cx="5486400" cy="4114800"/>
+          </a:xfrm>
+          <a:prstGeom prst="rect">
+            <a:avLst/>
+          </a:prstGeom>
+        </p:spPr>
+        <p:txBody>
+          <a:bodyPr spcFirstLastPara="1" wrap="square" lIns="91425" tIns="91425" rIns="91425" bIns="91425" anchor="t" anchorCtr="0">
+            <a:noAutofit/>
+          </a:bodyPr>
+          <a:lstStyle/>
+          <a:p>
+            <a:pPr marL="0" lvl="0" indent="0" algn="l" rtl="0">
+              <a:spcBef>
+                <a:spcPts val="0"/>
+              </a:spcBef>
+              <a:spcAft>
+                <a:spcPts val="0"/>
+              </a:spcAft>
+              <a:buNone/>
+            </a:pPr>
+            <a:endParaRPr/>
+          </a:p>
+        </p:txBody>
+      </p:sp>
+    </p:spTree>
+    <p:extLst>
+      <p:ext uri="{BB962C8B-B14F-4D97-AF65-F5344CB8AC3E}">
+        <p14:creationId xmlns:p14="http://schemas.microsoft.com/office/powerpoint/2010/main" val="727173236"/>
+      </p:ext>
+    </p:extLst>
+  </p:cSld>
+  <p:clrMapOvr>
+    <a:masterClrMapping/>
+  </p:clrMapOvr>
+</p:notes>
+</file>
+
+<file path=ppt/notesSlides/notesSlide12.xml><?xml version="1.0" encoding="utf-8"?>
+<p:notes xmlns:a="http://schemas.openxmlformats.org/drawingml/2006/main" xmlns:r="http://schemas.openxmlformats.org/officeDocument/2006/relationships" xmlns:p="http://schemas.openxmlformats.org/presentationml/2006/main" showMasterSp="0" showMasterPhAnim="0">
+  <p:cSld>
+    <p:spTree>
+      <p:nvGrpSpPr>
+        <p:cNvPr id="1" name="Shape 101">
+          <a:extLst>
+            <a:ext uri="{FF2B5EF4-FFF2-40B4-BE49-F238E27FC236}">
+              <a16:creationId xmlns:a16="http://schemas.microsoft.com/office/drawing/2014/main" id="{49940752-FE2B-9358-CB55-13A12BE99192}"/>
+            </a:ext>
+          </a:extLst>
+        </p:cNvPr>
+        <p:cNvGrpSpPr/>
+        <p:nvPr/>
+      </p:nvGrpSpPr>
+      <p:grpSpPr>
+        <a:xfrm>
+          <a:off x="0" y="0"/>
+          <a:ext cx="0" cy="0"/>
+          <a:chOff x="0" y="0"/>
+          <a:chExt cx="0" cy="0"/>
+        </a:xfrm>
+      </p:grpSpPr>
+      <p:sp>
+        <p:nvSpPr>
+          <p:cNvPr id="102" name="Google Shape;102;g851b290239_0_292:notes">
+            <a:extLst>
+              <a:ext uri="{FF2B5EF4-FFF2-40B4-BE49-F238E27FC236}">
+                <a16:creationId xmlns:a16="http://schemas.microsoft.com/office/drawing/2014/main" id="{FCC8F8F8-C236-40F9-877A-9942D46D2641}"/>
+              </a:ext>
+            </a:extLst>
+          </p:cNvPr>
+          <p:cNvSpPr>
+            <a:spLocks noGrp="1" noRot="1" noChangeAspect="1"/>
+          </p:cNvSpPr>
+          <p:nvPr>
+            <p:ph type="sldImg" idx="2"/>
+          </p:nvPr>
+        </p:nvSpPr>
+        <p:spPr>
+          <a:xfrm>
+            <a:off x="381000" y="685800"/>
+            <a:ext cx="6096000" cy="3429000"/>
+          </a:xfrm>
+          <a:custGeom>
+            <a:avLst/>
+            <a:gdLst/>
+            <a:ahLst/>
+            <a:cxnLst/>
+            <a:rect l="l" t="t" r="r" b="b"/>
+            <a:pathLst>
+              <a:path w="120000" h="120000" extrusionOk="0">
+                <a:moveTo>
+                  <a:pt x="0" y="0"/>
+                </a:moveTo>
+                <a:lnTo>
+                  <a:pt x="120000" y="0"/>
+                </a:lnTo>
+                <a:lnTo>
+                  <a:pt x="120000" y="120000"/>
+                </a:lnTo>
+                <a:lnTo>
+                  <a:pt x="0" y="120000"/>
+                </a:lnTo>
+                <a:close/>
+              </a:path>
+            </a:pathLst>
+          </a:custGeom>
+        </p:spPr>
+      </p:sp>
+      <p:sp>
+        <p:nvSpPr>
+          <p:cNvPr id="103" name="Google Shape;103;g851b290239_0_292:notes">
+            <a:extLst>
+              <a:ext uri="{FF2B5EF4-FFF2-40B4-BE49-F238E27FC236}">
+                <a16:creationId xmlns:a16="http://schemas.microsoft.com/office/drawing/2014/main" id="{9B3848AC-E45F-237C-B10C-D066103A91BA}"/>
+              </a:ext>
+            </a:extLst>
+          </p:cNvPr>
+          <p:cNvSpPr txBox="1">
+            <a:spLocks noGrp="1"/>
+          </p:cNvSpPr>
+          <p:nvPr>
+            <p:ph type="body" idx="1"/>
+          </p:nvPr>
+        </p:nvSpPr>
+        <p:spPr>
+          <a:xfrm>
+            <a:off x="685800" y="4343400"/>
+            <a:ext cx="5486400" cy="4114800"/>
+          </a:xfrm>
+          <a:prstGeom prst="rect">
+            <a:avLst/>
+          </a:prstGeom>
+        </p:spPr>
+        <p:txBody>
+          <a:bodyPr spcFirstLastPara="1" wrap="square" lIns="91425" tIns="91425" rIns="91425" bIns="91425" anchor="t" anchorCtr="0">
+            <a:noAutofit/>
+          </a:bodyPr>
+          <a:lstStyle/>
+          <a:p>
+            <a:pPr marL="0" lvl="0" indent="0" algn="l" rtl="0">
+              <a:spcBef>
+                <a:spcPts val="0"/>
+              </a:spcBef>
+              <a:spcAft>
+                <a:spcPts val="0"/>
+              </a:spcAft>
+              <a:buNone/>
+            </a:pPr>
+            <a:endParaRPr/>
+          </a:p>
+        </p:txBody>
+      </p:sp>
+    </p:spTree>
+    <p:extLst>
+      <p:ext uri="{BB962C8B-B14F-4D97-AF65-F5344CB8AC3E}">
+        <p14:creationId xmlns:p14="http://schemas.microsoft.com/office/powerpoint/2010/main" val="2207599155"/>
+      </p:ext>
+    </p:extLst>
+  </p:cSld>
+  <p:clrMapOvr>
+    <a:masterClrMapping/>
+  </p:clrMapOvr>
+</p:notes>
+</file>
+
+<file path=ppt/notesSlides/notesSlide13.xml><?xml version="1.0" encoding="utf-8"?>
+<p:notes xmlns:a="http://schemas.openxmlformats.org/drawingml/2006/main" xmlns:r="http://schemas.openxmlformats.org/officeDocument/2006/relationships" xmlns:p="http://schemas.openxmlformats.org/presentationml/2006/main" showMasterSp="0" showMasterPhAnim="0">
+  <p:cSld>
+    <p:spTree>
+      <p:nvGrpSpPr>
+        <p:cNvPr id="1" name="Shape 101">
+          <a:extLst>
+            <a:ext uri="{FF2B5EF4-FFF2-40B4-BE49-F238E27FC236}">
+              <a16:creationId xmlns:a16="http://schemas.microsoft.com/office/drawing/2014/main" id="{5F95D4A9-34DA-5CBB-B2AD-DA1C0F9394EE}"/>
+            </a:ext>
+          </a:extLst>
+        </p:cNvPr>
+        <p:cNvGrpSpPr/>
+        <p:nvPr/>
+      </p:nvGrpSpPr>
+      <p:grpSpPr>
+        <a:xfrm>
+          <a:off x="0" y="0"/>
+          <a:ext cx="0" cy="0"/>
+          <a:chOff x="0" y="0"/>
+          <a:chExt cx="0" cy="0"/>
+        </a:xfrm>
+      </p:grpSpPr>
+      <p:sp>
+        <p:nvSpPr>
+          <p:cNvPr id="102" name="Google Shape;102;g851b290239_0_292:notes">
+            <a:extLst>
+              <a:ext uri="{FF2B5EF4-FFF2-40B4-BE49-F238E27FC236}">
+                <a16:creationId xmlns:a16="http://schemas.microsoft.com/office/drawing/2014/main" id="{53283CBA-CCE9-8B5B-48CD-25BF8EEFDC0F}"/>
+              </a:ext>
+            </a:extLst>
+          </p:cNvPr>
+          <p:cNvSpPr>
+            <a:spLocks noGrp="1" noRot="1" noChangeAspect="1"/>
+          </p:cNvSpPr>
+          <p:nvPr>
+            <p:ph type="sldImg" idx="2"/>
+          </p:nvPr>
+        </p:nvSpPr>
+        <p:spPr>
+          <a:xfrm>
+            <a:off x="381000" y="685800"/>
+            <a:ext cx="6096000" cy="3429000"/>
+          </a:xfrm>
+          <a:custGeom>
+            <a:avLst/>
+            <a:gdLst/>
+            <a:ahLst/>
+            <a:cxnLst/>
+            <a:rect l="l" t="t" r="r" b="b"/>
+            <a:pathLst>
+              <a:path w="120000" h="120000" extrusionOk="0">
+                <a:moveTo>
+                  <a:pt x="0" y="0"/>
+                </a:moveTo>
+                <a:lnTo>
+                  <a:pt x="120000" y="0"/>
+                </a:lnTo>
+                <a:lnTo>
+                  <a:pt x="120000" y="120000"/>
+                </a:lnTo>
+                <a:lnTo>
+                  <a:pt x="0" y="120000"/>
+                </a:lnTo>
+                <a:close/>
+              </a:path>
+            </a:pathLst>
+          </a:custGeom>
+        </p:spPr>
+      </p:sp>
+      <p:sp>
+        <p:nvSpPr>
+          <p:cNvPr id="103" name="Google Shape;103;g851b290239_0_292:notes">
+            <a:extLst>
+              <a:ext uri="{FF2B5EF4-FFF2-40B4-BE49-F238E27FC236}">
+                <a16:creationId xmlns:a16="http://schemas.microsoft.com/office/drawing/2014/main" id="{726EE0AE-E8D3-2395-2F82-7BD2B13707A6}"/>
+              </a:ext>
+            </a:extLst>
+          </p:cNvPr>
+          <p:cNvSpPr txBox="1">
+            <a:spLocks noGrp="1"/>
+          </p:cNvSpPr>
+          <p:nvPr>
+            <p:ph type="body" idx="1"/>
+          </p:nvPr>
+        </p:nvSpPr>
+        <p:spPr>
+          <a:xfrm>
+            <a:off x="685800" y="4343400"/>
+            <a:ext cx="5486400" cy="4114800"/>
+          </a:xfrm>
+          <a:prstGeom prst="rect">
+            <a:avLst/>
+          </a:prstGeom>
+        </p:spPr>
+        <p:txBody>
+          <a:bodyPr spcFirstLastPara="1" wrap="square" lIns="91425" tIns="91425" rIns="91425" bIns="91425" anchor="t" anchorCtr="0">
+            <a:noAutofit/>
+          </a:bodyPr>
+          <a:lstStyle/>
+          <a:p>
+            <a:pPr marL="0" lvl="0" indent="0" algn="l" rtl="0">
+              <a:spcBef>
+                <a:spcPts val="0"/>
+              </a:spcBef>
+              <a:spcAft>
+                <a:spcPts val="0"/>
+              </a:spcAft>
+              <a:buNone/>
+            </a:pPr>
+            <a:endParaRPr/>
+          </a:p>
+        </p:txBody>
+      </p:sp>
+    </p:spTree>
+    <p:extLst>
+      <p:ext uri="{BB962C8B-B14F-4D97-AF65-F5344CB8AC3E}">
+        <p14:creationId xmlns:p14="http://schemas.microsoft.com/office/powerpoint/2010/main" val="959886366"/>
+      </p:ext>
+    </p:extLst>
+  </p:cSld>
+  <p:clrMapOvr>
+    <a:masterClrMapping/>
+  </p:clrMapOvr>
+</p:notes>
+</file>
+
+<file path=ppt/notesSlides/notesSlide14.xml><?xml version="1.0" encoding="utf-8"?>
+<p:notes xmlns:a="http://schemas.openxmlformats.org/drawingml/2006/main" xmlns:r="http://schemas.openxmlformats.org/officeDocument/2006/relationships" xmlns:p="http://schemas.openxmlformats.org/presentationml/2006/main" showMasterSp="0" showMasterPhAnim="0">
+  <p:cSld>
+    <p:spTree>
+      <p:nvGrpSpPr>
+        <p:cNvPr id="1" name="Shape 101">
+          <a:extLst>
+            <a:ext uri="{FF2B5EF4-FFF2-40B4-BE49-F238E27FC236}">
+              <a16:creationId xmlns:a16="http://schemas.microsoft.com/office/drawing/2014/main" id="{74B16E69-AC81-B01D-0E60-ED9BCCC8E555}"/>
+            </a:ext>
+          </a:extLst>
+        </p:cNvPr>
+        <p:cNvGrpSpPr/>
+        <p:nvPr/>
+      </p:nvGrpSpPr>
+      <p:grpSpPr>
+        <a:xfrm>
+          <a:off x="0" y="0"/>
+          <a:ext cx="0" cy="0"/>
+          <a:chOff x="0" y="0"/>
+          <a:chExt cx="0" cy="0"/>
+        </a:xfrm>
+      </p:grpSpPr>
+      <p:sp>
+        <p:nvSpPr>
+          <p:cNvPr id="102" name="Google Shape;102;g851b290239_0_292:notes">
+            <a:extLst>
+              <a:ext uri="{FF2B5EF4-FFF2-40B4-BE49-F238E27FC236}">
+                <a16:creationId xmlns:a16="http://schemas.microsoft.com/office/drawing/2014/main" id="{7287E5FE-223A-6441-05F8-52E2952B6644}"/>
+              </a:ext>
+            </a:extLst>
+          </p:cNvPr>
+          <p:cNvSpPr>
+            <a:spLocks noGrp="1" noRot="1" noChangeAspect="1"/>
+          </p:cNvSpPr>
+          <p:nvPr>
+            <p:ph type="sldImg" idx="2"/>
+          </p:nvPr>
+        </p:nvSpPr>
+        <p:spPr>
+          <a:xfrm>
+            <a:off x="381000" y="685800"/>
+            <a:ext cx="6096000" cy="3429000"/>
+          </a:xfrm>
+          <a:custGeom>
+            <a:avLst/>
+            <a:gdLst/>
+            <a:ahLst/>
+            <a:cxnLst/>
+            <a:rect l="l" t="t" r="r" b="b"/>
+            <a:pathLst>
+              <a:path w="120000" h="120000" extrusionOk="0">
+                <a:moveTo>
+                  <a:pt x="0" y="0"/>
+                </a:moveTo>
+                <a:lnTo>
+                  <a:pt x="120000" y="0"/>
+                </a:lnTo>
+                <a:lnTo>
+                  <a:pt x="120000" y="120000"/>
+                </a:lnTo>
+                <a:lnTo>
+                  <a:pt x="0" y="120000"/>
+                </a:lnTo>
+                <a:close/>
+              </a:path>
+            </a:pathLst>
+          </a:custGeom>
+        </p:spPr>
+      </p:sp>
+      <p:sp>
+        <p:nvSpPr>
+          <p:cNvPr id="103" name="Google Shape;103;g851b290239_0_292:notes">
+            <a:extLst>
+              <a:ext uri="{FF2B5EF4-FFF2-40B4-BE49-F238E27FC236}">
+                <a16:creationId xmlns:a16="http://schemas.microsoft.com/office/drawing/2014/main" id="{81836AFF-ED8C-5581-0851-096DFACBEE5C}"/>
+              </a:ext>
+            </a:extLst>
+          </p:cNvPr>
+          <p:cNvSpPr txBox="1">
+            <a:spLocks noGrp="1"/>
+          </p:cNvSpPr>
+          <p:nvPr>
+            <p:ph type="body" idx="1"/>
+          </p:nvPr>
+        </p:nvSpPr>
+        <p:spPr>
+          <a:xfrm>
+            <a:off x="685800" y="4343400"/>
+            <a:ext cx="5486400" cy="4114800"/>
+          </a:xfrm>
+          <a:prstGeom prst="rect">
+            <a:avLst/>
+          </a:prstGeom>
+        </p:spPr>
+        <p:txBody>
+          <a:bodyPr spcFirstLastPara="1" wrap="square" lIns="91425" tIns="91425" rIns="91425" bIns="91425" anchor="t" anchorCtr="0">
+            <a:noAutofit/>
+          </a:bodyPr>
+          <a:lstStyle/>
+          <a:p>
+            <a:pPr marL="0" lvl="0" indent="0" algn="l" rtl="0">
+              <a:spcBef>
+                <a:spcPts val="0"/>
+              </a:spcBef>
+              <a:spcAft>
+                <a:spcPts val="0"/>
+              </a:spcAft>
+              <a:buNone/>
+            </a:pPr>
+            <a:endParaRPr/>
+          </a:p>
+        </p:txBody>
+      </p:sp>
+    </p:spTree>
+    <p:extLst>
+      <p:ext uri="{BB962C8B-B14F-4D97-AF65-F5344CB8AC3E}">
+        <p14:creationId xmlns:p14="http://schemas.microsoft.com/office/powerpoint/2010/main" val="1591129257"/>
+      </p:ext>
+    </p:extLst>
+  </p:cSld>
+  <p:clrMapOvr>
+    <a:masterClrMapping/>
+  </p:clrMapOvr>
+</p:notes>
+</file>
+
+<file path=ppt/notesSlides/notesSlide15.xml><?xml version="1.0" encoding="utf-8"?>
+<p:notes xmlns:a="http://schemas.openxmlformats.org/drawingml/2006/main" xmlns:r="http://schemas.openxmlformats.org/officeDocument/2006/relationships" xmlns:p="http://schemas.openxmlformats.org/presentationml/2006/main" showMasterSp="0" showMasterPhAnim="0">
+  <p:cSld>
+    <p:spTree>
+      <p:nvGrpSpPr>
+        <p:cNvPr id="1" name="Shape 101">
+          <a:extLst>
+            <a:ext uri="{FF2B5EF4-FFF2-40B4-BE49-F238E27FC236}">
+              <a16:creationId xmlns:a16="http://schemas.microsoft.com/office/drawing/2014/main" id="{EAE23237-195D-2CF2-9D85-72B1D3A3129C}"/>
+            </a:ext>
+          </a:extLst>
+        </p:cNvPr>
+        <p:cNvGrpSpPr/>
+        <p:nvPr/>
+      </p:nvGrpSpPr>
+      <p:grpSpPr>
+        <a:xfrm>
+          <a:off x="0" y="0"/>
+          <a:ext cx="0" cy="0"/>
+          <a:chOff x="0" y="0"/>
+          <a:chExt cx="0" cy="0"/>
+        </a:xfrm>
+      </p:grpSpPr>
+      <p:sp>
+        <p:nvSpPr>
+          <p:cNvPr id="102" name="Google Shape;102;g851b290239_0_292:notes">
+            <a:extLst>
+              <a:ext uri="{FF2B5EF4-FFF2-40B4-BE49-F238E27FC236}">
+                <a16:creationId xmlns:a16="http://schemas.microsoft.com/office/drawing/2014/main" id="{1CCA0081-BFB1-7BAB-3A02-B02163F9A201}"/>
+              </a:ext>
+            </a:extLst>
+          </p:cNvPr>
+          <p:cNvSpPr>
+            <a:spLocks noGrp="1" noRot="1" noChangeAspect="1"/>
+          </p:cNvSpPr>
+          <p:nvPr>
+            <p:ph type="sldImg" idx="2"/>
+          </p:nvPr>
+        </p:nvSpPr>
+        <p:spPr>
+          <a:xfrm>
+            <a:off x="381000" y="685800"/>
+            <a:ext cx="6096000" cy="3429000"/>
+          </a:xfrm>
+          <a:custGeom>
+            <a:avLst/>
+            <a:gdLst/>
+            <a:ahLst/>
+            <a:cxnLst/>
+            <a:rect l="l" t="t" r="r" b="b"/>
+            <a:pathLst>
+              <a:path w="120000" h="120000" extrusionOk="0">
+                <a:moveTo>
+                  <a:pt x="0" y="0"/>
+                </a:moveTo>
+                <a:lnTo>
+                  <a:pt x="120000" y="0"/>
+                </a:lnTo>
+                <a:lnTo>
+                  <a:pt x="120000" y="120000"/>
+                </a:lnTo>
+                <a:lnTo>
+                  <a:pt x="0" y="120000"/>
+                </a:lnTo>
+                <a:close/>
+              </a:path>
+            </a:pathLst>
+          </a:custGeom>
+        </p:spPr>
+      </p:sp>
+      <p:sp>
+        <p:nvSpPr>
+          <p:cNvPr id="103" name="Google Shape;103;g851b290239_0_292:notes">
+            <a:extLst>
+              <a:ext uri="{FF2B5EF4-FFF2-40B4-BE49-F238E27FC236}">
+                <a16:creationId xmlns:a16="http://schemas.microsoft.com/office/drawing/2014/main" id="{21DF6325-1814-D852-2952-BC9B3923CDD3}"/>
+              </a:ext>
+            </a:extLst>
+          </p:cNvPr>
+          <p:cNvSpPr txBox="1">
+            <a:spLocks noGrp="1"/>
+          </p:cNvSpPr>
+          <p:nvPr>
+            <p:ph type="body" idx="1"/>
+          </p:nvPr>
+        </p:nvSpPr>
+        <p:spPr>
+          <a:xfrm>
+            <a:off x="685800" y="4343400"/>
+            <a:ext cx="5486400" cy="4114800"/>
+          </a:xfrm>
+          <a:prstGeom prst="rect">
+            <a:avLst/>
+          </a:prstGeom>
+        </p:spPr>
+        <p:txBody>
+          <a:bodyPr spcFirstLastPara="1" wrap="square" lIns="91425" tIns="91425" rIns="91425" bIns="91425" anchor="t" anchorCtr="0">
+            <a:noAutofit/>
+          </a:bodyPr>
+          <a:lstStyle/>
+          <a:p>
+            <a:pPr marL="0" lvl="0" indent="0" algn="l" rtl="0">
+              <a:spcBef>
+                <a:spcPts val="0"/>
+              </a:spcBef>
+              <a:spcAft>
+                <a:spcPts val="0"/>
+              </a:spcAft>
+              <a:buNone/>
+            </a:pPr>
+            <a:endParaRPr/>
+          </a:p>
+        </p:txBody>
+      </p:sp>
+    </p:spTree>
+    <p:extLst>
+      <p:ext uri="{BB962C8B-B14F-4D97-AF65-F5344CB8AC3E}">
+        <p14:creationId xmlns:p14="http://schemas.microsoft.com/office/powerpoint/2010/main" val="3963174003"/>
+      </p:ext>
+    </p:extLst>
+  </p:cSld>
+  <p:clrMapOvr>
+    <a:masterClrMapping/>
+  </p:clrMapOvr>
+</p:notes>
+</file>
+
+<file path=ppt/notesSlides/notesSlide16.xml><?xml version="1.0" encoding="utf-8"?>
+<p:notes xmlns:a="http://schemas.openxmlformats.org/drawingml/2006/main" xmlns:r="http://schemas.openxmlformats.org/officeDocument/2006/relationships" xmlns:p="http://schemas.openxmlformats.org/presentationml/2006/main" showMasterSp="0" showMasterPhAnim="0">
+  <p:cSld>
+    <p:spTree>
+      <p:nvGrpSpPr>
+        <p:cNvPr id="1" name="Shape 101">
+          <a:extLst>
+            <a:ext uri="{FF2B5EF4-FFF2-40B4-BE49-F238E27FC236}">
+              <a16:creationId xmlns:a16="http://schemas.microsoft.com/office/drawing/2014/main" id="{5B4F3E17-8DCF-B041-4DD9-D00B1E08C97A}"/>
+            </a:ext>
+          </a:extLst>
+        </p:cNvPr>
+        <p:cNvGrpSpPr/>
+        <p:nvPr/>
+      </p:nvGrpSpPr>
+      <p:grpSpPr>
+        <a:xfrm>
+          <a:off x="0" y="0"/>
+          <a:ext cx="0" cy="0"/>
+          <a:chOff x="0" y="0"/>
+          <a:chExt cx="0" cy="0"/>
+        </a:xfrm>
+      </p:grpSpPr>
+      <p:sp>
+        <p:nvSpPr>
+          <p:cNvPr id="102" name="Google Shape;102;g851b290239_0_292:notes">
+            <a:extLst>
+              <a:ext uri="{FF2B5EF4-FFF2-40B4-BE49-F238E27FC236}">
+                <a16:creationId xmlns:a16="http://schemas.microsoft.com/office/drawing/2014/main" id="{DAD5D8A5-73DF-AD45-33D3-A9133CC53CA5}"/>
+              </a:ext>
+            </a:extLst>
+          </p:cNvPr>
+          <p:cNvSpPr>
+            <a:spLocks noGrp="1" noRot="1" noChangeAspect="1"/>
+          </p:cNvSpPr>
+          <p:nvPr>
+            <p:ph type="sldImg" idx="2"/>
+          </p:nvPr>
+        </p:nvSpPr>
+        <p:spPr>
+          <a:xfrm>
+            <a:off x="381000" y="685800"/>
+            <a:ext cx="6096000" cy="3429000"/>
+          </a:xfrm>
+          <a:custGeom>
+            <a:avLst/>
+            <a:gdLst/>
+            <a:ahLst/>
+            <a:cxnLst/>
+            <a:rect l="l" t="t" r="r" b="b"/>
+            <a:pathLst>
+              <a:path w="120000" h="120000" extrusionOk="0">
+                <a:moveTo>
+                  <a:pt x="0" y="0"/>
+                </a:moveTo>
+                <a:lnTo>
+                  <a:pt x="120000" y="0"/>
+                </a:lnTo>
+                <a:lnTo>
+                  <a:pt x="120000" y="120000"/>
+                </a:lnTo>
+                <a:lnTo>
+                  <a:pt x="0" y="120000"/>
+                </a:lnTo>
+                <a:close/>
+              </a:path>
+            </a:pathLst>
+          </a:custGeom>
+        </p:spPr>
+      </p:sp>
+      <p:sp>
+        <p:nvSpPr>
+          <p:cNvPr id="103" name="Google Shape;103;g851b290239_0_292:notes">
+            <a:extLst>
+              <a:ext uri="{FF2B5EF4-FFF2-40B4-BE49-F238E27FC236}">
+                <a16:creationId xmlns:a16="http://schemas.microsoft.com/office/drawing/2014/main" id="{6B2116DE-CB1B-A8A1-E2FA-515F392DC725}"/>
+              </a:ext>
+            </a:extLst>
+          </p:cNvPr>
+          <p:cNvSpPr txBox="1">
+            <a:spLocks noGrp="1"/>
+          </p:cNvSpPr>
+          <p:nvPr>
+            <p:ph type="body" idx="1"/>
+          </p:nvPr>
+        </p:nvSpPr>
+        <p:spPr>
+          <a:xfrm>
+            <a:off x="685800" y="4343400"/>
+            <a:ext cx="5486400" cy="4114800"/>
+          </a:xfrm>
+          <a:prstGeom prst="rect">
+            <a:avLst/>
+          </a:prstGeom>
+        </p:spPr>
+        <p:txBody>
+          <a:bodyPr spcFirstLastPara="1" wrap="square" lIns="91425" tIns="91425" rIns="91425" bIns="91425" anchor="t" anchorCtr="0">
+            <a:noAutofit/>
+          </a:bodyPr>
+          <a:lstStyle/>
+          <a:p>
+            <a:pPr marL="0" lvl="0" indent="0" algn="l" rtl="0">
+              <a:spcBef>
+                <a:spcPts val="0"/>
+              </a:spcBef>
+              <a:spcAft>
+                <a:spcPts val="0"/>
+              </a:spcAft>
+              <a:buNone/>
+            </a:pPr>
+            <a:endParaRPr/>
+          </a:p>
+        </p:txBody>
+      </p:sp>
+    </p:spTree>
+    <p:extLst>
+      <p:ext uri="{BB962C8B-B14F-4D97-AF65-F5344CB8AC3E}">
+        <p14:creationId xmlns:p14="http://schemas.microsoft.com/office/powerpoint/2010/main" val="1827635034"/>
+      </p:ext>
+    </p:extLst>
+  </p:cSld>
+  <p:clrMapOvr>
+    <a:masterClrMapping/>
+  </p:clrMapOvr>
+</p:notes>
+</file>
+
+<file path=ppt/notesSlides/notesSlide17.xml><?xml version="1.0" encoding="utf-8"?>
+<p:notes xmlns:a="http://schemas.openxmlformats.org/drawingml/2006/main" xmlns:r="http://schemas.openxmlformats.org/officeDocument/2006/relationships" xmlns:p="http://schemas.openxmlformats.org/presentationml/2006/main" showMasterSp="0" showMasterPhAnim="0">
+  <p:cSld>
+    <p:spTree>
+      <p:nvGrpSpPr>
+        <p:cNvPr id="1" name="Shape 101">
+          <a:extLst>
+            <a:ext uri="{FF2B5EF4-FFF2-40B4-BE49-F238E27FC236}">
+              <a16:creationId xmlns:a16="http://schemas.microsoft.com/office/drawing/2014/main" id="{E5054C52-D410-7087-2CD1-753FBE5C026D}"/>
+            </a:ext>
+          </a:extLst>
+        </p:cNvPr>
+        <p:cNvGrpSpPr/>
+        <p:nvPr/>
+      </p:nvGrpSpPr>
+      <p:grpSpPr>
+        <a:xfrm>
+          <a:off x="0" y="0"/>
+          <a:ext cx="0" cy="0"/>
+          <a:chOff x="0" y="0"/>
+          <a:chExt cx="0" cy="0"/>
+        </a:xfrm>
+      </p:grpSpPr>
+      <p:sp>
+        <p:nvSpPr>
+          <p:cNvPr id="102" name="Google Shape;102;g851b290239_0_292:notes">
+            <a:extLst>
+              <a:ext uri="{FF2B5EF4-FFF2-40B4-BE49-F238E27FC236}">
+                <a16:creationId xmlns:a16="http://schemas.microsoft.com/office/drawing/2014/main" id="{94CB5823-A60B-625B-02B7-E622458038E4}"/>
+              </a:ext>
+            </a:extLst>
+          </p:cNvPr>
+          <p:cNvSpPr>
+            <a:spLocks noGrp="1" noRot="1" noChangeAspect="1"/>
+          </p:cNvSpPr>
+          <p:nvPr>
+            <p:ph type="sldImg" idx="2"/>
+          </p:nvPr>
+        </p:nvSpPr>
+        <p:spPr>
+          <a:xfrm>
+            <a:off x="381000" y="685800"/>
+            <a:ext cx="6096000" cy="3429000"/>
+          </a:xfrm>
+          <a:custGeom>
+            <a:avLst/>
+            <a:gdLst/>
+            <a:ahLst/>
+            <a:cxnLst/>
+            <a:rect l="l" t="t" r="r" b="b"/>
+            <a:pathLst>
+              <a:path w="120000" h="120000" extrusionOk="0">
+                <a:moveTo>
+                  <a:pt x="0" y="0"/>
+                </a:moveTo>
+                <a:lnTo>
+                  <a:pt x="120000" y="0"/>
+                </a:lnTo>
+                <a:lnTo>
+                  <a:pt x="120000" y="120000"/>
+                </a:lnTo>
+                <a:lnTo>
+                  <a:pt x="0" y="120000"/>
+                </a:lnTo>
+                <a:close/>
+              </a:path>
+            </a:pathLst>
+          </a:custGeom>
+        </p:spPr>
+      </p:sp>
+      <p:sp>
+        <p:nvSpPr>
+          <p:cNvPr id="103" name="Google Shape;103;g851b290239_0_292:notes">
+            <a:extLst>
+              <a:ext uri="{FF2B5EF4-FFF2-40B4-BE49-F238E27FC236}">
+                <a16:creationId xmlns:a16="http://schemas.microsoft.com/office/drawing/2014/main" id="{5B76EE3A-C535-D753-4D3D-E2EAC9B52570}"/>
+              </a:ext>
+            </a:extLst>
+          </p:cNvPr>
+          <p:cNvSpPr txBox="1">
+            <a:spLocks noGrp="1"/>
+          </p:cNvSpPr>
+          <p:nvPr>
+            <p:ph type="body" idx="1"/>
+          </p:nvPr>
+        </p:nvSpPr>
+        <p:spPr>
+          <a:xfrm>
+            <a:off x="685800" y="4343400"/>
+            <a:ext cx="5486400" cy="4114800"/>
+          </a:xfrm>
+          <a:prstGeom prst="rect">
+            <a:avLst/>
+          </a:prstGeom>
+        </p:spPr>
+        <p:txBody>
+          <a:bodyPr spcFirstLastPara="1" wrap="square" lIns="91425" tIns="91425" rIns="91425" bIns="91425" anchor="t" anchorCtr="0">
+            <a:noAutofit/>
+          </a:bodyPr>
+          <a:lstStyle/>
+          <a:p>
+            <a:pPr marL="0" lvl="0" indent="0" algn="l" rtl="0">
+              <a:spcBef>
+                <a:spcPts val="0"/>
+              </a:spcBef>
+              <a:spcAft>
+                <a:spcPts val="0"/>
+              </a:spcAft>
+              <a:buNone/>
+            </a:pPr>
+            <a:endParaRPr/>
+          </a:p>
+        </p:txBody>
+      </p:sp>
+    </p:spTree>
+    <p:extLst>
+      <p:ext uri="{BB962C8B-B14F-4D97-AF65-F5344CB8AC3E}">
+        <p14:creationId xmlns:p14="http://schemas.microsoft.com/office/powerpoint/2010/main" val="1796029606"/>
+      </p:ext>
+    </p:extLst>
+  </p:cSld>
+  <p:clrMapOvr>
+    <a:masterClrMapping/>
+  </p:clrMapOvr>
+</p:notes>
+</file>
+
+<file path=ppt/notesSlides/notesSlide18.xml><?xml version="1.0" encoding="utf-8"?>
+<p:notes xmlns:a="http://schemas.openxmlformats.org/drawingml/2006/main" xmlns:r="http://schemas.openxmlformats.org/officeDocument/2006/relationships" xmlns:p="http://schemas.openxmlformats.org/presentationml/2006/main" showMasterSp="0" showMasterPhAnim="0">
+  <p:cSld>
+    <p:spTree>
+      <p:nvGrpSpPr>
+        <p:cNvPr id="1" name="Shape 101">
+          <a:extLst>
+            <a:ext uri="{FF2B5EF4-FFF2-40B4-BE49-F238E27FC236}">
+              <a16:creationId xmlns:a16="http://schemas.microsoft.com/office/drawing/2014/main" id="{E21B6CE8-D50B-A2E8-624E-1873A0EE83B7}"/>
+            </a:ext>
+          </a:extLst>
+        </p:cNvPr>
+        <p:cNvGrpSpPr/>
+        <p:nvPr/>
+      </p:nvGrpSpPr>
+      <p:grpSpPr>
+        <a:xfrm>
+          <a:off x="0" y="0"/>
+          <a:ext cx="0" cy="0"/>
+          <a:chOff x="0" y="0"/>
+          <a:chExt cx="0" cy="0"/>
+        </a:xfrm>
+      </p:grpSpPr>
+      <p:sp>
+        <p:nvSpPr>
+          <p:cNvPr id="102" name="Google Shape;102;g851b290239_0_292:notes">
+            <a:extLst>
+              <a:ext uri="{FF2B5EF4-FFF2-40B4-BE49-F238E27FC236}">
+                <a16:creationId xmlns:a16="http://schemas.microsoft.com/office/drawing/2014/main" id="{9D874FAD-DB83-6E0E-DF5D-FAE5B7D19F68}"/>
+              </a:ext>
+            </a:extLst>
+          </p:cNvPr>
+          <p:cNvSpPr>
+            <a:spLocks noGrp="1" noRot="1" noChangeAspect="1"/>
+          </p:cNvSpPr>
+          <p:nvPr>
+            <p:ph type="sldImg" idx="2"/>
+          </p:nvPr>
+        </p:nvSpPr>
+        <p:spPr>
+          <a:xfrm>
+            <a:off x="381000" y="685800"/>
+            <a:ext cx="6096000" cy="3429000"/>
+          </a:xfrm>
+          <a:custGeom>
+            <a:avLst/>
+            <a:gdLst/>
+            <a:ahLst/>
+            <a:cxnLst/>
+            <a:rect l="l" t="t" r="r" b="b"/>
+            <a:pathLst>
+              <a:path w="120000" h="120000" extrusionOk="0">
+                <a:moveTo>
+                  <a:pt x="0" y="0"/>
+                </a:moveTo>
+                <a:lnTo>
+                  <a:pt x="120000" y="0"/>
+                </a:lnTo>
+                <a:lnTo>
+                  <a:pt x="120000" y="120000"/>
+                </a:lnTo>
+                <a:lnTo>
+                  <a:pt x="0" y="120000"/>
+                </a:lnTo>
+                <a:close/>
+              </a:path>
+            </a:pathLst>
+          </a:custGeom>
+        </p:spPr>
+      </p:sp>
+      <p:sp>
+        <p:nvSpPr>
+          <p:cNvPr id="103" name="Google Shape;103;g851b290239_0_292:notes">
+            <a:extLst>
+              <a:ext uri="{FF2B5EF4-FFF2-40B4-BE49-F238E27FC236}">
+                <a16:creationId xmlns:a16="http://schemas.microsoft.com/office/drawing/2014/main" id="{817316BB-8B1D-2159-2644-AACE572D570A}"/>
+              </a:ext>
+            </a:extLst>
+          </p:cNvPr>
+          <p:cNvSpPr txBox="1">
+            <a:spLocks noGrp="1"/>
+          </p:cNvSpPr>
+          <p:nvPr>
+            <p:ph type="body" idx="1"/>
+          </p:nvPr>
+        </p:nvSpPr>
+        <p:spPr>
+          <a:xfrm>
+            <a:off x="685800" y="4343400"/>
+            <a:ext cx="5486400" cy="4114800"/>
+          </a:xfrm>
+          <a:prstGeom prst="rect">
+            <a:avLst/>
+          </a:prstGeom>
+        </p:spPr>
+        <p:txBody>
+          <a:bodyPr spcFirstLastPara="1" wrap="square" lIns="91425" tIns="91425" rIns="91425" bIns="91425" anchor="t" anchorCtr="0">
+            <a:noAutofit/>
+          </a:bodyPr>
+          <a:lstStyle/>
+          <a:p>
+            <a:pPr marL="0" lvl="0" indent="0" algn="l" rtl="0">
+              <a:spcBef>
+                <a:spcPts val="0"/>
+              </a:spcBef>
+              <a:spcAft>
+                <a:spcPts val="0"/>
+              </a:spcAft>
+              <a:buNone/>
+            </a:pPr>
+            <a:endParaRPr/>
+          </a:p>
+        </p:txBody>
+      </p:sp>
+    </p:spTree>
+    <p:extLst>
+      <p:ext uri="{BB962C8B-B14F-4D97-AF65-F5344CB8AC3E}">
+        <p14:creationId xmlns:p14="http://schemas.microsoft.com/office/powerpoint/2010/main" val="1559182037"/>
+      </p:ext>
+    </p:extLst>
+  </p:cSld>
+  <p:clrMapOvr>
+    <a:masterClrMapping/>
+  </p:clrMapOvr>
+</p:notes>
+</file>
+
+<file path=ppt/notesSlides/notesSlide19.xml><?xml version="1.0" encoding="utf-8"?>
+<p:notes xmlns:a="http://schemas.openxmlformats.org/drawingml/2006/main" xmlns:r="http://schemas.openxmlformats.org/officeDocument/2006/relationships" xmlns:p="http://schemas.openxmlformats.org/presentationml/2006/main" showMasterSp="0" showMasterPhAnim="0">
+  <p:cSld>
+    <p:spTree>
+      <p:nvGrpSpPr>
+        <p:cNvPr id="1" name="Shape 101">
+          <a:extLst>
+            <a:ext uri="{FF2B5EF4-FFF2-40B4-BE49-F238E27FC236}">
+              <a16:creationId xmlns:a16="http://schemas.microsoft.com/office/drawing/2014/main" id="{A62DA869-38D7-590E-13F8-F2560B5FDA4E}"/>
+            </a:ext>
+          </a:extLst>
+        </p:cNvPr>
+        <p:cNvGrpSpPr/>
+        <p:nvPr/>
+      </p:nvGrpSpPr>
+      <p:grpSpPr>
+        <a:xfrm>
+          <a:off x="0" y="0"/>
+          <a:ext cx="0" cy="0"/>
+          <a:chOff x="0" y="0"/>
+          <a:chExt cx="0" cy="0"/>
+        </a:xfrm>
+      </p:grpSpPr>
+      <p:sp>
+        <p:nvSpPr>
+          <p:cNvPr id="102" name="Google Shape;102;g851b290239_0_292:notes">
+            <a:extLst>
+              <a:ext uri="{FF2B5EF4-FFF2-40B4-BE49-F238E27FC236}">
+                <a16:creationId xmlns:a16="http://schemas.microsoft.com/office/drawing/2014/main" id="{58584864-C7C4-5101-753D-DF4D223D9C03}"/>
+              </a:ext>
+            </a:extLst>
+          </p:cNvPr>
+          <p:cNvSpPr>
+            <a:spLocks noGrp="1" noRot="1" noChangeAspect="1"/>
+          </p:cNvSpPr>
+          <p:nvPr>
+            <p:ph type="sldImg" idx="2"/>
+          </p:nvPr>
+        </p:nvSpPr>
+        <p:spPr>
+          <a:xfrm>
+            <a:off x="381000" y="685800"/>
+            <a:ext cx="6096000" cy="3429000"/>
+          </a:xfrm>
+          <a:custGeom>
+            <a:avLst/>
+            <a:gdLst/>
+            <a:ahLst/>
+            <a:cxnLst/>
+            <a:rect l="l" t="t" r="r" b="b"/>
+            <a:pathLst>
+              <a:path w="120000" h="120000" extrusionOk="0">
+                <a:moveTo>
+                  <a:pt x="0" y="0"/>
+                </a:moveTo>
+                <a:lnTo>
+                  <a:pt x="120000" y="0"/>
+                </a:lnTo>
+                <a:lnTo>
+                  <a:pt x="120000" y="120000"/>
+                </a:lnTo>
+                <a:lnTo>
+                  <a:pt x="0" y="120000"/>
+                </a:lnTo>
+                <a:close/>
+              </a:path>
+            </a:pathLst>
+          </a:custGeom>
+        </p:spPr>
+      </p:sp>
+      <p:sp>
+        <p:nvSpPr>
+          <p:cNvPr id="103" name="Google Shape;103;g851b290239_0_292:notes">
+            <a:extLst>
+              <a:ext uri="{FF2B5EF4-FFF2-40B4-BE49-F238E27FC236}">
+                <a16:creationId xmlns:a16="http://schemas.microsoft.com/office/drawing/2014/main" id="{D31750D9-9E29-D274-24FD-7DA8AB9ABFF0}"/>
+              </a:ext>
+            </a:extLst>
+          </p:cNvPr>
+          <p:cNvSpPr txBox="1">
+            <a:spLocks noGrp="1"/>
+          </p:cNvSpPr>
+          <p:nvPr>
+            <p:ph type="body" idx="1"/>
+          </p:nvPr>
+        </p:nvSpPr>
+        <p:spPr>
+          <a:xfrm>
+            <a:off x="685800" y="4343400"/>
+            <a:ext cx="5486400" cy="4114800"/>
+          </a:xfrm>
+          <a:prstGeom prst="rect">
+            <a:avLst/>
+          </a:prstGeom>
+        </p:spPr>
+        <p:txBody>
+          <a:bodyPr spcFirstLastPara="1" wrap="square" lIns="91425" tIns="91425" rIns="91425" bIns="91425" anchor="t" anchorCtr="0">
+            <a:noAutofit/>
+          </a:bodyPr>
+          <a:lstStyle/>
+          <a:p>
+            <a:pPr marL="0" lvl="0" indent="0" algn="l" rtl="0">
+              <a:spcBef>
+                <a:spcPts val="0"/>
+              </a:spcBef>
+              <a:spcAft>
+                <a:spcPts val="0"/>
+              </a:spcAft>
+              <a:buNone/>
+            </a:pPr>
+            <a:endParaRPr/>
+          </a:p>
+        </p:txBody>
+      </p:sp>
+    </p:spTree>
+    <p:extLst>
+      <p:ext uri="{BB962C8B-B14F-4D97-AF65-F5344CB8AC3E}">
+        <p14:creationId xmlns:p14="http://schemas.microsoft.com/office/powerpoint/2010/main" val="3834864311"/>
+      </p:ext>
+    </p:extLst>
   </p:cSld>
   <p:clrMapOvr>
     <a:masterClrMapping/>
@@ -995,6 +2174,214 @@
       <p:sp>
         <p:nvSpPr>
           <p:cNvPr id="91" name="Google Shape;91;g851b290239_0_45:notes"/>
+          <p:cNvSpPr txBox="1">
+            <a:spLocks noGrp="1"/>
+          </p:cNvSpPr>
+          <p:nvPr>
+            <p:ph type="body" idx="1"/>
+          </p:nvPr>
+        </p:nvSpPr>
+        <p:spPr>
+          <a:xfrm>
+            <a:off x="685800" y="4343400"/>
+            <a:ext cx="5486400" cy="4114800"/>
+          </a:xfrm>
+          <a:prstGeom prst="rect">
+            <a:avLst/>
+          </a:prstGeom>
+        </p:spPr>
+        <p:txBody>
+          <a:bodyPr spcFirstLastPara="1" wrap="square" lIns="91425" tIns="91425" rIns="91425" bIns="91425" anchor="t" anchorCtr="0">
+            <a:noAutofit/>
+          </a:bodyPr>
+          <a:lstStyle/>
+          <a:p>
+            <a:pPr marL="0" lvl="0" indent="0" algn="l" rtl="0">
+              <a:spcBef>
+                <a:spcPts val="0"/>
+              </a:spcBef>
+              <a:spcAft>
+                <a:spcPts val="0"/>
+              </a:spcAft>
+              <a:buNone/>
+            </a:pPr>
+            <a:endParaRPr/>
+          </a:p>
+        </p:txBody>
+      </p:sp>
+    </p:spTree>
+  </p:cSld>
+  <p:clrMapOvr>
+    <a:masterClrMapping/>
+  </p:clrMapOvr>
+</p:notes>
+</file>
+
+<file path=ppt/notesSlides/notesSlide20.xml><?xml version="1.0" encoding="utf-8"?>
+<p:notes xmlns:a="http://schemas.openxmlformats.org/drawingml/2006/main" xmlns:r="http://schemas.openxmlformats.org/officeDocument/2006/relationships" xmlns:p="http://schemas.openxmlformats.org/presentationml/2006/main" showMasterSp="0" showMasterPhAnim="0">
+  <p:cSld>
+    <p:spTree>
+      <p:nvGrpSpPr>
+        <p:cNvPr id="1" name="Shape 229"/>
+        <p:cNvGrpSpPr/>
+        <p:nvPr/>
+      </p:nvGrpSpPr>
+      <p:grpSpPr>
+        <a:xfrm>
+          <a:off x="0" y="0"/>
+          <a:ext cx="0" cy="0"/>
+          <a:chOff x="0" y="0"/>
+          <a:chExt cx="0" cy="0"/>
+        </a:xfrm>
+      </p:grpSpPr>
+      <p:sp>
+        <p:nvSpPr>
+          <p:cNvPr id="230" name="Google Shape;230;g851b290239_0_373:notes"/>
+          <p:cNvSpPr>
+            <a:spLocks noGrp="1" noRot="1" noChangeAspect="1"/>
+          </p:cNvSpPr>
+          <p:nvPr>
+            <p:ph type="sldImg" idx="2"/>
+          </p:nvPr>
+        </p:nvSpPr>
+        <p:spPr>
+          <a:xfrm>
+            <a:off x="381000" y="685800"/>
+            <a:ext cx="6096000" cy="3429000"/>
+          </a:xfrm>
+          <a:custGeom>
+            <a:avLst/>
+            <a:gdLst/>
+            <a:ahLst/>
+            <a:cxnLst/>
+            <a:rect l="l" t="t" r="r" b="b"/>
+            <a:pathLst>
+              <a:path w="120000" h="120000" extrusionOk="0">
+                <a:moveTo>
+                  <a:pt x="0" y="0"/>
+                </a:moveTo>
+                <a:lnTo>
+                  <a:pt x="120000" y="0"/>
+                </a:lnTo>
+                <a:lnTo>
+                  <a:pt x="120000" y="120000"/>
+                </a:lnTo>
+                <a:lnTo>
+                  <a:pt x="0" y="120000"/>
+                </a:lnTo>
+                <a:close/>
+              </a:path>
+            </a:pathLst>
+          </a:custGeom>
+        </p:spPr>
+      </p:sp>
+      <p:sp>
+        <p:nvSpPr>
+          <p:cNvPr id="231" name="Google Shape;231;g851b290239_0_373:notes"/>
+          <p:cNvSpPr txBox="1">
+            <a:spLocks noGrp="1"/>
+          </p:cNvSpPr>
+          <p:nvPr>
+            <p:ph type="body" idx="1"/>
+          </p:nvPr>
+        </p:nvSpPr>
+        <p:spPr>
+          <a:xfrm>
+            <a:off x="685800" y="4343400"/>
+            <a:ext cx="5486400" cy="4114800"/>
+          </a:xfrm>
+          <a:prstGeom prst="rect">
+            <a:avLst/>
+          </a:prstGeom>
+        </p:spPr>
+        <p:txBody>
+          <a:bodyPr spcFirstLastPara="1" wrap="square" lIns="91425" tIns="91425" rIns="91425" bIns="91425" anchor="t" anchorCtr="0">
+            <a:noAutofit/>
+          </a:bodyPr>
+          <a:lstStyle/>
+          <a:p>
+            <a:pPr marL="0" lvl="0" indent="0" algn="l" rtl="0">
+              <a:spcBef>
+                <a:spcPts val="0"/>
+              </a:spcBef>
+              <a:spcAft>
+                <a:spcPts val="0"/>
+              </a:spcAft>
+              <a:buNone/>
+            </a:pPr>
+            <a:endParaRPr/>
+          </a:p>
+        </p:txBody>
+      </p:sp>
+    </p:spTree>
+  </p:cSld>
+  <p:clrMapOvr>
+    <a:masterClrMapping/>
+  </p:clrMapOvr>
+</p:notes>
+</file>
+
+<file path=ppt/notesSlides/notesSlide21.xml><?xml version="1.0" encoding="utf-8"?>
+<p:notes xmlns:a="http://schemas.openxmlformats.org/drawingml/2006/main" xmlns:r="http://schemas.openxmlformats.org/officeDocument/2006/relationships" xmlns:p="http://schemas.openxmlformats.org/presentationml/2006/main" showMasterSp="0" showMasterPhAnim="0">
+  <p:cSld>
+    <p:spTree>
+      <p:nvGrpSpPr>
+        <p:cNvPr id="1" name="Shape 235"/>
+        <p:cNvGrpSpPr/>
+        <p:nvPr/>
+      </p:nvGrpSpPr>
+      <p:grpSpPr>
+        <a:xfrm>
+          <a:off x="0" y="0"/>
+          <a:ext cx="0" cy="0"/>
+          <a:chOff x="0" y="0"/>
+          <a:chExt cx="0" cy="0"/>
+        </a:xfrm>
+      </p:grpSpPr>
+      <p:sp>
+        <p:nvSpPr>
+          <p:cNvPr id="236" name="Google Shape;236;g782042cefa_1_0:notes"/>
+          <p:cNvSpPr>
+            <a:spLocks noGrp="1" noRot="1" noChangeAspect="1"/>
+          </p:cNvSpPr>
+          <p:nvPr>
+            <p:ph type="sldImg" idx="2"/>
+          </p:nvPr>
+        </p:nvSpPr>
+        <p:spPr>
+          <a:xfrm>
+            <a:off x="381000" y="685800"/>
+            <a:ext cx="6096000" cy="3429000"/>
+          </a:xfrm>
+          <a:custGeom>
+            <a:avLst/>
+            <a:gdLst/>
+            <a:ahLst/>
+            <a:cxnLst/>
+            <a:rect l="l" t="t" r="r" b="b"/>
+            <a:pathLst>
+              <a:path w="120000" h="120000" extrusionOk="0">
+                <a:moveTo>
+                  <a:pt x="0" y="0"/>
+                </a:moveTo>
+                <a:lnTo>
+                  <a:pt x="120000" y="0"/>
+                </a:lnTo>
+                <a:lnTo>
+                  <a:pt x="120000" y="120000"/>
+                </a:lnTo>
+                <a:lnTo>
+                  <a:pt x="0" y="120000"/>
+                </a:lnTo>
+                <a:close/>
+              </a:path>
+            </a:pathLst>
+          </a:custGeom>
+        </p:spPr>
+      </p:sp>
+      <p:sp>
+        <p:nvSpPr>
+          <p:cNvPr id="237" name="Google Shape;237;g782042cefa_1_0:notes"/>
           <p:cNvSpPr txBox="1">
             <a:spLocks noGrp="1"/>
           </p:cNvSpPr>
@@ -1147,6 +2534,133 @@
   <p:cSld>
     <p:spTree>
       <p:nvGrpSpPr>
+        <p:cNvPr id="1" name="Shape 82">
+          <a:extLst>
+            <a:ext uri="{FF2B5EF4-FFF2-40B4-BE49-F238E27FC236}">
+              <a16:creationId xmlns:a16="http://schemas.microsoft.com/office/drawing/2014/main" id="{287DA47E-3E4E-1991-CD40-8152F355DB1E}"/>
+            </a:ext>
+          </a:extLst>
+        </p:cNvPr>
+        <p:cNvGrpSpPr/>
+        <p:nvPr/>
+      </p:nvGrpSpPr>
+      <p:grpSpPr>
+        <a:xfrm>
+          <a:off x="0" y="0"/>
+          <a:ext cx="0" cy="0"/>
+          <a:chOff x="0" y="0"/>
+          <a:chExt cx="0" cy="0"/>
+        </a:xfrm>
+      </p:grpSpPr>
+      <p:sp>
+        <p:nvSpPr>
+          <p:cNvPr id="83" name="Google Shape;83;p:notes">
+            <a:extLst>
+              <a:ext uri="{FF2B5EF4-FFF2-40B4-BE49-F238E27FC236}">
+                <a16:creationId xmlns:a16="http://schemas.microsoft.com/office/drawing/2014/main" id="{A5B8BAD3-BC58-F835-EE86-912D0D3F24CE}"/>
+              </a:ext>
+            </a:extLst>
+          </p:cNvPr>
+          <p:cNvSpPr>
+            <a:spLocks noGrp="1" noRot="1" noChangeAspect="1"/>
+          </p:cNvSpPr>
+          <p:nvPr>
+            <p:ph type="sldImg" idx="2"/>
+          </p:nvPr>
+        </p:nvSpPr>
+        <p:spPr>
+          <a:xfrm>
+            <a:off x="381000" y="685800"/>
+            <a:ext cx="6096000" cy="3429000"/>
+          </a:xfrm>
+          <a:custGeom>
+            <a:avLst/>
+            <a:gdLst/>
+            <a:ahLst/>
+            <a:cxnLst/>
+            <a:rect l="l" t="t" r="r" b="b"/>
+            <a:pathLst>
+              <a:path w="120000" h="120000" extrusionOk="0">
+                <a:moveTo>
+                  <a:pt x="0" y="0"/>
+                </a:moveTo>
+                <a:lnTo>
+                  <a:pt x="120000" y="0"/>
+                </a:lnTo>
+                <a:lnTo>
+                  <a:pt x="120000" y="120000"/>
+                </a:lnTo>
+                <a:lnTo>
+                  <a:pt x="0" y="120000"/>
+                </a:lnTo>
+                <a:close/>
+              </a:path>
+            </a:pathLst>
+          </a:custGeom>
+        </p:spPr>
+      </p:sp>
+      <p:sp>
+        <p:nvSpPr>
+          <p:cNvPr id="84" name="Google Shape;84;p:notes">
+            <a:extLst>
+              <a:ext uri="{FF2B5EF4-FFF2-40B4-BE49-F238E27FC236}">
+                <a16:creationId xmlns:a16="http://schemas.microsoft.com/office/drawing/2014/main" id="{A5DF0FA4-8485-D633-B84C-485C99C0DEA3}"/>
+              </a:ext>
+            </a:extLst>
+          </p:cNvPr>
+          <p:cNvSpPr txBox="1">
+            <a:spLocks noGrp="1"/>
+          </p:cNvSpPr>
+          <p:nvPr>
+            <p:ph type="body" idx="1"/>
+          </p:nvPr>
+        </p:nvSpPr>
+        <p:spPr>
+          <a:xfrm>
+            <a:off x="685800" y="4343400"/>
+            <a:ext cx="5486400" cy="4114800"/>
+          </a:xfrm>
+          <a:prstGeom prst="rect">
+            <a:avLst/>
+          </a:prstGeom>
+        </p:spPr>
+        <p:txBody>
+          <a:bodyPr spcFirstLastPara="1" wrap="square" lIns="91425" tIns="91425" rIns="91425" bIns="91425" anchor="t" anchorCtr="0">
+            <a:noAutofit/>
+          </a:bodyPr>
+          <a:lstStyle/>
+          <a:p>
+            <a:pPr marL="0" lvl="0" indent="0" algn="l" rtl="0">
+              <a:spcBef>
+                <a:spcPts val="0"/>
+              </a:spcBef>
+              <a:spcAft>
+                <a:spcPts val="0"/>
+              </a:spcAft>
+              <a:buNone/>
+            </a:pPr>
+            <a:endParaRPr/>
+          </a:p>
+        </p:txBody>
+      </p:sp>
+    </p:spTree>
+    <p:extLst>
+      <p:ext uri="{BB962C8B-B14F-4D97-AF65-F5344CB8AC3E}">
+        <p14:creationId xmlns:p14="http://schemas.microsoft.com/office/powerpoint/2010/main" val="3499868479"/>
+      </p:ext>
+    </p:extLst>
+  </p:cSld>
+  <p:clrMapOvr>
+    <a:masterClrMapping/>
+  </p:clrMapOvr>
+</p:notes>
+</file>
+
+<file path=ppt/notesSlides/notesSlide5.xml><?xml version="1.0" encoding="utf-8"?>
+<p:notes xmlns:a="http://schemas.openxmlformats.org/drawingml/2006/main" xmlns:r="http://schemas.openxmlformats.org/officeDocument/2006/relationships" xmlns:p="http://schemas.openxmlformats.org/presentationml/2006/main" showMasterSp="0" showMasterPhAnim="0">
+  <p:cSld>
+    <p:spTree>
+      <p:nvGrpSpPr>
         <p:cNvPr id="1" name="Shape 101"/>
         <p:cNvGrpSpPr/>
         <p:nvPr/>
@@ -1246,7 +2760,7 @@
 </p:notes>
 </file>
 
-<file path=ppt/notesSlides/notesSlide5.xml><?xml version="1.0" encoding="utf-8"?>
+<file path=ppt/notesSlides/notesSlide6.xml><?xml version="1.0" encoding="utf-8"?>
 <p:notes xmlns:a="http://schemas.openxmlformats.org/drawingml/2006/main" xmlns:r="http://schemas.openxmlformats.org/officeDocument/2006/relationships" xmlns:p="http://schemas.openxmlformats.org/presentationml/2006/main" showMasterSp="0" showMasterPhAnim="0">
   <p:cSld>
     <p:spTree>
@@ -1373,7 +2887,7 @@
 </p:notes>
 </file>
 
-<file path=ppt/notesSlides/notesSlide6.xml><?xml version="1.0" encoding="utf-8"?>
+<file path=ppt/notesSlides/notesSlide7.xml><?xml version="1.0" encoding="utf-8"?>
 <p:notes xmlns:a="http://schemas.openxmlformats.org/drawingml/2006/main" xmlns:r="http://schemas.openxmlformats.org/officeDocument/2006/relationships" xmlns:p="http://schemas.openxmlformats.org/presentationml/2006/main" showMasterSp="0" showMasterPhAnim="0">
   <p:cSld>
     <p:spTree>
@@ -1500,7 +3014,7 @@
 </p:notes>
 </file>
 
-<file path=ppt/notesSlides/notesSlide7.xml><?xml version="1.0" encoding="utf-8"?>
+<file path=ppt/notesSlides/notesSlide8.xml><?xml version="1.0" encoding="utf-8"?>
 <p:notes xmlns:a="http://schemas.openxmlformats.org/drawingml/2006/main" xmlns:r="http://schemas.openxmlformats.org/officeDocument/2006/relationships" xmlns:p="http://schemas.openxmlformats.org/presentationml/2006/main" showMasterSp="0" showMasterPhAnim="0">
   <p:cSld>
     <p:spTree>
@@ -1627,15 +3141,15 @@
 </p:notes>
 </file>
 
-<file path=ppt/notesSlides/notesSlide8.xml><?xml version="1.0" encoding="utf-8"?>
+<file path=ppt/notesSlides/notesSlide9.xml><?xml version="1.0" encoding="utf-8"?>
 <p:notes xmlns:a="http://schemas.openxmlformats.org/drawingml/2006/main" xmlns:r="http://schemas.openxmlformats.org/officeDocument/2006/relationships" xmlns:p="http://schemas.openxmlformats.org/presentationml/2006/main" showMasterSp="0" showMasterPhAnim="0">
   <p:cSld>
     <p:spTree>
       <p:nvGrpSpPr>
-        <p:cNvPr id="1" name="Shape 101">
+        <p:cNvPr id="1" name="Shape 82">
           <a:extLst>
             <a:ext uri="{FF2B5EF4-FFF2-40B4-BE49-F238E27FC236}">
-              <a16:creationId xmlns:a16="http://schemas.microsoft.com/office/drawing/2014/main" id="{9561551F-FF52-ADE3-35DB-27987C2B10A4}"/>
+              <a16:creationId xmlns:a16="http://schemas.microsoft.com/office/drawing/2014/main" id="{C249FA8C-3704-2C2D-C6EE-834233A07543}"/>
             </a:ext>
           </a:extLst>
         </p:cNvPr>
@@ -1652,10 +3166,10 @@
       </p:grpSpPr>
       <p:sp>
         <p:nvSpPr>
-          <p:cNvPr id="102" name="Google Shape;102;g851b290239_0_292:notes">
+          <p:cNvPr id="83" name="Google Shape;83;p:notes">
             <a:extLst>
               <a:ext uri="{FF2B5EF4-FFF2-40B4-BE49-F238E27FC236}">
-                <a16:creationId xmlns:a16="http://schemas.microsoft.com/office/drawing/2014/main" id="{E62CA392-AD99-E890-3DEB-56D98F626E23}"/>
+                <a16:creationId xmlns:a16="http://schemas.microsoft.com/office/drawing/2014/main" id="{3B79F5E9-9DCC-70A9-E95F-D6D4439584FA}"/>
               </a:ext>
             </a:extLst>
           </p:cNvPr>
@@ -1699,10 +3213,10 @@
       </p:sp>
       <p:sp>
         <p:nvSpPr>
-          <p:cNvPr id="103" name="Google Shape;103;g851b290239_0_292:notes">
+          <p:cNvPr id="84" name="Google Shape;84;p:notes">
             <a:extLst>
               <a:ext uri="{FF2B5EF4-FFF2-40B4-BE49-F238E27FC236}">
-                <a16:creationId xmlns:a16="http://schemas.microsoft.com/office/drawing/2014/main" id="{69B04D90-D67E-5830-717F-F21AF632DBAB}"/>
+                <a16:creationId xmlns:a16="http://schemas.microsoft.com/office/drawing/2014/main" id="{17788B55-F879-F301-EF41-5270EC08EE9B}"/>
               </a:ext>
             </a:extLst>
           </p:cNvPr>
@@ -1744,113 +3258,9 @@
     </p:spTree>
     <p:extLst>
       <p:ext uri="{BB962C8B-B14F-4D97-AF65-F5344CB8AC3E}">
-        <p14:creationId xmlns:p14="http://schemas.microsoft.com/office/powerpoint/2010/main" val="2138900806"/>
+        <p14:creationId xmlns:p14="http://schemas.microsoft.com/office/powerpoint/2010/main" val="1317463135"/>
       </p:ext>
     </p:extLst>
-  </p:cSld>
-  <p:clrMapOvr>
-    <a:masterClrMapping/>
-  </p:clrMapOvr>
-</p:notes>
-</file>
-
-<file path=ppt/notesSlides/notesSlide9.xml><?xml version="1.0" encoding="utf-8"?>
-<p:notes xmlns:a="http://schemas.openxmlformats.org/drawingml/2006/main" xmlns:r="http://schemas.openxmlformats.org/officeDocument/2006/relationships" xmlns:p="http://schemas.openxmlformats.org/presentationml/2006/main" showMasterSp="0" showMasterPhAnim="0">
-  <p:cSld>
-    <p:spTree>
-      <p:nvGrpSpPr>
-        <p:cNvPr id="1" name="Shape 229"/>
-        <p:cNvGrpSpPr/>
-        <p:nvPr/>
-      </p:nvGrpSpPr>
-      <p:grpSpPr>
-        <a:xfrm>
-          <a:off x="0" y="0"/>
-          <a:ext cx="0" cy="0"/>
-          <a:chOff x="0" y="0"/>
-          <a:chExt cx="0" cy="0"/>
-        </a:xfrm>
-      </p:grpSpPr>
-      <p:sp>
-        <p:nvSpPr>
-          <p:cNvPr id="230" name="Google Shape;230;g851b290239_0_373:notes"/>
-          <p:cNvSpPr>
-            <a:spLocks noGrp="1" noRot="1" noChangeAspect="1"/>
-          </p:cNvSpPr>
-          <p:nvPr>
-            <p:ph type="sldImg" idx="2"/>
-          </p:nvPr>
-        </p:nvSpPr>
-        <p:spPr>
-          <a:xfrm>
-            <a:off x="381000" y="685800"/>
-            <a:ext cx="6096000" cy="3429000"/>
-          </a:xfrm>
-          <a:custGeom>
-            <a:avLst/>
-            <a:gdLst/>
-            <a:ahLst/>
-            <a:cxnLst/>
-            <a:rect l="l" t="t" r="r" b="b"/>
-            <a:pathLst>
-              <a:path w="120000" h="120000" extrusionOk="0">
-                <a:moveTo>
-                  <a:pt x="0" y="0"/>
-                </a:moveTo>
-                <a:lnTo>
-                  <a:pt x="120000" y="0"/>
-                </a:lnTo>
-                <a:lnTo>
-                  <a:pt x="120000" y="120000"/>
-                </a:lnTo>
-                <a:lnTo>
-                  <a:pt x="0" y="120000"/>
-                </a:lnTo>
-                <a:close/>
-              </a:path>
-            </a:pathLst>
-          </a:custGeom>
-        </p:spPr>
-      </p:sp>
-      <p:sp>
-        <p:nvSpPr>
-          <p:cNvPr id="231" name="Google Shape;231;g851b290239_0_373:notes"/>
-          <p:cNvSpPr txBox="1">
-            <a:spLocks noGrp="1"/>
-          </p:cNvSpPr>
-          <p:nvPr>
-            <p:ph type="body" idx="1"/>
-          </p:nvPr>
-        </p:nvSpPr>
-        <p:spPr>
-          <a:xfrm>
-            <a:off x="685800" y="4343400"/>
-            <a:ext cx="5486400" cy="4114800"/>
-          </a:xfrm>
-          <a:prstGeom prst="rect">
-            <a:avLst/>
-          </a:prstGeom>
-        </p:spPr>
-        <p:txBody>
-          <a:bodyPr spcFirstLastPara="1" wrap="square" lIns="91425" tIns="91425" rIns="91425" bIns="91425" anchor="t" anchorCtr="0">
-            <a:noAutofit/>
-          </a:bodyPr>
-          <a:lstStyle/>
-          <a:p>
-            <a:pPr marL="0" lvl="0" indent="0" algn="l" rtl="0">
-              <a:spcBef>
-                <a:spcPts val="0"/>
-              </a:spcBef>
-              <a:spcAft>
-                <a:spcPts val="0"/>
-              </a:spcAft>
-              <a:buNone/>
-            </a:pPr>
-            <a:endParaRPr/>
-          </a:p>
-        </p:txBody>
-      </p:sp>
-    </p:spTree>
   </p:cSld>
   <p:clrMapOvr>
     <a:masterClrMapping/>
@@ -8593,7 +10003,7 @@
   <p:cSld>
     <p:spTree>
       <p:nvGrpSpPr>
-        <p:cNvPr id="1" name="Shape 238"/>
+        <p:cNvPr id="1" name=""/>
         <p:cNvGrpSpPr/>
         <p:nvPr/>
       </p:nvGrpSpPr>
@@ -8607,7 +10017,107 @@
       </p:grpSpPr>
       <p:sp>
         <p:nvSpPr>
-          <p:cNvPr id="239" name="Google Shape;239;p35"/>
+          <p:cNvPr id="2" name="Title 1">
+            <a:extLst>
+              <a:ext uri="{FF2B5EF4-FFF2-40B4-BE49-F238E27FC236}">
+                <a16:creationId xmlns:a16="http://schemas.microsoft.com/office/drawing/2014/main" id="{6C445328-DFE6-00E3-FEE0-FC4486B17277}"/>
+              </a:ext>
+            </a:extLst>
+          </p:cNvPr>
+          <p:cNvSpPr>
+            <a:spLocks noGrp="1"/>
+          </p:cNvSpPr>
+          <p:nvPr>
+            <p:ph type="title"/>
+          </p:nvPr>
+        </p:nvSpPr>
+        <p:spPr>
+          <a:xfrm>
+            <a:off x="674032" y="618995"/>
+            <a:ext cx="7688700" cy="535200"/>
+          </a:xfrm>
+        </p:spPr>
+        <p:txBody>
+          <a:bodyPr/>
+          <a:lstStyle/>
+          <a:p>
+            <a:r>
+              <a:rPr lang="en-US" dirty="0"/>
+              <a:t>Data Cleaning</a:t>
+            </a:r>
+          </a:p>
+        </p:txBody>
+      </p:sp>
+      <p:sp>
+        <p:nvSpPr>
+          <p:cNvPr id="3" name="Text Placeholder 2">
+            <a:extLst>
+              <a:ext uri="{FF2B5EF4-FFF2-40B4-BE49-F238E27FC236}">
+                <a16:creationId xmlns:a16="http://schemas.microsoft.com/office/drawing/2014/main" id="{2D466CAD-EDC8-AF01-9EA1-FE8A55640235}"/>
+              </a:ext>
+            </a:extLst>
+          </p:cNvPr>
+          <p:cNvSpPr>
+            <a:spLocks noGrp="1"/>
+          </p:cNvSpPr>
+          <p:nvPr>
+            <p:ph type="body" idx="1"/>
+          </p:nvPr>
+        </p:nvSpPr>
+        <p:spPr/>
+        <p:txBody>
+          <a:bodyPr/>
+          <a:lstStyle/>
+          <a:p>
+            <a:endParaRPr lang="en-US" dirty="0"/>
+          </a:p>
+        </p:txBody>
+      </p:sp>
+    </p:spTree>
+    <p:extLst>
+      <p:ext uri="{BB962C8B-B14F-4D97-AF65-F5344CB8AC3E}">
+        <p14:creationId xmlns:p14="http://schemas.microsoft.com/office/powerpoint/2010/main" val="1272654866"/>
+      </p:ext>
+    </p:extLst>
+  </p:cSld>
+  <p:clrMapOvr>
+    <a:masterClrMapping/>
+  </p:clrMapOvr>
+</p:sld>
+</file>
+
+<file path=ppt/slides/slide11.xml><?xml version="1.0" encoding="utf-8"?>
+<p:sld xmlns:a="http://schemas.openxmlformats.org/drawingml/2006/main" xmlns:r="http://schemas.openxmlformats.org/officeDocument/2006/relationships" xmlns:p="http://schemas.openxmlformats.org/presentationml/2006/main">
+  <p:cSld>
+    <p:spTree>
+      <p:nvGrpSpPr>
+        <p:cNvPr id="1" name="Shape 104">
+          <a:extLst>
+            <a:ext uri="{FF2B5EF4-FFF2-40B4-BE49-F238E27FC236}">
+              <a16:creationId xmlns:a16="http://schemas.microsoft.com/office/drawing/2014/main" id="{DBF1712A-DC92-1912-1362-CB9FAA20751D}"/>
+            </a:ext>
+          </a:extLst>
+        </p:cNvPr>
+        <p:cNvGrpSpPr/>
+        <p:nvPr/>
+      </p:nvGrpSpPr>
+      <p:grpSpPr>
+        <a:xfrm>
+          <a:off x="0" y="0"/>
+          <a:ext cx="0" cy="0"/>
+          <a:chOff x="0" y="0"/>
+          <a:chExt cx="0" cy="0"/>
+        </a:xfrm>
+      </p:grpSpPr>
+      <p:sp>
+        <p:nvSpPr>
+          <p:cNvPr id="105" name="Google Shape;105;p16">
+            <a:extLst>
+              <a:ext uri="{FF2B5EF4-FFF2-40B4-BE49-F238E27FC236}">
+                <a16:creationId xmlns:a16="http://schemas.microsoft.com/office/drawing/2014/main" id="{7F64335F-865F-7A79-AEC4-9671FC8C6376}"/>
+              </a:ext>
+            </a:extLst>
+          </p:cNvPr>
           <p:cNvSpPr txBox="1">
             <a:spLocks noGrp="1"/>
           </p:cNvSpPr>
@@ -8617,7 +10127,7 @@
         </p:nvSpPr>
         <p:spPr>
           <a:xfrm>
-            <a:off x="727650" y="2800700"/>
+            <a:off x="727650" y="632850"/>
             <a:ext cx="7688700" cy="535200"/>
           </a:xfrm>
           <a:prstGeom prst="rect">
@@ -8630,7 +10140,7 @@
           </a:bodyPr>
           <a:lstStyle/>
           <a:p>
-            <a:pPr marL="1828800" lvl="0" indent="457200" algn="l" rtl="0">
+            <a:pPr marL="0" lvl="0" indent="0" algn="l" rtl="0">
               <a:spcBef>
                 <a:spcPts val="0"/>
               </a:spcBef>
@@ -8640,14 +10150,1782 @@
               <a:buNone/>
             </a:pPr>
             <a:r>
-              <a:rPr lang="en-GB"/>
-              <a:t>THANK YOU!</a:t>
+              <a:rPr lang="en-GB" dirty="0"/>
+              <a:t>Model Setup</a:t>
             </a:r>
-            <a:endParaRPr/>
+            <a:endParaRPr dirty="0"/>
+          </a:p>
+        </p:txBody>
+      </p:sp>
+      <p:sp>
+        <p:nvSpPr>
+          <p:cNvPr id="106" name="Google Shape;106;p16">
+            <a:extLst>
+              <a:ext uri="{FF2B5EF4-FFF2-40B4-BE49-F238E27FC236}">
+                <a16:creationId xmlns:a16="http://schemas.microsoft.com/office/drawing/2014/main" id="{D54E0CB9-BE14-EA6E-DF20-4CBBB7221DAE}"/>
+              </a:ext>
+            </a:extLst>
+          </p:cNvPr>
+          <p:cNvSpPr txBox="1">
+            <a:spLocks noGrp="1"/>
+          </p:cNvSpPr>
+          <p:nvPr>
+            <p:ph type="body" idx="1"/>
+          </p:nvPr>
+        </p:nvSpPr>
+        <p:spPr>
+          <a:xfrm>
+            <a:off x="727650" y="1441200"/>
+            <a:ext cx="7688700" cy="2261100"/>
+          </a:xfrm>
+          <a:prstGeom prst="rect">
+            <a:avLst/>
+          </a:prstGeom>
+        </p:spPr>
+        <p:txBody>
+          <a:bodyPr spcFirstLastPara="1" wrap="square" lIns="91425" tIns="91425" rIns="91425" bIns="91425" anchor="t" anchorCtr="0">
+            <a:noAutofit/>
+          </a:bodyPr>
+          <a:lstStyle/>
+          <a:p>
+            <a:pPr marL="0" lvl="0" indent="0" algn="l" rtl="0">
+              <a:spcBef>
+                <a:spcPts val="1600"/>
+              </a:spcBef>
+              <a:spcAft>
+                <a:spcPts val="0"/>
+              </a:spcAft>
+              <a:buNone/>
+            </a:pPr>
+            <a:r>
+              <a:rPr lang="en-US" sz="1400" b="1" dirty="0"/>
+              <a:t>•  To prepare the NLP system, I split the 52,745 activities into Train and Test.</a:t>
+            </a:r>
+          </a:p>
+          <a:p>
+            <a:pPr marL="0" lvl="0" indent="0" algn="l" rtl="0">
+              <a:spcBef>
+                <a:spcPts val="1600"/>
+              </a:spcBef>
+              <a:spcAft>
+                <a:spcPts val="0"/>
+              </a:spcAft>
+              <a:buNone/>
+            </a:pPr>
+            <a:r>
+              <a:rPr lang="en-US" sz="1400" b="1" dirty="0"/>
+              <a:t>•  Train had 39,873 activities and Test had 13,291 activities.</a:t>
+            </a:r>
+          </a:p>
+          <a:p>
+            <a:pPr marL="0" lvl="0" indent="0" algn="l" rtl="0">
+              <a:spcBef>
+                <a:spcPts val="1600"/>
+              </a:spcBef>
+              <a:spcAft>
+                <a:spcPts val="0"/>
+              </a:spcAft>
+              <a:buNone/>
+            </a:pPr>
+            <a:r>
+              <a:rPr lang="en-US" sz="1400" b="1" dirty="0"/>
+              <a:t>• I corrected for class imbalance through adding weights. </a:t>
+            </a:r>
+          </a:p>
+          <a:p>
+            <a:pPr marL="0" indent="0">
+              <a:spcBef>
+                <a:spcPts val="1600"/>
+              </a:spcBef>
+              <a:buNone/>
+            </a:pPr>
+            <a:r>
+              <a:rPr lang="en-US" sz="1400" b="1" dirty="0"/>
+              <a:t>• I had 30 classes so needed to perform Multi-Class Classification.</a:t>
+            </a:r>
+          </a:p>
+          <a:p>
+            <a:pPr marL="0" lvl="0" indent="0" algn="l" rtl="0">
+              <a:spcBef>
+                <a:spcPts val="1600"/>
+              </a:spcBef>
+              <a:spcAft>
+                <a:spcPts val="0"/>
+              </a:spcAft>
+              <a:buNone/>
+            </a:pPr>
+            <a:endParaRPr lang="en-US" sz="1400" b="1" dirty="0"/>
+          </a:p>
+          <a:p>
+            <a:pPr marL="0" lvl="0" indent="0" algn="l" rtl="0">
+              <a:spcBef>
+                <a:spcPts val="1600"/>
+              </a:spcBef>
+              <a:spcAft>
+                <a:spcPts val="0"/>
+              </a:spcAft>
+              <a:buNone/>
+            </a:pPr>
+            <a:endParaRPr lang="en-US" sz="1400" b="1" dirty="0"/>
+          </a:p>
+          <a:p>
+            <a:pPr marL="0" lvl="0" indent="0" algn="l" rtl="0">
+              <a:spcBef>
+                <a:spcPts val="1600"/>
+              </a:spcBef>
+              <a:spcAft>
+                <a:spcPts val="1600"/>
+              </a:spcAft>
+              <a:buNone/>
+            </a:pPr>
+            <a:endParaRPr b="1" dirty="0"/>
           </a:p>
         </p:txBody>
       </p:sp>
     </p:spTree>
+    <p:extLst>
+      <p:ext uri="{BB962C8B-B14F-4D97-AF65-F5344CB8AC3E}">
+        <p14:creationId xmlns:p14="http://schemas.microsoft.com/office/powerpoint/2010/main" val="1161134581"/>
+      </p:ext>
+    </p:extLst>
+  </p:cSld>
+  <p:clrMapOvr>
+    <a:masterClrMapping/>
+  </p:clrMapOvr>
+</p:sld>
+</file>
+
+<file path=ppt/slides/slide12.xml><?xml version="1.0" encoding="utf-8"?>
+<p:sld xmlns:a="http://schemas.openxmlformats.org/drawingml/2006/main" xmlns:r="http://schemas.openxmlformats.org/officeDocument/2006/relationships" xmlns:p="http://schemas.openxmlformats.org/presentationml/2006/main">
+  <p:cSld>
+    <p:spTree>
+      <p:nvGrpSpPr>
+        <p:cNvPr id="1" name="Shape 104">
+          <a:extLst>
+            <a:ext uri="{FF2B5EF4-FFF2-40B4-BE49-F238E27FC236}">
+              <a16:creationId xmlns:a16="http://schemas.microsoft.com/office/drawing/2014/main" id="{773B8B27-79E3-67E0-4F59-EC3EE6E34095}"/>
+            </a:ext>
+          </a:extLst>
+        </p:cNvPr>
+        <p:cNvGrpSpPr/>
+        <p:nvPr/>
+      </p:nvGrpSpPr>
+      <p:grpSpPr>
+        <a:xfrm>
+          <a:off x="0" y="0"/>
+          <a:ext cx="0" cy="0"/>
+          <a:chOff x="0" y="0"/>
+          <a:chExt cx="0" cy="0"/>
+        </a:xfrm>
+      </p:grpSpPr>
+      <p:sp>
+        <p:nvSpPr>
+          <p:cNvPr id="105" name="Google Shape;105;p16">
+            <a:extLst>
+              <a:ext uri="{FF2B5EF4-FFF2-40B4-BE49-F238E27FC236}">
+                <a16:creationId xmlns:a16="http://schemas.microsoft.com/office/drawing/2014/main" id="{0AF62EB6-0C98-5CCB-6CB2-6399ED22A7F6}"/>
+              </a:ext>
+            </a:extLst>
+          </p:cNvPr>
+          <p:cNvSpPr txBox="1">
+            <a:spLocks noGrp="1"/>
+          </p:cNvSpPr>
+          <p:nvPr>
+            <p:ph type="title"/>
+          </p:nvPr>
+        </p:nvSpPr>
+        <p:spPr>
+          <a:xfrm>
+            <a:off x="727650" y="632850"/>
+            <a:ext cx="7688700" cy="535200"/>
+          </a:xfrm>
+          <a:prstGeom prst="rect">
+            <a:avLst/>
+          </a:prstGeom>
+        </p:spPr>
+        <p:txBody>
+          <a:bodyPr spcFirstLastPara="1" wrap="square" lIns="91425" tIns="91425" rIns="91425" bIns="91425" anchor="t" anchorCtr="0">
+            <a:noAutofit/>
+          </a:bodyPr>
+          <a:lstStyle/>
+          <a:p>
+            <a:pPr marL="0" lvl="0" indent="0" algn="l" rtl="0">
+              <a:spcBef>
+                <a:spcPts val="0"/>
+              </a:spcBef>
+              <a:spcAft>
+                <a:spcPts val="0"/>
+              </a:spcAft>
+              <a:buNone/>
+            </a:pPr>
+            <a:r>
+              <a:rPr lang="en-GB" dirty="0"/>
+              <a:t>Establishing a Baseline</a:t>
+            </a:r>
+            <a:endParaRPr dirty="0"/>
+          </a:p>
+        </p:txBody>
+      </p:sp>
+      <p:sp>
+        <p:nvSpPr>
+          <p:cNvPr id="106" name="Google Shape;106;p16">
+            <a:extLst>
+              <a:ext uri="{FF2B5EF4-FFF2-40B4-BE49-F238E27FC236}">
+                <a16:creationId xmlns:a16="http://schemas.microsoft.com/office/drawing/2014/main" id="{861DCBF8-6C61-C649-2675-D151E016D744}"/>
+              </a:ext>
+            </a:extLst>
+          </p:cNvPr>
+          <p:cNvSpPr txBox="1">
+            <a:spLocks noGrp="1"/>
+          </p:cNvSpPr>
+          <p:nvPr>
+            <p:ph type="body" idx="1"/>
+          </p:nvPr>
+        </p:nvSpPr>
+        <p:spPr>
+          <a:xfrm>
+            <a:off x="727650" y="1288800"/>
+            <a:ext cx="7688700" cy="3172364"/>
+          </a:xfrm>
+          <a:prstGeom prst="rect">
+            <a:avLst/>
+          </a:prstGeom>
+        </p:spPr>
+        <p:txBody>
+          <a:bodyPr spcFirstLastPara="1" wrap="square" lIns="91425" tIns="91425" rIns="91425" bIns="91425" anchor="t" anchorCtr="0">
+            <a:noAutofit/>
+          </a:bodyPr>
+          <a:lstStyle/>
+          <a:p>
+            <a:pPr marL="0" lvl="0" indent="0" algn="l" rtl="0">
+              <a:spcBef>
+                <a:spcPts val="1600"/>
+              </a:spcBef>
+              <a:spcAft>
+                <a:spcPts val="0"/>
+              </a:spcAft>
+              <a:buNone/>
+            </a:pPr>
+            <a:r>
+              <a:rPr lang="en-US" sz="1400" b="1" dirty="0"/>
+              <a:t>•  As a first pass, I used a Naïve Bayes estimator as a baseline for text classification.</a:t>
+            </a:r>
+          </a:p>
+          <a:p>
+            <a:pPr marL="0" lvl="0" indent="0" algn="l" rtl="0">
+              <a:spcBef>
+                <a:spcPts val="1600"/>
+              </a:spcBef>
+              <a:spcAft>
+                <a:spcPts val="0"/>
+              </a:spcAft>
+              <a:buNone/>
+            </a:pPr>
+            <a:r>
+              <a:rPr lang="en-US" sz="1400" b="1" dirty="0"/>
+              <a:t>•  This gave me a training accuracy of 77.9% and a test accuracy of 48.0%.</a:t>
+            </a:r>
+          </a:p>
+          <a:p>
+            <a:pPr marL="0" lvl="0" indent="0" algn="l" rtl="0">
+              <a:spcBef>
+                <a:spcPts val="1600"/>
+              </a:spcBef>
+              <a:spcAft>
+                <a:spcPts val="0"/>
+              </a:spcAft>
+              <a:buNone/>
+            </a:pPr>
+            <a:r>
+              <a:rPr lang="en-US" sz="1400" b="1" dirty="0"/>
+              <a:t>• Concerned that my model was overfitting, I switched to the Complement Bayes Estimator and implemented:</a:t>
+            </a:r>
+          </a:p>
+          <a:p>
+            <a:pPr marL="2114550" lvl="4" indent="-285750"/>
+            <a:r>
+              <a:rPr lang="en-US" sz="1400" b="1" dirty="0"/>
+              <a:t>TD-IDF Vectorization</a:t>
+            </a:r>
+          </a:p>
+          <a:p>
+            <a:pPr marL="2114550" lvl="4" indent="-285750"/>
+            <a:r>
+              <a:rPr lang="en-US" sz="1400" b="1" dirty="0"/>
+              <a:t>Count Vectorization</a:t>
+            </a:r>
+          </a:p>
+          <a:p>
+            <a:pPr marL="2114550" lvl="4" indent="-285750"/>
+            <a:r>
+              <a:rPr lang="en-US" sz="1400" b="1" dirty="0"/>
+              <a:t>Unigrams and Bigrams	</a:t>
+            </a:r>
+            <a:r>
+              <a:rPr lang="en-US" sz="1200" b="1" dirty="0"/>
+              <a:t>	</a:t>
+            </a:r>
+          </a:p>
+          <a:p>
+            <a:pPr marL="0" lvl="0" indent="0" algn="l" rtl="0">
+              <a:spcBef>
+                <a:spcPts val="1600"/>
+              </a:spcBef>
+              <a:spcAft>
+                <a:spcPts val="1600"/>
+              </a:spcAft>
+              <a:buNone/>
+            </a:pPr>
+            <a:endParaRPr b="1" dirty="0"/>
+          </a:p>
+        </p:txBody>
+      </p:sp>
+    </p:spTree>
+    <p:extLst>
+      <p:ext uri="{BB962C8B-B14F-4D97-AF65-F5344CB8AC3E}">
+        <p14:creationId xmlns:p14="http://schemas.microsoft.com/office/powerpoint/2010/main" val="251960068"/>
+      </p:ext>
+    </p:extLst>
+  </p:cSld>
+  <p:clrMapOvr>
+    <a:masterClrMapping/>
+  </p:clrMapOvr>
+</p:sld>
+</file>
+
+<file path=ppt/slides/slide13.xml><?xml version="1.0" encoding="utf-8"?>
+<p:sld xmlns:a="http://schemas.openxmlformats.org/drawingml/2006/main" xmlns:r="http://schemas.openxmlformats.org/officeDocument/2006/relationships" xmlns:p="http://schemas.openxmlformats.org/presentationml/2006/main">
+  <p:cSld>
+    <p:spTree>
+      <p:nvGrpSpPr>
+        <p:cNvPr id="1" name="Shape 104">
+          <a:extLst>
+            <a:ext uri="{FF2B5EF4-FFF2-40B4-BE49-F238E27FC236}">
+              <a16:creationId xmlns:a16="http://schemas.microsoft.com/office/drawing/2014/main" id="{AD5CB9E3-3347-C9C9-B660-1B41D2880A63}"/>
+            </a:ext>
+          </a:extLst>
+        </p:cNvPr>
+        <p:cNvGrpSpPr/>
+        <p:nvPr/>
+      </p:nvGrpSpPr>
+      <p:grpSpPr>
+        <a:xfrm>
+          <a:off x="0" y="0"/>
+          <a:ext cx="0" cy="0"/>
+          <a:chOff x="0" y="0"/>
+          <a:chExt cx="0" cy="0"/>
+        </a:xfrm>
+      </p:grpSpPr>
+      <p:sp>
+        <p:nvSpPr>
+          <p:cNvPr id="105" name="Google Shape;105;p16">
+            <a:extLst>
+              <a:ext uri="{FF2B5EF4-FFF2-40B4-BE49-F238E27FC236}">
+                <a16:creationId xmlns:a16="http://schemas.microsoft.com/office/drawing/2014/main" id="{1E3EEEE6-3885-9066-2E30-163718965790}"/>
+              </a:ext>
+            </a:extLst>
+          </p:cNvPr>
+          <p:cNvSpPr txBox="1">
+            <a:spLocks noGrp="1"/>
+          </p:cNvSpPr>
+          <p:nvPr>
+            <p:ph type="title"/>
+          </p:nvPr>
+        </p:nvSpPr>
+        <p:spPr>
+          <a:xfrm>
+            <a:off x="727650" y="632850"/>
+            <a:ext cx="7688700" cy="535200"/>
+          </a:xfrm>
+          <a:prstGeom prst="rect">
+            <a:avLst/>
+          </a:prstGeom>
+        </p:spPr>
+        <p:txBody>
+          <a:bodyPr spcFirstLastPara="1" wrap="square" lIns="91425" tIns="91425" rIns="91425" bIns="91425" anchor="t" anchorCtr="0">
+            <a:noAutofit/>
+          </a:bodyPr>
+          <a:lstStyle/>
+          <a:p>
+            <a:pPr marL="0" lvl="0" indent="0" algn="l" rtl="0">
+              <a:spcBef>
+                <a:spcPts val="0"/>
+              </a:spcBef>
+              <a:spcAft>
+                <a:spcPts val="0"/>
+              </a:spcAft>
+              <a:buNone/>
+            </a:pPr>
+            <a:r>
+              <a:rPr lang="en-GB" dirty="0"/>
+              <a:t>Model Comparison</a:t>
+            </a:r>
+            <a:endParaRPr dirty="0"/>
+          </a:p>
+        </p:txBody>
+      </p:sp>
+      <p:sp>
+        <p:nvSpPr>
+          <p:cNvPr id="106" name="Google Shape;106;p16">
+            <a:extLst>
+              <a:ext uri="{FF2B5EF4-FFF2-40B4-BE49-F238E27FC236}">
+                <a16:creationId xmlns:a16="http://schemas.microsoft.com/office/drawing/2014/main" id="{1DA09EEC-52F7-51BE-0766-44DCDC920309}"/>
+              </a:ext>
+            </a:extLst>
+          </p:cNvPr>
+          <p:cNvSpPr txBox="1">
+            <a:spLocks noGrp="1"/>
+          </p:cNvSpPr>
+          <p:nvPr>
+            <p:ph type="body" idx="1"/>
+          </p:nvPr>
+        </p:nvSpPr>
+        <p:spPr>
+          <a:xfrm>
+            <a:off x="727650" y="1441200"/>
+            <a:ext cx="7688700" cy="3172364"/>
+          </a:xfrm>
+          <a:prstGeom prst="rect">
+            <a:avLst/>
+          </a:prstGeom>
+        </p:spPr>
+        <p:txBody>
+          <a:bodyPr spcFirstLastPara="1" wrap="square" lIns="91425" tIns="91425" rIns="91425" bIns="91425" anchor="t" anchorCtr="0">
+            <a:noAutofit/>
+          </a:bodyPr>
+          <a:lstStyle/>
+          <a:p>
+            <a:pPr marL="0" lvl="0" indent="0" algn="l" rtl="0">
+              <a:spcBef>
+                <a:spcPts val="1600"/>
+              </a:spcBef>
+              <a:spcAft>
+                <a:spcPts val="0"/>
+              </a:spcAft>
+              <a:buNone/>
+            </a:pPr>
+            <a:r>
+              <a:rPr lang="en-US" sz="1200" b="1" dirty="0"/>
+              <a:t>	</a:t>
+            </a:r>
+          </a:p>
+          <a:p>
+            <a:pPr marL="0" lvl="0" indent="0" algn="l" rtl="0">
+              <a:spcBef>
+                <a:spcPts val="1600"/>
+              </a:spcBef>
+              <a:spcAft>
+                <a:spcPts val="1600"/>
+              </a:spcAft>
+              <a:buNone/>
+            </a:pPr>
+            <a:endParaRPr b="1" dirty="0"/>
+          </a:p>
+        </p:txBody>
+      </p:sp>
+      <p:pic>
+        <p:nvPicPr>
+          <p:cNvPr id="4" name="Picture 3">
+            <a:extLst>
+              <a:ext uri="{FF2B5EF4-FFF2-40B4-BE49-F238E27FC236}">
+                <a16:creationId xmlns:a16="http://schemas.microsoft.com/office/drawing/2014/main" id="{7E66464F-E4E3-8702-A399-FCAE0B976E00}"/>
+              </a:ext>
+            </a:extLst>
+          </p:cNvPr>
+          <p:cNvPicPr>
+            <a:picLocks noChangeAspect="1"/>
+          </p:cNvPicPr>
+          <p:nvPr/>
+        </p:nvPicPr>
+        <p:blipFill>
+          <a:blip r:embed="rId3"/>
+          <a:stretch>
+            <a:fillRect/>
+          </a:stretch>
+        </p:blipFill>
+        <p:spPr>
+          <a:xfrm>
+            <a:off x="1605304" y="1408717"/>
+            <a:ext cx="2686425" cy="3191320"/>
+          </a:xfrm>
+          <a:prstGeom prst="rect">
+            <a:avLst/>
+          </a:prstGeom>
+        </p:spPr>
+      </p:pic>
+      <p:pic>
+        <p:nvPicPr>
+          <p:cNvPr id="6" name="Picture 5">
+            <a:extLst>
+              <a:ext uri="{FF2B5EF4-FFF2-40B4-BE49-F238E27FC236}">
+                <a16:creationId xmlns:a16="http://schemas.microsoft.com/office/drawing/2014/main" id="{BB06D878-D69A-2CE0-E339-3F9677BCC39B}"/>
+              </a:ext>
+            </a:extLst>
+          </p:cNvPr>
+          <p:cNvPicPr>
+            <a:picLocks noChangeAspect="1"/>
+          </p:cNvPicPr>
+          <p:nvPr/>
+        </p:nvPicPr>
+        <p:blipFill>
+          <a:blip r:embed="rId4"/>
+          <a:stretch>
+            <a:fillRect/>
+          </a:stretch>
+        </p:blipFill>
+        <p:spPr>
+          <a:xfrm>
+            <a:off x="4478199" y="1403191"/>
+            <a:ext cx="4039164" cy="3210373"/>
+          </a:xfrm>
+          <a:prstGeom prst="rect">
+            <a:avLst/>
+          </a:prstGeom>
+        </p:spPr>
+      </p:pic>
+    </p:spTree>
+    <p:extLst>
+      <p:ext uri="{BB962C8B-B14F-4D97-AF65-F5344CB8AC3E}">
+        <p14:creationId xmlns:p14="http://schemas.microsoft.com/office/powerpoint/2010/main" val="2625333174"/>
+      </p:ext>
+    </p:extLst>
+  </p:cSld>
+  <p:clrMapOvr>
+    <a:masterClrMapping/>
+  </p:clrMapOvr>
+</p:sld>
+</file>
+
+<file path=ppt/slides/slide14.xml><?xml version="1.0" encoding="utf-8"?>
+<p:sld xmlns:a="http://schemas.openxmlformats.org/drawingml/2006/main" xmlns:r="http://schemas.openxmlformats.org/officeDocument/2006/relationships" xmlns:p="http://schemas.openxmlformats.org/presentationml/2006/main">
+  <p:cSld>
+    <p:spTree>
+      <p:nvGrpSpPr>
+        <p:cNvPr id="1" name="Shape 104">
+          <a:extLst>
+            <a:ext uri="{FF2B5EF4-FFF2-40B4-BE49-F238E27FC236}">
+              <a16:creationId xmlns:a16="http://schemas.microsoft.com/office/drawing/2014/main" id="{4BF38716-1EEF-A5CD-BF28-4DBFFBE20FE8}"/>
+            </a:ext>
+          </a:extLst>
+        </p:cNvPr>
+        <p:cNvGrpSpPr/>
+        <p:nvPr/>
+      </p:nvGrpSpPr>
+      <p:grpSpPr>
+        <a:xfrm>
+          <a:off x="0" y="0"/>
+          <a:ext cx="0" cy="0"/>
+          <a:chOff x="0" y="0"/>
+          <a:chExt cx="0" cy="0"/>
+        </a:xfrm>
+      </p:grpSpPr>
+      <p:sp>
+        <p:nvSpPr>
+          <p:cNvPr id="105" name="Google Shape;105;p16">
+            <a:extLst>
+              <a:ext uri="{FF2B5EF4-FFF2-40B4-BE49-F238E27FC236}">
+                <a16:creationId xmlns:a16="http://schemas.microsoft.com/office/drawing/2014/main" id="{9F97025F-E09E-7E0C-513A-A12FF7AC1D43}"/>
+              </a:ext>
+            </a:extLst>
+          </p:cNvPr>
+          <p:cNvSpPr txBox="1">
+            <a:spLocks noGrp="1"/>
+          </p:cNvSpPr>
+          <p:nvPr>
+            <p:ph type="title"/>
+          </p:nvPr>
+        </p:nvSpPr>
+        <p:spPr>
+          <a:xfrm>
+            <a:off x="727650" y="632850"/>
+            <a:ext cx="7688700" cy="535200"/>
+          </a:xfrm>
+          <a:prstGeom prst="rect">
+            <a:avLst/>
+          </a:prstGeom>
+        </p:spPr>
+        <p:txBody>
+          <a:bodyPr spcFirstLastPara="1" wrap="square" lIns="91425" tIns="91425" rIns="91425" bIns="91425" anchor="t" anchorCtr="0">
+            <a:noAutofit/>
+          </a:bodyPr>
+          <a:lstStyle/>
+          <a:p>
+            <a:pPr marL="0" lvl="0" indent="0" algn="l" rtl="0">
+              <a:spcBef>
+                <a:spcPts val="0"/>
+              </a:spcBef>
+              <a:spcAft>
+                <a:spcPts val="0"/>
+              </a:spcAft>
+              <a:buNone/>
+            </a:pPr>
+            <a:r>
+              <a:rPr lang="en-GB" dirty="0"/>
+              <a:t>Preliminary Recommender System</a:t>
+            </a:r>
+            <a:endParaRPr dirty="0"/>
+          </a:p>
+        </p:txBody>
+      </p:sp>
+      <p:sp>
+        <p:nvSpPr>
+          <p:cNvPr id="106" name="Google Shape;106;p16">
+            <a:extLst>
+              <a:ext uri="{FF2B5EF4-FFF2-40B4-BE49-F238E27FC236}">
+                <a16:creationId xmlns:a16="http://schemas.microsoft.com/office/drawing/2014/main" id="{E07EEBF3-40A8-A376-CE7A-133600AA5FE8}"/>
+              </a:ext>
+            </a:extLst>
+          </p:cNvPr>
+          <p:cNvSpPr txBox="1">
+            <a:spLocks noGrp="1"/>
+          </p:cNvSpPr>
+          <p:nvPr>
+            <p:ph type="body" idx="1"/>
+          </p:nvPr>
+        </p:nvSpPr>
+        <p:spPr>
+          <a:xfrm>
+            <a:off x="727650" y="1288800"/>
+            <a:ext cx="7688700" cy="3172364"/>
+          </a:xfrm>
+          <a:prstGeom prst="rect">
+            <a:avLst/>
+          </a:prstGeom>
+        </p:spPr>
+        <p:txBody>
+          <a:bodyPr spcFirstLastPara="1" wrap="square" lIns="91425" tIns="91425" rIns="91425" bIns="91425" anchor="t" anchorCtr="0">
+            <a:noAutofit/>
+          </a:bodyPr>
+          <a:lstStyle/>
+          <a:p>
+            <a:pPr marL="0" lvl="0" indent="0" algn="l" rtl="0">
+              <a:spcBef>
+                <a:spcPts val="1600"/>
+              </a:spcBef>
+              <a:spcAft>
+                <a:spcPts val="0"/>
+              </a:spcAft>
+              <a:buNone/>
+            </a:pPr>
+            <a:r>
+              <a:rPr lang="en-US" sz="1400" b="1" dirty="0"/>
+              <a:t>•  I then used cosine similarity to create two recommender systems using TD-IDF Vectorization and Count Vectorization.</a:t>
+            </a:r>
+          </a:p>
+          <a:p>
+            <a:pPr marL="0" lvl="0" indent="0" algn="l" rtl="0">
+              <a:spcBef>
+                <a:spcPts val="1600"/>
+              </a:spcBef>
+              <a:spcAft>
+                <a:spcPts val="0"/>
+              </a:spcAft>
+              <a:buNone/>
+            </a:pPr>
+            <a:r>
+              <a:rPr lang="en-US" sz="1400" b="1" dirty="0"/>
+              <a:t>•  As before, TD-IDF Vectorization had slightly better metrics that Count Vectorization.</a:t>
+            </a:r>
+          </a:p>
+          <a:p>
+            <a:pPr marL="0" lvl="0" indent="0" algn="l" rtl="0">
+              <a:spcBef>
+                <a:spcPts val="1600"/>
+              </a:spcBef>
+              <a:spcAft>
+                <a:spcPts val="1600"/>
+              </a:spcAft>
+              <a:buNone/>
+            </a:pPr>
+            <a:endParaRPr b="1" dirty="0"/>
+          </a:p>
+        </p:txBody>
+      </p:sp>
+    </p:spTree>
+    <p:extLst>
+      <p:ext uri="{BB962C8B-B14F-4D97-AF65-F5344CB8AC3E}">
+        <p14:creationId xmlns:p14="http://schemas.microsoft.com/office/powerpoint/2010/main" val="2759537186"/>
+      </p:ext>
+    </p:extLst>
+  </p:cSld>
+  <p:clrMapOvr>
+    <a:masterClrMapping/>
+  </p:clrMapOvr>
+</p:sld>
+</file>
+
+<file path=ppt/slides/slide15.xml><?xml version="1.0" encoding="utf-8"?>
+<p:sld xmlns:a="http://schemas.openxmlformats.org/drawingml/2006/main" xmlns:r="http://schemas.openxmlformats.org/officeDocument/2006/relationships" xmlns:p="http://schemas.openxmlformats.org/presentationml/2006/main">
+  <p:cSld>
+    <p:spTree>
+      <p:nvGrpSpPr>
+        <p:cNvPr id="1" name="Shape 104">
+          <a:extLst>
+            <a:ext uri="{FF2B5EF4-FFF2-40B4-BE49-F238E27FC236}">
+              <a16:creationId xmlns:a16="http://schemas.microsoft.com/office/drawing/2014/main" id="{C1CF8525-ED92-61F6-9415-9CEF503760E0}"/>
+            </a:ext>
+          </a:extLst>
+        </p:cNvPr>
+        <p:cNvGrpSpPr/>
+        <p:nvPr/>
+      </p:nvGrpSpPr>
+      <p:grpSpPr>
+        <a:xfrm>
+          <a:off x="0" y="0"/>
+          <a:ext cx="0" cy="0"/>
+          <a:chOff x="0" y="0"/>
+          <a:chExt cx="0" cy="0"/>
+        </a:xfrm>
+      </p:grpSpPr>
+      <p:sp>
+        <p:nvSpPr>
+          <p:cNvPr id="105" name="Google Shape;105;p16">
+            <a:extLst>
+              <a:ext uri="{FF2B5EF4-FFF2-40B4-BE49-F238E27FC236}">
+                <a16:creationId xmlns:a16="http://schemas.microsoft.com/office/drawing/2014/main" id="{DBB730F5-B0D7-97C1-B78A-A1C67E5D2AFF}"/>
+              </a:ext>
+            </a:extLst>
+          </p:cNvPr>
+          <p:cNvSpPr txBox="1">
+            <a:spLocks noGrp="1"/>
+          </p:cNvSpPr>
+          <p:nvPr>
+            <p:ph type="title"/>
+          </p:nvPr>
+        </p:nvSpPr>
+        <p:spPr>
+          <a:xfrm>
+            <a:off x="727650" y="632850"/>
+            <a:ext cx="7688700" cy="535200"/>
+          </a:xfrm>
+          <a:prstGeom prst="rect">
+            <a:avLst/>
+          </a:prstGeom>
+        </p:spPr>
+        <p:txBody>
+          <a:bodyPr spcFirstLastPara="1" wrap="square" lIns="91425" tIns="91425" rIns="91425" bIns="91425" anchor="t" anchorCtr="0">
+            <a:noAutofit/>
+          </a:bodyPr>
+          <a:lstStyle/>
+          <a:p>
+            <a:pPr marL="0" lvl="0" indent="0" algn="l" rtl="0">
+              <a:spcBef>
+                <a:spcPts val="0"/>
+              </a:spcBef>
+              <a:spcAft>
+                <a:spcPts val="0"/>
+              </a:spcAft>
+              <a:buNone/>
+            </a:pPr>
+            <a:r>
+              <a:rPr lang="en-GB" dirty="0"/>
+              <a:t>TD-IDF Vectorization Results</a:t>
+            </a:r>
+            <a:endParaRPr dirty="0"/>
+          </a:p>
+        </p:txBody>
+      </p:sp>
+      <p:sp>
+        <p:nvSpPr>
+          <p:cNvPr id="106" name="Google Shape;106;p16">
+            <a:extLst>
+              <a:ext uri="{FF2B5EF4-FFF2-40B4-BE49-F238E27FC236}">
+                <a16:creationId xmlns:a16="http://schemas.microsoft.com/office/drawing/2014/main" id="{5874C4BA-67B1-B5D6-023A-DFCBC3F31948}"/>
+              </a:ext>
+            </a:extLst>
+          </p:cNvPr>
+          <p:cNvSpPr txBox="1">
+            <a:spLocks noGrp="1"/>
+          </p:cNvSpPr>
+          <p:nvPr>
+            <p:ph type="body" idx="1"/>
+          </p:nvPr>
+        </p:nvSpPr>
+        <p:spPr>
+          <a:xfrm>
+            <a:off x="727650" y="1288800"/>
+            <a:ext cx="7688700" cy="3172364"/>
+          </a:xfrm>
+          <a:prstGeom prst="rect">
+            <a:avLst/>
+          </a:prstGeom>
+        </p:spPr>
+        <p:txBody>
+          <a:bodyPr spcFirstLastPara="1" wrap="square" lIns="91425" tIns="91425" rIns="91425" bIns="91425" anchor="t" anchorCtr="0">
+            <a:noAutofit/>
+          </a:bodyPr>
+          <a:lstStyle/>
+          <a:p>
+            <a:pPr marL="0" lvl="0" indent="0" algn="l" rtl="0">
+              <a:spcBef>
+                <a:spcPts val="1600"/>
+              </a:spcBef>
+              <a:spcAft>
+                <a:spcPts val="0"/>
+              </a:spcAft>
+              <a:buNone/>
+            </a:pPr>
+            <a:endParaRPr lang="en-US" sz="1200" b="1" dirty="0"/>
+          </a:p>
+          <a:p>
+            <a:pPr marL="0" lvl="0" indent="0" algn="l" rtl="0">
+              <a:spcBef>
+                <a:spcPts val="1600"/>
+              </a:spcBef>
+              <a:spcAft>
+                <a:spcPts val="1600"/>
+              </a:spcAft>
+              <a:buNone/>
+            </a:pPr>
+            <a:endParaRPr b="1" dirty="0"/>
+          </a:p>
+        </p:txBody>
+      </p:sp>
+      <p:pic>
+        <p:nvPicPr>
+          <p:cNvPr id="3" name="Picture 2">
+            <a:extLst>
+              <a:ext uri="{FF2B5EF4-FFF2-40B4-BE49-F238E27FC236}">
+                <a16:creationId xmlns:a16="http://schemas.microsoft.com/office/drawing/2014/main" id="{743AA56F-4C64-BA87-7476-B35E5CDE16D0}"/>
+              </a:ext>
+            </a:extLst>
+          </p:cNvPr>
+          <p:cNvPicPr>
+            <a:picLocks noChangeAspect="1"/>
+          </p:cNvPicPr>
+          <p:nvPr/>
+        </p:nvPicPr>
+        <p:blipFill>
+          <a:blip r:embed="rId3"/>
+          <a:stretch>
+            <a:fillRect/>
+          </a:stretch>
+        </p:blipFill>
+        <p:spPr>
+          <a:xfrm>
+            <a:off x="727650" y="1392150"/>
+            <a:ext cx="7287642" cy="3315163"/>
+          </a:xfrm>
+          <a:prstGeom prst="rect">
+            <a:avLst/>
+          </a:prstGeom>
+        </p:spPr>
+      </p:pic>
+    </p:spTree>
+    <p:extLst>
+      <p:ext uri="{BB962C8B-B14F-4D97-AF65-F5344CB8AC3E}">
+        <p14:creationId xmlns:p14="http://schemas.microsoft.com/office/powerpoint/2010/main" val="407718585"/>
+      </p:ext>
+    </p:extLst>
+  </p:cSld>
+  <p:clrMapOvr>
+    <a:masterClrMapping/>
+  </p:clrMapOvr>
+</p:sld>
+</file>
+
+<file path=ppt/slides/slide16.xml><?xml version="1.0" encoding="utf-8"?>
+<p:sld xmlns:a="http://schemas.openxmlformats.org/drawingml/2006/main" xmlns:r="http://schemas.openxmlformats.org/officeDocument/2006/relationships" xmlns:p="http://schemas.openxmlformats.org/presentationml/2006/main">
+  <p:cSld>
+    <p:spTree>
+      <p:nvGrpSpPr>
+        <p:cNvPr id="1" name="Shape 104">
+          <a:extLst>
+            <a:ext uri="{FF2B5EF4-FFF2-40B4-BE49-F238E27FC236}">
+              <a16:creationId xmlns:a16="http://schemas.microsoft.com/office/drawing/2014/main" id="{E15C6EE0-3520-92B5-2F11-D370D84FF3FE}"/>
+            </a:ext>
+          </a:extLst>
+        </p:cNvPr>
+        <p:cNvGrpSpPr/>
+        <p:nvPr/>
+      </p:nvGrpSpPr>
+      <p:grpSpPr>
+        <a:xfrm>
+          <a:off x="0" y="0"/>
+          <a:ext cx="0" cy="0"/>
+          <a:chOff x="0" y="0"/>
+          <a:chExt cx="0" cy="0"/>
+        </a:xfrm>
+      </p:grpSpPr>
+      <p:sp>
+        <p:nvSpPr>
+          <p:cNvPr id="105" name="Google Shape;105;p16">
+            <a:extLst>
+              <a:ext uri="{FF2B5EF4-FFF2-40B4-BE49-F238E27FC236}">
+                <a16:creationId xmlns:a16="http://schemas.microsoft.com/office/drawing/2014/main" id="{25BF748F-59B8-588A-95A8-4E261197525A}"/>
+              </a:ext>
+            </a:extLst>
+          </p:cNvPr>
+          <p:cNvSpPr txBox="1">
+            <a:spLocks noGrp="1"/>
+          </p:cNvSpPr>
+          <p:nvPr>
+            <p:ph type="title"/>
+          </p:nvPr>
+        </p:nvSpPr>
+        <p:spPr>
+          <a:xfrm>
+            <a:off x="727650" y="632850"/>
+            <a:ext cx="7688700" cy="535200"/>
+          </a:xfrm>
+          <a:prstGeom prst="rect">
+            <a:avLst/>
+          </a:prstGeom>
+        </p:spPr>
+        <p:txBody>
+          <a:bodyPr spcFirstLastPara="1" wrap="square" lIns="91425" tIns="91425" rIns="91425" bIns="91425" anchor="t" anchorCtr="0">
+            <a:noAutofit/>
+          </a:bodyPr>
+          <a:lstStyle/>
+          <a:p>
+            <a:pPr marL="0" lvl="0" indent="0" algn="l" rtl="0">
+              <a:spcBef>
+                <a:spcPts val="0"/>
+              </a:spcBef>
+              <a:spcAft>
+                <a:spcPts val="0"/>
+              </a:spcAft>
+              <a:buNone/>
+            </a:pPr>
+            <a:r>
+              <a:rPr lang="en-GB" dirty="0"/>
+              <a:t>Count Vectorization Results</a:t>
+            </a:r>
+            <a:endParaRPr dirty="0"/>
+          </a:p>
+        </p:txBody>
+      </p:sp>
+      <p:sp>
+        <p:nvSpPr>
+          <p:cNvPr id="106" name="Google Shape;106;p16">
+            <a:extLst>
+              <a:ext uri="{FF2B5EF4-FFF2-40B4-BE49-F238E27FC236}">
+                <a16:creationId xmlns:a16="http://schemas.microsoft.com/office/drawing/2014/main" id="{7979E129-CAF5-C771-E6DF-EA0291D8CFE7}"/>
+              </a:ext>
+            </a:extLst>
+          </p:cNvPr>
+          <p:cNvSpPr txBox="1">
+            <a:spLocks noGrp="1"/>
+          </p:cNvSpPr>
+          <p:nvPr>
+            <p:ph type="body" idx="1"/>
+          </p:nvPr>
+        </p:nvSpPr>
+        <p:spPr>
+          <a:xfrm>
+            <a:off x="727650" y="1288800"/>
+            <a:ext cx="7688700" cy="3172364"/>
+          </a:xfrm>
+          <a:prstGeom prst="rect">
+            <a:avLst/>
+          </a:prstGeom>
+        </p:spPr>
+        <p:txBody>
+          <a:bodyPr spcFirstLastPara="1" wrap="square" lIns="91425" tIns="91425" rIns="91425" bIns="91425" anchor="t" anchorCtr="0">
+            <a:noAutofit/>
+          </a:bodyPr>
+          <a:lstStyle/>
+          <a:p>
+            <a:pPr marL="0" lvl="0" indent="0" algn="l" rtl="0">
+              <a:spcBef>
+                <a:spcPts val="1600"/>
+              </a:spcBef>
+              <a:spcAft>
+                <a:spcPts val="0"/>
+              </a:spcAft>
+              <a:buNone/>
+            </a:pPr>
+            <a:endParaRPr lang="en-US" sz="1200" b="1" dirty="0"/>
+          </a:p>
+          <a:p>
+            <a:pPr marL="0" lvl="0" indent="0" algn="l" rtl="0">
+              <a:spcBef>
+                <a:spcPts val="1600"/>
+              </a:spcBef>
+              <a:spcAft>
+                <a:spcPts val="1600"/>
+              </a:spcAft>
+              <a:buNone/>
+            </a:pPr>
+            <a:endParaRPr b="1" dirty="0"/>
+          </a:p>
+        </p:txBody>
+      </p:sp>
+      <p:pic>
+        <p:nvPicPr>
+          <p:cNvPr id="4" name="Picture 3">
+            <a:extLst>
+              <a:ext uri="{FF2B5EF4-FFF2-40B4-BE49-F238E27FC236}">
+                <a16:creationId xmlns:a16="http://schemas.microsoft.com/office/drawing/2014/main" id="{BE4812CB-EA1C-E8C2-D51E-59879D04D67B}"/>
+              </a:ext>
+            </a:extLst>
+          </p:cNvPr>
+          <p:cNvPicPr>
+            <a:picLocks noChangeAspect="1"/>
+          </p:cNvPicPr>
+          <p:nvPr/>
+        </p:nvPicPr>
+        <p:blipFill>
+          <a:blip r:embed="rId3"/>
+          <a:stretch>
+            <a:fillRect/>
+          </a:stretch>
+        </p:blipFill>
+        <p:spPr>
+          <a:xfrm>
+            <a:off x="727650" y="1420729"/>
+            <a:ext cx="6992326" cy="3258005"/>
+          </a:xfrm>
+          <a:prstGeom prst="rect">
+            <a:avLst/>
+          </a:prstGeom>
+        </p:spPr>
+      </p:pic>
+    </p:spTree>
+    <p:extLst>
+      <p:ext uri="{BB962C8B-B14F-4D97-AF65-F5344CB8AC3E}">
+        <p14:creationId xmlns:p14="http://schemas.microsoft.com/office/powerpoint/2010/main" val="444640750"/>
+      </p:ext>
+    </p:extLst>
+  </p:cSld>
+  <p:clrMapOvr>
+    <a:masterClrMapping/>
+  </p:clrMapOvr>
+</p:sld>
+</file>
+
+<file path=ppt/slides/slide17.xml><?xml version="1.0" encoding="utf-8"?>
+<p:sld xmlns:a="http://schemas.openxmlformats.org/drawingml/2006/main" xmlns:r="http://schemas.openxmlformats.org/officeDocument/2006/relationships" xmlns:p="http://schemas.openxmlformats.org/presentationml/2006/main">
+  <p:cSld>
+    <p:spTree>
+      <p:nvGrpSpPr>
+        <p:cNvPr id="1" name="Shape 104">
+          <a:extLst>
+            <a:ext uri="{FF2B5EF4-FFF2-40B4-BE49-F238E27FC236}">
+              <a16:creationId xmlns:a16="http://schemas.microsoft.com/office/drawing/2014/main" id="{97A50971-AD95-9B88-BC11-E61B4BCBB865}"/>
+            </a:ext>
+          </a:extLst>
+        </p:cNvPr>
+        <p:cNvGrpSpPr/>
+        <p:nvPr/>
+      </p:nvGrpSpPr>
+      <p:grpSpPr>
+        <a:xfrm>
+          <a:off x="0" y="0"/>
+          <a:ext cx="0" cy="0"/>
+          <a:chOff x="0" y="0"/>
+          <a:chExt cx="0" cy="0"/>
+        </a:xfrm>
+      </p:grpSpPr>
+      <p:sp>
+        <p:nvSpPr>
+          <p:cNvPr id="105" name="Google Shape;105;p16">
+            <a:extLst>
+              <a:ext uri="{FF2B5EF4-FFF2-40B4-BE49-F238E27FC236}">
+                <a16:creationId xmlns:a16="http://schemas.microsoft.com/office/drawing/2014/main" id="{1AACDD03-D87D-2F0E-5BAE-7F68C0328C20}"/>
+              </a:ext>
+            </a:extLst>
+          </p:cNvPr>
+          <p:cNvSpPr txBox="1">
+            <a:spLocks noGrp="1"/>
+          </p:cNvSpPr>
+          <p:nvPr>
+            <p:ph type="title"/>
+          </p:nvPr>
+        </p:nvSpPr>
+        <p:spPr>
+          <a:xfrm>
+            <a:off x="727650" y="632850"/>
+            <a:ext cx="7688700" cy="535200"/>
+          </a:xfrm>
+          <a:prstGeom prst="rect">
+            <a:avLst/>
+          </a:prstGeom>
+        </p:spPr>
+        <p:txBody>
+          <a:bodyPr spcFirstLastPara="1" wrap="square" lIns="91425" tIns="91425" rIns="91425" bIns="91425" anchor="t" anchorCtr="0">
+            <a:noAutofit/>
+          </a:bodyPr>
+          <a:lstStyle/>
+          <a:p>
+            <a:pPr marL="0" lvl="0" indent="0" algn="l" rtl="0">
+              <a:spcBef>
+                <a:spcPts val="0"/>
+              </a:spcBef>
+              <a:spcAft>
+                <a:spcPts val="0"/>
+              </a:spcAft>
+              <a:buNone/>
+            </a:pPr>
+            <a:r>
+              <a:rPr lang="en-GB" dirty="0"/>
+              <a:t>Model Selection</a:t>
+            </a:r>
+            <a:endParaRPr dirty="0"/>
+          </a:p>
+        </p:txBody>
+      </p:sp>
+      <p:sp>
+        <p:nvSpPr>
+          <p:cNvPr id="106" name="Google Shape;106;p16">
+            <a:extLst>
+              <a:ext uri="{FF2B5EF4-FFF2-40B4-BE49-F238E27FC236}">
+                <a16:creationId xmlns:a16="http://schemas.microsoft.com/office/drawing/2014/main" id="{5B0104D6-0299-BB9E-180D-58982E24C830}"/>
+              </a:ext>
+            </a:extLst>
+          </p:cNvPr>
+          <p:cNvSpPr txBox="1">
+            <a:spLocks noGrp="1"/>
+          </p:cNvSpPr>
+          <p:nvPr>
+            <p:ph type="body" idx="1"/>
+          </p:nvPr>
+        </p:nvSpPr>
+        <p:spPr>
+          <a:xfrm>
+            <a:off x="727650" y="1288800"/>
+            <a:ext cx="7688700" cy="3172364"/>
+          </a:xfrm>
+          <a:prstGeom prst="rect">
+            <a:avLst/>
+          </a:prstGeom>
+        </p:spPr>
+        <p:txBody>
+          <a:bodyPr spcFirstLastPara="1" wrap="square" lIns="91425" tIns="91425" rIns="91425" bIns="91425" anchor="t" anchorCtr="0">
+            <a:noAutofit/>
+          </a:bodyPr>
+          <a:lstStyle/>
+          <a:p>
+            <a:pPr marL="0" lvl="0" indent="0" algn="l" rtl="0">
+              <a:spcBef>
+                <a:spcPts val="1600"/>
+              </a:spcBef>
+              <a:spcAft>
+                <a:spcPts val="0"/>
+              </a:spcAft>
+              <a:buNone/>
+            </a:pPr>
+            <a:r>
+              <a:rPr lang="en-US" sz="1400" b="1" dirty="0"/>
+              <a:t>Multiple target variables with numerous features sounds like a great case for </a:t>
+            </a:r>
+            <a:r>
+              <a:rPr lang="en-US" sz="1400" b="1" dirty="0">
+                <a:solidFill>
+                  <a:srgbClr val="00B0F0"/>
+                </a:solidFill>
+              </a:rPr>
+              <a:t>classification</a:t>
+            </a:r>
+            <a:r>
+              <a:rPr lang="en-US" sz="1400" b="1" dirty="0"/>
+              <a:t>.</a:t>
+            </a:r>
+          </a:p>
+          <a:p>
+            <a:pPr marL="342900" lvl="0" indent="-342900" algn="l" rtl="0">
+              <a:spcBef>
+                <a:spcPts val="1600"/>
+              </a:spcBef>
+              <a:spcAft>
+                <a:spcPts val="0"/>
+              </a:spcAft>
+              <a:buFont typeface="+mj-lt"/>
+              <a:buAutoNum type="arabicPeriod"/>
+            </a:pPr>
+            <a:r>
+              <a:rPr lang="en-US" b="1" dirty="0"/>
+              <a:t>K-Nearest Neighbors </a:t>
+            </a:r>
+            <a:r>
+              <a:rPr lang="en-US" dirty="0"/>
+              <a:t>is my first choice</a:t>
+            </a:r>
+            <a:r>
+              <a:rPr lang="en-US" b="1" dirty="0"/>
+              <a:t>.</a:t>
+            </a:r>
+          </a:p>
+          <a:p>
+            <a:pPr marL="342900" lvl="0" indent="-342900" algn="l" rtl="0">
+              <a:spcBef>
+                <a:spcPts val="1600"/>
+              </a:spcBef>
+              <a:spcAft>
+                <a:spcPts val="0"/>
+              </a:spcAft>
+              <a:buFont typeface="+mj-lt"/>
+              <a:buAutoNum type="arabicPeriod"/>
+            </a:pPr>
+            <a:r>
+              <a:rPr lang="en-US" b="1" dirty="0"/>
+              <a:t>This is a classification problem, so I will also try Logistic Regression.</a:t>
+            </a:r>
+          </a:p>
+          <a:p>
+            <a:pPr marL="342900" lvl="0" indent="-342900" algn="l" rtl="0">
+              <a:spcBef>
+                <a:spcPts val="1600"/>
+              </a:spcBef>
+              <a:spcAft>
+                <a:spcPts val="0"/>
+              </a:spcAft>
+              <a:buFont typeface="+mj-lt"/>
+              <a:buAutoNum type="arabicPeriod"/>
+            </a:pPr>
+            <a:r>
+              <a:rPr lang="en-US" b="1" dirty="0"/>
+              <a:t>Support Vector Machine is also a good choice.</a:t>
+            </a:r>
+          </a:p>
+          <a:p>
+            <a:pPr marL="342900" lvl="0" indent="-342900" algn="l" rtl="0">
+              <a:spcBef>
+                <a:spcPts val="1600"/>
+              </a:spcBef>
+              <a:spcAft>
+                <a:spcPts val="0"/>
+              </a:spcAft>
+              <a:buFont typeface="+mj-lt"/>
+              <a:buAutoNum type="arabicPeriod"/>
+            </a:pPr>
+            <a:r>
+              <a:rPr lang="en-US" b="1" dirty="0"/>
+              <a:t>I will also implement a Decision Tree classifier.</a:t>
+            </a:r>
+          </a:p>
+          <a:p>
+            <a:pPr marL="342900" lvl="0" indent="-342900" algn="l" rtl="0">
+              <a:spcBef>
+                <a:spcPts val="1600"/>
+              </a:spcBef>
+              <a:spcAft>
+                <a:spcPts val="0"/>
+              </a:spcAft>
+              <a:buFont typeface="+mj-lt"/>
+              <a:buAutoNum type="arabicPeriod"/>
+            </a:pPr>
+            <a:r>
+              <a:rPr lang="en-US" b="1" dirty="0"/>
+              <a:t>I will also try a variety of ensemble methods: Bagging Decision Tree, Boosting Decision Tree, Random Forest and Voting Classifier.</a:t>
+            </a:r>
+          </a:p>
+        </p:txBody>
+      </p:sp>
+    </p:spTree>
+    <p:extLst>
+      <p:ext uri="{BB962C8B-B14F-4D97-AF65-F5344CB8AC3E}">
+        <p14:creationId xmlns:p14="http://schemas.microsoft.com/office/powerpoint/2010/main" val="2311449592"/>
+      </p:ext>
+    </p:extLst>
+  </p:cSld>
+  <p:clrMapOvr>
+    <a:masterClrMapping/>
+  </p:clrMapOvr>
+</p:sld>
+</file>
+
+<file path=ppt/slides/slide18.xml><?xml version="1.0" encoding="utf-8"?>
+<p:sld xmlns:a="http://schemas.openxmlformats.org/drawingml/2006/main" xmlns:r="http://schemas.openxmlformats.org/officeDocument/2006/relationships" xmlns:p="http://schemas.openxmlformats.org/presentationml/2006/main">
+  <p:cSld>
+    <p:spTree>
+      <p:nvGrpSpPr>
+        <p:cNvPr id="1" name="Shape 104">
+          <a:extLst>
+            <a:ext uri="{FF2B5EF4-FFF2-40B4-BE49-F238E27FC236}">
+              <a16:creationId xmlns:a16="http://schemas.microsoft.com/office/drawing/2014/main" id="{08E1BDEF-B986-61F9-39FB-430B3A05953C}"/>
+            </a:ext>
+          </a:extLst>
+        </p:cNvPr>
+        <p:cNvGrpSpPr/>
+        <p:nvPr/>
+      </p:nvGrpSpPr>
+      <p:grpSpPr>
+        <a:xfrm>
+          <a:off x="0" y="0"/>
+          <a:ext cx="0" cy="0"/>
+          <a:chOff x="0" y="0"/>
+          <a:chExt cx="0" cy="0"/>
+        </a:xfrm>
+      </p:grpSpPr>
+      <p:sp>
+        <p:nvSpPr>
+          <p:cNvPr id="105" name="Google Shape;105;p16">
+            <a:extLst>
+              <a:ext uri="{FF2B5EF4-FFF2-40B4-BE49-F238E27FC236}">
+                <a16:creationId xmlns:a16="http://schemas.microsoft.com/office/drawing/2014/main" id="{5188D404-CDBF-8323-99EF-035AF0A60BB3}"/>
+              </a:ext>
+            </a:extLst>
+          </p:cNvPr>
+          <p:cNvSpPr txBox="1">
+            <a:spLocks noGrp="1"/>
+          </p:cNvSpPr>
+          <p:nvPr>
+            <p:ph type="title"/>
+          </p:nvPr>
+        </p:nvSpPr>
+        <p:spPr>
+          <a:xfrm>
+            <a:off x="727650" y="632850"/>
+            <a:ext cx="7688700" cy="535200"/>
+          </a:xfrm>
+          <a:prstGeom prst="rect">
+            <a:avLst/>
+          </a:prstGeom>
+        </p:spPr>
+        <p:txBody>
+          <a:bodyPr spcFirstLastPara="1" wrap="square" lIns="91425" tIns="91425" rIns="91425" bIns="91425" anchor="t" anchorCtr="0">
+            <a:noAutofit/>
+          </a:bodyPr>
+          <a:lstStyle/>
+          <a:p>
+            <a:pPr marL="0" lvl="0" indent="0" algn="l" rtl="0">
+              <a:spcBef>
+                <a:spcPts val="0"/>
+              </a:spcBef>
+              <a:spcAft>
+                <a:spcPts val="0"/>
+              </a:spcAft>
+              <a:buNone/>
+            </a:pPr>
+            <a:r>
+              <a:rPr lang="en-GB" dirty="0"/>
+              <a:t>Model Results</a:t>
+            </a:r>
+            <a:endParaRPr dirty="0"/>
+          </a:p>
+        </p:txBody>
+      </p:sp>
+      <p:pic>
+        <p:nvPicPr>
+          <p:cNvPr id="4" name="Picture 3">
+            <a:extLst>
+              <a:ext uri="{FF2B5EF4-FFF2-40B4-BE49-F238E27FC236}">
+                <a16:creationId xmlns:a16="http://schemas.microsoft.com/office/drawing/2014/main" id="{49259DF2-32EB-8D19-DAAC-A1A97A2AB711}"/>
+              </a:ext>
+            </a:extLst>
+          </p:cNvPr>
+          <p:cNvPicPr>
+            <a:picLocks noChangeAspect="1"/>
+          </p:cNvPicPr>
+          <p:nvPr/>
+        </p:nvPicPr>
+        <p:blipFill>
+          <a:blip r:embed="rId3"/>
+          <a:stretch>
+            <a:fillRect/>
+          </a:stretch>
+        </p:blipFill>
+        <p:spPr>
+          <a:xfrm>
+            <a:off x="858938" y="1462760"/>
+            <a:ext cx="6830378" cy="2772162"/>
+          </a:xfrm>
+          <a:prstGeom prst="rect">
+            <a:avLst/>
+          </a:prstGeom>
+        </p:spPr>
+      </p:pic>
+    </p:spTree>
+    <p:extLst>
+      <p:ext uri="{BB962C8B-B14F-4D97-AF65-F5344CB8AC3E}">
+        <p14:creationId xmlns:p14="http://schemas.microsoft.com/office/powerpoint/2010/main" val="2633263225"/>
+      </p:ext>
+    </p:extLst>
+  </p:cSld>
+  <p:clrMapOvr>
+    <a:masterClrMapping/>
+  </p:clrMapOvr>
+</p:sld>
+</file>
+
+<file path=ppt/slides/slide19.xml><?xml version="1.0" encoding="utf-8"?>
+<p:sld xmlns:a="http://schemas.openxmlformats.org/drawingml/2006/main" xmlns:r="http://schemas.openxmlformats.org/officeDocument/2006/relationships" xmlns:p="http://schemas.openxmlformats.org/presentationml/2006/main">
+  <p:cSld>
+    <p:spTree>
+      <p:nvGrpSpPr>
+        <p:cNvPr id="1" name="Shape 104">
+          <a:extLst>
+            <a:ext uri="{FF2B5EF4-FFF2-40B4-BE49-F238E27FC236}">
+              <a16:creationId xmlns:a16="http://schemas.microsoft.com/office/drawing/2014/main" id="{5C72DA5D-F227-FF91-A009-A6DC8F3A1F07}"/>
+            </a:ext>
+          </a:extLst>
+        </p:cNvPr>
+        <p:cNvGrpSpPr/>
+        <p:nvPr/>
+      </p:nvGrpSpPr>
+      <p:grpSpPr>
+        <a:xfrm>
+          <a:off x="0" y="0"/>
+          <a:ext cx="0" cy="0"/>
+          <a:chOff x="0" y="0"/>
+          <a:chExt cx="0" cy="0"/>
+        </a:xfrm>
+      </p:grpSpPr>
+      <p:sp>
+        <p:nvSpPr>
+          <p:cNvPr id="105" name="Google Shape;105;p16">
+            <a:extLst>
+              <a:ext uri="{FF2B5EF4-FFF2-40B4-BE49-F238E27FC236}">
+                <a16:creationId xmlns:a16="http://schemas.microsoft.com/office/drawing/2014/main" id="{52772C0E-C8FA-C25B-CE37-2AB1D0B90B26}"/>
+              </a:ext>
+            </a:extLst>
+          </p:cNvPr>
+          <p:cNvSpPr txBox="1">
+            <a:spLocks noGrp="1"/>
+          </p:cNvSpPr>
+          <p:nvPr>
+            <p:ph type="title"/>
+          </p:nvPr>
+        </p:nvSpPr>
+        <p:spPr>
+          <a:xfrm>
+            <a:off x="727650" y="632850"/>
+            <a:ext cx="7688700" cy="535200"/>
+          </a:xfrm>
+          <a:prstGeom prst="rect">
+            <a:avLst/>
+          </a:prstGeom>
+        </p:spPr>
+        <p:txBody>
+          <a:bodyPr spcFirstLastPara="1" wrap="square" lIns="91425" tIns="91425" rIns="91425" bIns="91425" anchor="t" anchorCtr="0">
+            <a:noAutofit/>
+          </a:bodyPr>
+          <a:lstStyle/>
+          <a:p>
+            <a:pPr marL="0" lvl="0" indent="0" algn="l" rtl="0">
+              <a:spcBef>
+                <a:spcPts val="0"/>
+              </a:spcBef>
+              <a:spcAft>
+                <a:spcPts val="0"/>
+              </a:spcAft>
+              <a:buNone/>
+            </a:pPr>
+            <a:r>
+              <a:rPr lang="en-GB" dirty="0"/>
+              <a:t>Model Performance</a:t>
+            </a:r>
+            <a:endParaRPr dirty="0"/>
+          </a:p>
+        </p:txBody>
+      </p:sp>
+      <p:sp>
+        <p:nvSpPr>
+          <p:cNvPr id="106" name="Google Shape;106;p16">
+            <a:extLst>
+              <a:ext uri="{FF2B5EF4-FFF2-40B4-BE49-F238E27FC236}">
+                <a16:creationId xmlns:a16="http://schemas.microsoft.com/office/drawing/2014/main" id="{3DBC1458-27F8-CA97-840E-A5FC53E6F54E}"/>
+              </a:ext>
+            </a:extLst>
+          </p:cNvPr>
+          <p:cNvSpPr txBox="1">
+            <a:spLocks noGrp="1"/>
+          </p:cNvSpPr>
+          <p:nvPr>
+            <p:ph type="body" idx="1"/>
+          </p:nvPr>
+        </p:nvSpPr>
+        <p:spPr>
+          <a:xfrm>
+            <a:off x="727650" y="1288800"/>
+            <a:ext cx="7688700" cy="3172364"/>
+          </a:xfrm>
+          <a:prstGeom prst="rect">
+            <a:avLst/>
+          </a:prstGeom>
+        </p:spPr>
+        <p:txBody>
+          <a:bodyPr spcFirstLastPara="1" wrap="square" lIns="91425" tIns="91425" rIns="91425" bIns="91425" anchor="t" anchorCtr="0">
+            <a:noAutofit/>
+          </a:bodyPr>
+          <a:lstStyle/>
+          <a:p>
+            <a:pPr marL="1555114" indent="0">
+              <a:lnSpc>
+                <a:spcPct val="100000"/>
+              </a:lnSpc>
+              <a:spcBef>
+                <a:spcPts val="100"/>
+              </a:spcBef>
+              <a:buNone/>
+            </a:pPr>
+            <a:r>
+              <a:rPr lang="en-US" sz="1400" b="1" dirty="0">
+                <a:latin typeface="Lato" panose="020F0502020204030203" pitchFamily="34" charset="0"/>
+                <a:ea typeface="Lato" panose="020F0502020204030203" pitchFamily="34" charset="0"/>
+                <a:cs typeface="Lato" panose="020F0502020204030203" pitchFamily="34" charset="0"/>
+              </a:rPr>
+              <a:t>Best</a:t>
+            </a:r>
+            <a:r>
+              <a:rPr lang="en-US" sz="1400" b="1" spc="-65" dirty="0">
+                <a:latin typeface="Lato" panose="020F0502020204030203" pitchFamily="34" charset="0"/>
+                <a:ea typeface="Lato" panose="020F0502020204030203" pitchFamily="34" charset="0"/>
+                <a:cs typeface="Lato" panose="020F0502020204030203" pitchFamily="34" charset="0"/>
+              </a:rPr>
+              <a:t> </a:t>
+            </a:r>
+            <a:r>
+              <a:rPr lang="en-US" sz="1400" b="1" dirty="0">
+                <a:latin typeface="Lato" panose="020F0502020204030203" pitchFamily="34" charset="0"/>
+                <a:ea typeface="Lato" panose="020F0502020204030203" pitchFamily="34" charset="0"/>
+                <a:cs typeface="Lato" panose="020F0502020204030203" pitchFamily="34" charset="0"/>
+              </a:rPr>
+              <a:t>performers,</a:t>
+            </a:r>
+            <a:r>
+              <a:rPr lang="en-US" sz="1400" b="1" spc="-60" dirty="0">
+                <a:latin typeface="Lato" panose="020F0502020204030203" pitchFamily="34" charset="0"/>
+                <a:ea typeface="Lato" panose="020F0502020204030203" pitchFamily="34" charset="0"/>
+                <a:cs typeface="Lato" panose="020F0502020204030203" pitchFamily="34" charset="0"/>
+              </a:rPr>
+              <a:t> </a:t>
+            </a:r>
+            <a:r>
+              <a:rPr lang="en-US" sz="1400" b="1" spc="-10" dirty="0">
+                <a:latin typeface="Lato" panose="020F0502020204030203" pitchFamily="34" charset="0"/>
+                <a:ea typeface="Lato" panose="020F0502020204030203" pitchFamily="34" charset="0"/>
+                <a:cs typeface="Lato" panose="020F0502020204030203" pitchFamily="34" charset="0"/>
+              </a:rPr>
+              <a:t>ranked:</a:t>
+            </a:r>
+            <a:endParaRPr lang="en-US" sz="1400" dirty="0">
+              <a:latin typeface="Lato" panose="020F0502020204030203" pitchFamily="34" charset="0"/>
+              <a:ea typeface="Lato" panose="020F0502020204030203" pitchFamily="34" charset="0"/>
+              <a:cs typeface="Lato" panose="020F0502020204030203" pitchFamily="34" charset="0"/>
+            </a:endParaRPr>
+          </a:p>
+          <a:p>
+            <a:pPr marL="2323465" indent="-400050">
+              <a:lnSpc>
+                <a:spcPct val="100000"/>
+              </a:lnSpc>
+              <a:spcBef>
+                <a:spcPts val="340"/>
+              </a:spcBef>
+              <a:buAutoNum type="arabicPeriod"/>
+              <a:tabLst>
+                <a:tab pos="2323465" algn="l"/>
+              </a:tabLst>
+            </a:pPr>
+            <a:r>
+              <a:rPr lang="en-US" sz="1400" b="1" dirty="0">
+                <a:latin typeface="Lato" panose="020F0502020204030203" pitchFamily="34" charset="0"/>
+                <a:ea typeface="Lato" panose="020F0502020204030203" pitchFamily="34" charset="0"/>
+                <a:cs typeface="Lato" panose="020F0502020204030203" pitchFamily="34" charset="0"/>
+              </a:rPr>
+              <a:t>Support vector Machine</a:t>
+            </a:r>
+            <a:endParaRPr lang="en-US" sz="1400" dirty="0">
+              <a:latin typeface="Lato" panose="020F0502020204030203" pitchFamily="34" charset="0"/>
+              <a:ea typeface="Lato" panose="020F0502020204030203" pitchFamily="34" charset="0"/>
+              <a:cs typeface="Lato" panose="020F0502020204030203" pitchFamily="34" charset="0"/>
+            </a:endParaRPr>
+          </a:p>
+          <a:p>
+            <a:pPr marL="2323465" indent="-400050">
+              <a:lnSpc>
+                <a:spcPct val="100000"/>
+              </a:lnSpc>
+              <a:spcBef>
+                <a:spcPts val="340"/>
+              </a:spcBef>
+              <a:buAutoNum type="arabicPeriod"/>
+              <a:tabLst>
+                <a:tab pos="2323465" algn="l"/>
+              </a:tabLst>
+            </a:pPr>
+            <a:r>
+              <a:rPr lang="en-US" sz="1400" b="1" dirty="0">
+                <a:latin typeface="Lato" panose="020F0502020204030203" pitchFamily="34" charset="0"/>
+                <a:ea typeface="Lato" panose="020F0502020204030203" pitchFamily="34" charset="0"/>
+                <a:cs typeface="Lato" panose="020F0502020204030203" pitchFamily="34" charset="0"/>
+              </a:rPr>
+              <a:t>Voting Classifier (Ensemble)</a:t>
+            </a:r>
+            <a:endParaRPr lang="en-US" sz="1400" dirty="0">
+              <a:latin typeface="Lato" panose="020F0502020204030203" pitchFamily="34" charset="0"/>
+              <a:ea typeface="Lato" panose="020F0502020204030203" pitchFamily="34" charset="0"/>
+              <a:cs typeface="Lato" panose="020F0502020204030203" pitchFamily="34" charset="0"/>
+            </a:endParaRPr>
+          </a:p>
+          <a:p>
+            <a:pPr marL="2323465" indent="-400050">
+              <a:lnSpc>
+                <a:spcPct val="100000"/>
+              </a:lnSpc>
+              <a:spcBef>
+                <a:spcPts val="315"/>
+              </a:spcBef>
+              <a:buAutoNum type="arabicPeriod"/>
+              <a:tabLst>
+                <a:tab pos="2323465" algn="l"/>
+              </a:tabLst>
+            </a:pPr>
+            <a:r>
+              <a:rPr lang="en-US" sz="1400" b="1" spc="-25" dirty="0">
+                <a:latin typeface="Lato" panose="020F0502020204030203" pitchFamily="34" charset="0"/>
+                <a:ea typeface="Lato" panose="020F0502020204030203" pitchFamily="34" charset="0"/>
+                <a:cs typeface="Lato" panose="020F0502020204030203" pitchFamily="34" charset="0"/>
+              </a:rPr>
+              <a:t>Logistic Regression</a:t>
+            </a:r>
+            <a:endParaRPr lang="en-US" sz="1400" dirty="0">
+              <a:latin typeface="Lato" panose="020F0502020204030203" pitchFamily="34" charset="0"/>
+              <a:ea typeface="Lato" panose="020F0502020204030203" pitchFamily="34" charset="0"/>
+              <a:cs typeface="Lato" panose="020F0502020204030203" pitchFamily="34" charset="0"/>
+            </a:endParaRPr>
+          </a:p>
+          <a:p>
+            <a:pPr marL="2323465" indent="-400050">
+              <a:lnSpc>
+                <a:spcPct val="100000"/>
+              </a:lnSpc>
+              <a:spcBef>
+                <a:spcPts val="315"/>
+              </a:spcBef>
+              <a:buAutoNum type="arabicPeriod"/>
+              <a:tabLst>
+                <a:tab pos="2323465" algn="l"/>
+              </a:tabLst>
+            </a:pPr>
+            <a:r>
+              <a:rPr lang="en-US" sz="1400" b="1" spc="-25" dirty="0">
+                <a:latin typeface="Lato" panose="020F0502020204030203" pitchFamily="34" charset="0"/>
+                <a:ea typeface="Lato" panose="020F0502020204030203" pitchFamily="34" charset="0"/>
+                <a:cs typeface="Lato" panose="020F0502020204030203" pitchFamily="34" charset="0"/>
+              </a:rPr>
+              <a:t>Bagging Decision Tree (Ensemble)</a:t>
+            </a:r>
+          </a:p>
+          <a:p>
+            <a:pPr marL="2323465" indent="-400050">
+              <a:lnSpc>
+                <a:spcPct val="100000"/>
+              </a:lnSpc>
+              <a:spcBef>
+                <a:spcPts val="315"/>
+              </a:spcBef>
+              <a:buAutoNum type="arabicPeriod"/>
+              <a:tabLst>
+                <a:tab pos="2323465" algn="l"/>
+              </a:tabLst>
+            </a:pPr>
+            <a:r>
+              <a:rPr lang="en-US" sz="1400" b="1" spc="-25" dirty="0">
+                <a:latin typeface="Lato" panose="020F0502020204030203" pitchFamily="34" charset="0"/>
+                <a:ea typeface="Lato" panose="020F0502020204030203" pitchFamily="34" charset="0"/>
+                <a:cs typeface="Lato" panose="020F0502020204030203" pitchFamily="34" charset="0"/>
+              </a:rPr>
+              <a:t>Decision Tree</a:t>
+            </a:r>
+          </a:p>
+          <a:p>
+            <a:pPr marL="2323465" indent="-400050">
+              <a:lnSpc>
+                <a:spcPct val="100000"/>
+              </a:lnSpc>
+              <a:spcBef>
+                <a:spcPts val="315"/>
+              </a:spcBef>
+              <a:buAutoNum type="arabicPeriod"/>
+              <a:tabLst>
+                <a:tab pos="2323465" algn="l"/>
+              </a:tabLst>
+            </a:pPr>
+            <a:r>
+              <a:rPr lang="en-US" sz="1400" b="1" spc="-25" dirty="0">
+                <a:latin typeface="Lato" panose="020F0502020204030203" pitchFamily="34" charset="0"/>
+                <a:ea typeface="Lato" panose="020F0502020204030203" pitchFamily="34" charset="0"/>
+                <a:cs typeface="Lato" panose="020F0502020204030203" pitchFamily="34" charset="0"/>
+              </a:rPr>
+              <a:t>Boosting Decision Tree (Ensemble)</a:t>
+            </a:r>
+          </a:p>
+          <a:p>
+            <a:pPr marL="2323465" indent="-400050">
+              <a:lnSpc>
+                <a:spcPct val="100000"/>
+              </a:lnSpc>
+              <a:spcBef>
+                <a:spcPts val="315"/>
+              </a:spcBef>
+              <a:buAutoNum type="arabicPeriod"/>
+              <a:tabLst>
+                <a:tab pos="2323465" algn="l"/>
+              </a:tabLst>
+            </a:pPr>
+            <a:r>
+              <a:rPr lang="en-US" sz="1400" b="1" spc="-25" dirty="0">
+                <a:latin typeface="Lato" panose="020F0502020204030203" pitchFamily="34" charset="0"/>
+                <a:ea typeface="Lato" panose="020F0502020204030203" pitchFamily="34" charset="0"/>
+                <a:cs typeface="Lato" panose="020F0502020204030203" pitchFamily="34" charset="0"/>
+              </a:rPr>
+              <a:t>KNN</a:t>
+            </a:r>
+          </a:p>
+          <a:p>
+            <a:pPr marL="2323465" indent="-400050">
+              <a:lnSpc>
+                <a:spcPct val="100000"/>
+              </a:lnSpc>
+              <a:spcBef>
+                <a:spcPts val="315"/>
+              </a:spcBef>
+              <a:buAutoNum type="arabicPeriod"/>
+              <a:tabLst>
+                <a:tab pos="2323465" algn="l"/>
+              </a:tabLst>
+            </a:pPr>
+            <a:r>
+              <a:rPr lang="en-US" sz="1400" b="1" spc="-25" dirty="0">
+                <a:latin typeface="Lato" panose="020F0502020204030203" pitchFamily="34" charset="0"/>
+                <a:ea typeface="Lato" panose="020F0502020204030203" pitchFamily="34" charset="0"/>
+                <a:cs typeface="Lato" panose="020F0502020204030203" pitchFamily="34" charset="0"/>
+              </a:rPr>
+              <a:t>Random Forest (Ensemble)</a:t>
+            </a:r>
+          </a:p>
+          <a:p>
+            <a:pPr marL="2323465" indent="-400050">
+              <a:lnSpc>
+                <a:spcPct val="100000"/>
+              </a:lnSpc>
+              <a:spcBef>
+                <a:spcPts val="315"/>
+              </a:spcBef>
+              <a:buAutoNum type="arabicPeriod"/>
+              <a:tabLst>
+                <a:tab pos="2323465" algn="l"/>
+              </a:tabLst>
+            </a:pPr>
+            <a:endParaRPr lang="en-US" sz="1200" dirty="0">
+              <a:latin typeface="Lato" panose="020F0502020204030203" pitchFamily="34" charset="0"/>
+              <a:ea typeface="Lato" panose="020F0502020204030203" pitchFamily="34" charset="0"/>
+              <a:cs typeface="Lato" panose="020F0502020204030203" pitchFamily="34" charset="0"/>
+            </a:endParaRPr>
+          </a:p>
+          <a:p>
+            <a:pPr marL="0" lvl="0" indent="0" algn="l" rtl="0">
+              <a:spcBef>
+                <a:spcPts val="1600"/>
+              </a:spcBef>
+              <a:spcAft>
+                <a:spcPts val="0"/>
+              </a:spcAft>
+              <a:buNone/>
+            </a:pPr>
+            <a:endParaRPr lang="en-US" b="1" dirty="0"/>
+          </a:p>
+        </p:txBody>
+      </p:sp>
+    </p:spTree>
+    <p:extLst>
+      <p:ext uri="{BB962C8B-B14F-4D97-AF65-F5344CB8AC3E}">
+        <p14:creationId xmlns:p14="http://schemas.microsoft.com/office/powerpoint/2010/main" val="2403050903"/>
+      </p:ext>
+    </p:extLst>
   </p:cSld>
   <p:clrMapOvr>
     <a:masterClrMapping/>
@@ -8901,6 +12179,715 @@
           </a:prstGeom>
         </p:spPr>
       </p:pic>
+    </p:spTree>
+  </p:cSld>
+  <p:clrMapOvr>
+    <a:masterClrMapping/>
+  </p:clrMapOvr>
+</p:sld>
+</file>
+
+<file path=ppt/slides/slide20.xml><?xml version="1.0" encoding="utf-8"?>
+<p:sld xmlns:a="http://schemas.openxmlformats.org/drawingml/2006/main" xmlns:r="http://schemas.openxmlformats.org/officeDocument/2006/relationships" xmlns:p="http://schemas.openxmlformats.org/presentationml/2006/main">
+  <p:cSld>
+    <p:spTree>
+      <p:nvGrpSpPr>
+        <p:cNvPr id="1" name="Shape 104">
+          <a:extLst>
+            <a:ext uri="{FF2B5EF4-FFF2-40B4-BE49-F238E27FC236}">
+              <a16:creationId xmlns:a16="http://schemas.microsoft.com/office/drawing/2014/main" id="{ECE02E8A-5239-71ED-29ED-94A854C9A170}"/>
+            </a:ext>
+          </a:extLst>
+        </p:cNvPr>
+        <p:cNvGrpSpPr/>
+        <p:nvPr/>
+      </p:nvGrpSpPr>
+      <p:grpSpPr>
+        <a:xfrm>
+          <a:off x="0" y="0"/>
+          <a:ext cx="0" cy="0"/>
+          <a:chOff x="0" y="0"/>
+          <a:chExt cx="0" cy="0"/>
+        </a:xfrm>
+      </p:grpSpPr>
+      <p:sp>
+        <p:nvSpPr>
+          <p:cNvPr id="105" name="Google Shape;105;p16">
+            <a:extLst>
+              <a:ext uri="{FF2B5EF4-FFF2-40B4-BE49-F238E27FC236}">
+                <a16:creationId xmlns:a16="http://schemas.microsoft.com/office/drawing/2014/main" id="{FBF21B20-80CA-4D7D-3122-1C1EC9A919AB}"/>
+              </a:ext>
+            </a:extLst>
+          </p:cNvPr>
+          <p:cNvSpPr txBox="1">
+            <a:spLocks noGrp="1"/>
+          </p:cNvSpPr>
+          <p:nvPr>
+            <p:ph type="title"/>
+          </p:nvPr>
+        </p:nvSpPr>
+        <p:spPr>
+          <a:xfrm>
+            <a:off x="727650" y="632850"/>
+            <a:ext cx="7688700" cy="535200"/>
+          </a:xfrm>
+          <a:prstGeom prst="rect">
+            <a:avLst/>
+          </a:prstGeom>
+        </p:spPr>
+        <p:txBody>
+          <a:bodyPr spcFirstLastPara="1" wrap="square" lIns="91425" tIns="91425" rIns="91425" bIns="91425" anchor="t" anchorCtr="0">
+            <a:noAutofit/>
+          </a:bodyPr>
+          <a:lstStyle/>
+          <a:p>
+            <a:pPr marL="0" lvl="0" indent="0" algn="l" rtl="0">
+              <a:spcBef>
+                <a:spcPts val="0"/>
+              </a:spcBef>
+              <a:spcAft>
+                <a:spcPts val="0"/>
+              </a:spcAft>
+              <a:buNone/>
+            </a:pPr>
+            <a:r>
+              <a:rPr lang="en-GB" dirty="0"/>
+              <a:t>Model Speed</a:t>
+            </a:r>
+            <a:endParaRPr dirty="0"/>
+          </a:p>
+        </p:txBody>
+      </p:sp>
+      <p:sp>
+        <p:nvSpPr>
+          <p:cNvPr id="106" name="Google Shape;106;p16">
+            <a:extLst>
+              <a:ext uri="{FF2B5EF4-FFF2-40B4-BE49-F238E27FC236}">
+                <a16:creationId xmlns:a16="http://schemas.microsoft.com/office/drawing/2014/main" id="{6FAB1F88-FF45-B8BD-EE85-06F3B4CB00B7}"/>
+              </a:ext>
+            </a:extLst>
+          </p:cNvPr>
+          <p:cNvSpPr txBox="1">
+            <a:spLocks noGrp="1"/>
+          </p:cNvSpPr>
+          <p:nvPr>
+            <p:ph type="body" idx="1"/>
+          </p:nvPr>
+        </p:nvSpPr>
+        <p:spPr>
+          <a:xfrm>
+            <a:off x="727650" y="1288800"/>
+            <a:ext cx="7688700" cy="3172364"/>
+          </a:xfrm>
+          <a:prstGeom prst="rect">
+            <a:avLst/>
+          </a:prstGeom>
+        </p:spPr>
+        <p:txBody>
+          <a:bodyPr spcFirstLastPara="1" wrap="square" lIns="91425" tIns="91425" rIns="91425" bIns="91425" anchor="t" anchorCtr="0">
+            <a:noAutofit/>
+          </a:bodyPr>
+          <a:lstStyle/>
+          <a:p>
+            <a:pPr marL="1555114" indent="0">
+              <a:lnSpc>
+                <a:spcPct val="100000"/>
+              </a:lnSpc>
+              <a:spcBef>
+                <a:spcPts val="100"/>
+              </a:spcBef>
+              <a:buNone/>
+            </a:pPr>
+            <a:r>
+              <a:rPr lang="en-US" sz="1400" b="1" dirty="0">
+                <a:latin typeface="Lato" panose="020F0502020204030203" pitchFamily="34" charset="0"/>
+                <a:ea typeface="Lato" panose="020F0502020204030203" pitchFamily="34" charset="0"/>
+                <a:cs typeface="Lato" panose="020F0502020204030203" pitchFamily="34" charset="0"/>
+              </a:rPr>
+              <a:t>Fastest</a:t>
+            </a:r>
+            <a:r>
+              <a:rPr lang="en-US" sz="1400" b="1" spc="-65" dirty="0">
+                <a:latin typeface="Lato" panose="020F0502020204030203" pitchFamily="34" charset="0"/>
+                <a:ea typeface="Lato" panose="020F0502020204030203" pitchFamily="34" charset="0"/>
+                <a:cs typeface="Lato" panose="020F0502020204030203" pitchFamily="34" charset="0"/>
+              </a:rPr>
+              <a:t> </a:t>
+            </a:r>
+            <a:r>
+              <a:rPr lang="en-US" sz="1400" b="1" dirty="0">
+                <a:latin typeface="Lato" panose="020F0502020204030203" pitchFamily="34" charset="0"/>
+                <a:ea typeface="Lato" panose="020F0502020204030203" pitchFamily="34" charset="0"/>
+                <a:cs typeface="Lato" panose="020F0502020204030203" pitchFamily="34" charset="0"/>
+              </a:rPr>
+              <a:t>performers,</a:t>
+            </a:r>
+            <a:r>
+              <a:rPr lang="en-US" sz="1400" b="1" spc="-60" dirty="0">
+                <a:latin typeface="Lato" panose="020F0502020204030203" pitchFamily="34" charset="0"/>
+                <a:ea typeface="Lato" panose="020F0502020204030203" pitchFamily="34" charset="0"/>
+                <a:cs typeface="Lato" panose="020F0502020204030203" pitchFamily="34" charset="0"/>
+              </a:rPr>
+              <a:t> </a:t>
+            </a:r>
+            <a:r>
+              <a:rPr lang="en-US" sz="1400" b="1" spc="-10" dirty="0">
+                <a:latin typeface="Lato" panose="020F0502020204030203" pitchFamily="34" charset="0"/>
+                <a:ea typeface="Lato" panose="020F0502020204030203" pitchFamily="34" charset="0"/>
+                <a:cs typeface="Lato" panose="020F0502020204030203" pitchFamily="34" charset="0"/>
+              </a:rPr>
+              <a:t>ranked:</a:t>
+            </a:r>
+            <a:endParaRPr lang="en-US" sz="1400" dirty="0">
+              <a:latin typeface="Lato" panose="020F0502020204030203" pitchFamily="34" charset="0"/>
+              <a:ea typeface="Lato" panose="020F0502020204030203" pitchFamily="34" charset="0"/>
+              <a:cs typeface="Lato" panose="020F0502020204030203" pitchFamily="34" charset="0"/>
+            </a:endParaRPr>
+          </a:p>
+          <a:p>
+            <a:pPr marL="2323465" indent="-400050">
+              <a:lnSpc>
+                <a:spcPct val="100000"/>
+              </a:lnSpc>
+              <a:spcBef>
+                <a:spcPts val="315"/>
+              </a:spcBef>
+              <a:buAutoNum type="arabicPeriod"/>
+              <a:tabLst>
+                <a:tab pos="2323465" algn="l"/>
+              </a:tabLst>
+            </a:pPr>
+            <a:r>
+              <a:rPr lang="en-US" sz="1400" b="1" spc="-25" dirty="0">
+                <a:latin typeface="Lato" panose="020F0502020204030203" pitchFamily="34" charset="0"/>
+                <a:ea typeface="Lato" panose="020F0502020204030203" pitchFamily="34" charset="0"/>
+                <a:cs typeface="Lato" panose="020F0502020204030203" pitchFamily="34" charset="0"/>
+              </a:rPr>
+              <a:t>Random Forest (Ensemble)</a:t>
+            </a:r>
+          </a:p>
+          <a:p>
+            <a:pPr marL="2323465" indent="-400050">
+              <a:lnSpc>
+                <a:spcPct val="100000"/>
+              </a:lnSpc>
+              <a:spcBef>
+                <a:spcPts val="315"/>
+              </a:spcBef>
+              <a:buAutoNum type="arabicPeriod"/>
+              <a:tabLst>
+                <a:tab pos="2323465" algn="l"/>
+              </a:tabLst>
+            </a:pPr>
+            <a:r>
+              <a:rPr lang="en-US" sz="1400" b="1" spc="-25" dirty="0">
+                <a:latin typeface="Lato" panose="020F0502020204030203" pitchFamily="34" charset="0"/>
+                <a:ea typeface="Lato" panose="020F0502020204030203" pitchFamily="34" charset="0"/>
+                <a:cs typeface="Lato" panose="020F0502020204030203" pitchFamily="34" charset="0"/>
+              </a:rPr>
+              <a:t>Boosting Decision Tree (Ensemble)</a:t>
+            </a:r>
+          </a:p>
+          <a:p>
+            <a:pPr marL="2323465" indent="-400050">
+              <a:lnSpc>
+                <a:spcPct val="100000"/>
+              </a:lnSpc>
+              <a:spcBef>
+                <a:spcPts val="315"/>
+              </a:spcBef>
+              <a:buAutoNum type="arabicPeriod"/>
+              <a:tabLst>
+                <a:tab pos="2323465" algn="l"/>
+              </a:tabLst>
+            </a:pPr>
+            <a:r>
+              <a:rPr lang="en-US" sz="1400" b="1" spc="-25" dirty="0">
+                <a:latin typeface="Lato" panose="020F0502020204030203" pitchFamily="34" charset="0"/>
+                <a:ea typeface="Lato" panose="020F0502020204030203" pitchFamily="34" charset="0"/>
+                <a:cs typeface="Lato" panose="020F0502020204030203" pitchFamily="34" charset="0"/>
+              </a:rPr>
+              <a:t>Support Vector Machine</a:t>
+            </a:r>
+            <a:endParaRPr lang="en-US" sz="1400" dirty="0">
+              <a:latin typeface="Lato" panose="020F0502020204030203" pitchFamily="34" charset="0"/>
+              <a:ea typeface="Lato" panose="020F0502020204030203" pitchFamily="34" charset="0"/>
+              <a:cs typeface="Lato" panose="020F0502020204030203" pitchFamily="34" charset="0"/>
+            </a:endParaRPr>
+          </a:p>
+          <a:p>
+            <a:pPr marL="2323465" indent="-400050">
+              <a:lnSpc>
+                <a:spcPct val="100000"/>
+              </a:lnSpc>
+              <a:spcBef>
+                <a:spcPts val="315"/>
+              </a:spcBef>
+              <a:buAutoNum type="arabicPeriod"/>
+              <a:tabLst>
+                <a:tab pos="2323465" algn="l"/>
+              </a:tabLst>
+            </a:pPr>
+            <a:r>
+              <a:rPr lang="en-US" sz="1400" b="1" spc="-25" dirty="0">
+                <a:latin typeface="Lato" panose="020F0502020204030203" pitchFamily="34" charset="0"/>
+                <a:ea typeface="Lato" panose="020F0502020204030203" pitchFamily="34" charset="0"/>
+                <a:cs typeface="Lato" panose="020F0502020204030203" pitchFamily="34" charset="0"/>
+              </a:rPr>
+              <a:t>KNN</a:t>
+            </a:r>
+          </a:p>
+          <a:p>
+            <a:pPr marL="2323465" indent="-400050">
+              <a:lnSpc>
+                <a:spcPct val="100000"/>
+              </a:lnSpc>
+              <a:spcBef>
+                <a:spcPts val="315"/>
+              </a:spcBef>
+              <a:buAutoNum type="arabicPeriod"/>
+              <a:tabLst>
+                <a:tab pos="2323465" algn="l"/>
+              </a:tabLst>
+            </a:pPr>
+            <a:r>
+              <a:rPr lang="en-US" sz="1400" b="1" spc="-25" dirty="0">
+                <a:latin typeface="Lato" panose="020F0502020204030203" pitchFamily="34" charset="0"/>
+                <a:ea typeface="Lato" panose="020F0502020204030203" pitchFamily="34" charset="0"/>
+                <a:cs typeface="Lato" panose="020F0502020204030203" pitchFamily="34" charset="0"/>
+              </a:rPr>
+              <a:t>Decision Tree</a:t>
+            </a:r>
+          </a:p>
+          <a:p>
+            <a:pPr marL="2323465" indent="-400050">
+              <a:lnSpc>
+                <a:spcPct val="100000"/>
+              </a:lnSpc>
+              <a:spcBef>
+                <a:spcPts val="315"/>
+              </a:spcBef>
+              <a:buAutoNum type="arabicPeriod"/>
+              <a:tabLst>
+                <a:tab pos="2323465" algn="l"/>
+              </a:tabLst>
+            </a:pPr>
+            <a:r>
+              <a:rPr lang="en-US" sz="1400" b="1" spc="-25" dirty="0">
+                <a:latin typeface="Lato" panose="020F0502020204030203" pitchFamily="34" charset="0"/>
+                <a:ea typeface="Lato" panose="020F0502020204030203" pitchFamily="34" charset="0"/>
+                <a:cs typeface="Lato" panose="020F0502020204030203" pitchFamily="34" charset="0"/>
+              </a:rPr>
+              <a:t>Voting Classifier (Ensemble)</a:t>
+            </a:r>
+          </a:p>
+          <a:p>
+            <a:pPr marL="2323465" indent="-400050">
+              <a:lnSpc>
+                <a:spcPct val="100000"/>
+              </a:lnSpc>
+              <a:spcBef>
+                <a:spcPts val="315"/>
+              </a:spcBef>
+              <a:buAutoNum type="arabicPeriod"/>
+              <a:tabLst>
+                <a:tab pos="2323465" algn="l"/>
+              </a:tabLst>
+            </a:pPr>
+            <a:r>
+              <a:rPr lang="en-US" sz="1400" b="1" spc="-25" dirty="0">
+                <a:latin typeface="Lato" panose="020F0502020204030203" pitchFamily="34" charset="0"/>
+                <a:ea typeface="Lato" panose="020F0502020204030203" pitchFamily="34" charset="0"/>
+                <a:cs typeface="Lato" panose="020F0502020204030203" pitchFamily="34" charset="0"/>
+              </a:rPr>
+              <a:t>Logistic Regression</a:t>
+            </a:r>
+          </a:p>
+          <a:p>
+            <a:pPr marL="2323465" indent="-400050">
+              <a:lnSpc>
+                <a:spcPct val="100000"/>
+              </a:lnSpc>
+              <a:spcBef>
+                <a:spcPts val="315"/>
+              </a:spcBef>
+              <a:buAutoNum type="arabicPeriod"/>
+              <a:tabLst>
+                <a:tab pos="2323465" algn="l"/>
+              </a:tabLst>
+            </a:pPr>
+            <a:r>
+              <a:rPr lang="en-US" sz="1400" b="1" spc="-25" dirty="0">
+                <a:latin typeface="Lato" panose="020F0502020204030203" pitchFamily="34" charset="0"/>
+                <a:ea typeface="Lato" panose="020F0502020204030203" pitchFamily="34" charset="0"/>
+                <a:cs typeface="Lato" panose="020F0502020204030203" pitchFamily="34" charset="0"/>
+              </a:rPr>
+              <a:t>Bagging Decision Tree (Ensemble)</a:t>
+            </a:r>
+          </a:p>
+          <a:p>
+            <a:pPr marL="0" lvl="0" indent="0" algn="l" rtl="0">
+              <a:spcBef>
+                <a:spcPts val="1600"/>
+              </a:spcBef>
+              <a:spcAft>
+                <a:spcPts val="0"/>
+              </a:spcAft>
+              <a:buNone/>
+            </a:pPr>
+            <a:endParaRPr lang="en-US" b="1" dirty="0"/>
+          </a:p>
+        </p:txBody>
+      </p:sp>
+    </p:spTree>
+    <p:extLst>
+      <p:ext uri="{BB962C8B-B14F-4D97-AF65-F5344CB8AC3E}">
+        <p14:creationId xmlns:p14="http://schemas.microsoft.com/office/powerpoint/2010/main" val="1432270475"/>
+      </p:ext>
+    </p:extLst>
+  </p:cSld>
+  <p:clrMapOvr>
+    <a:masterClrMapping/>
+  </p:clrMapOvr>
+</p:sld>
+</file>
+
+<file path=ppt/slides/slide21.xml><?xml version="1.0" encoding="utf-8"?>
+<p:sld xmlns:a="http://schemas.openxmlformats.org/drawingml/2006/main" xmlns:r="http://schemas.openxmlformats.org/officeDocument/2006/relationships" xmlns:p="http://schemas.openxmlformats.org/presentationml/2006/main">
+  <p:cSld>
+    <p:spTree>
+      <p:nvGrpSpPr>
+        <p:cNvPr id="1" name=""/>
+        <p:cNvGrpSpPr/>
+        <p:nvPr/>
+      </p:nvGrpSpPr>
+      <p:grpSpPr>
+        <a:xfrm>
+          <a:off x="0" y="0"/>
+          <a:ext cx="0" cy="0"/>
+          <a:chOff x="0" y="0"/>
+          <a:chExt cx="0" cy="0"/>
+        </a:xfrm>
+      </p:grpSpPr>
+      <p:sp>
+        <p:nvSpPr>
+          <p:cNvPr id="2" name="Title 1">
+            <a:extLst>
+              <a:ext uri="{FF2B5EF4-FFF2-40B4-BE49-F238E27FC236}">
+                <a16:creationId xmlns:a16="http://schemas.microsoft.com/office/drawing/2014/main" id="{047FF9A4-40AA-5577-BF2F-5B0A039FD892}"/>
+              </a:ext>
+            </a:extLst>
+          </p:cNvPr>
+          <p:cNvSpPr>
+            <a:spLocks noGrp="1"/>
+          </p:cNvSpPr>
+          <p:nvPr>
+            <p:ph type="title"/>
+          </p:nvPr>
+        </p:nvSpPr>
+        <p:spPr>
+          <a:xfrm>
+            <a:off x="727650" y="688268"/>
+            <a:ext cx="7688700" cy="535200"/>
+          </a:xfrm>
+        </p:spPr>
+        <p:txBody>
+          <a:bodyPr/>
+          <a:lstStyle/>
+          <a:p>
+            <a:r>
+              <a:rPr lang="en-US" dirty="0"/>
+              <a:t>BERT</a:t>
+            </a:r>
+          </a:p>
+        </p:txBody>
+      </p:sp>
+      <p:sp>
+        <p:nvSpPr>
+          <p:cNvPr id="3" name="Text Placeholder 2">
+            <a:extLst>
+              <a:ext uri="{FF2B5EF4-FFF2-40B4-BE49-F238E27FC236}">
+                <a16:creationId xmlns:a16="http://schemas.microsoft.com/office/drawing/2014/main" id="{96825A2E-1A0B-563D-3E4F-E5357EA98B6A}"/>
+              </a:ext>
+            </a:extLst>
+          </p:cNvPr>
+          <p:cNvSpPr>
+            <a:spLocks noGrp="1"/>
+          </p:cNvSpPr>
+          <p:nvPr>
+            <p:ph type="body" idx="1"/>
+          </p:nvPr>
+        </p:nvSpPr>
+        <p:spPr/>
+        <p:txBody>
+          <a:bodyPr/>
+          <a:lstStyle/>
+          <a:p>
+            <a:endParaRPr lang="en-US" dirty="0"/>
+          </a:p>
+        </p:txBody>
+      </p:sp>
+    </p:spTree>
+    <p:extLst>
+      <p:ext uri="{BB962C8B-B14F-4D97-AF65-F5344CB8AC3E}">
+        <p14:creationId xmlns:p14="http://schemas.microsoft.com/office/powerpoint/2010/main" val="115019678"/>
+      </p:ext>
+    </p:extLst>
+  </p:cSld>
+  <p:clrMapOvr>
+    <a:masterClrMapping/>
+  </p:clrMapOvr>
+</p:sld>
+</file>
+
+<file path=ppt/slides/slide22.xml><?xml version="1.0" encoding="utf-8"?>
+<p:sld xmlns:a="http://schemas.openxmlformats.org/drawingml/2006/main" xmlns:r="http://schemas.openxmlformats.org/officeDocument/2006/relationships" xmlns:p="http://schemas.openxmlformats.org/presentationml/2006/main">
+  <p:cSld>
+    <p:spTree>
+      <p:nvGrpSpPr>
+        <p:cNvPr id="1" name="Shape 232"/>
+        <p:cNvGrpSpPr/>
+        <p:nvPr/>
+      </p:nvGrpSpPr>
+      <p:grpSpPr>
+        <a:xfrm>
+          <a:off x="0" y="0"/>
+          <a:ext cx="0" cy="0"/>
+          <a:chOff x="0" y="0"/>
+          <a:chExt cx="0" cy="0"/>
+        </a:xfrm>
+      </p:grpSpPr>
+      <p:sp>
+        <p:nvSpPr>
+          <p:cNvPr id="233" name="Google Shape;233;p34"/>
+          <p:cNvSpPr txBox="1">
+            <a:spLocks noGrp="1"/>
+          </p:cNvSpPr>
+          <p:nvPr>
+            <p:ph type="title"/>
+          </p:nvPr>
+        </p:nvSpPr>
+        <p:spPr>
+          <a:xfrm>
+            <a:off x="727650" y="598213"/>
+            <a:ext cx="7688700" cy="535200"/>
+          </a:xfrm>
+          <a:prstGeom prst="rect">
+            <a:avLst/>
+          </a:prstGeom>
+        </p:spPr>
+        <p:txBody>
+          <a:bodyPr spcFirstLastPara="1" wrap="square" lIns="91425" tIns="91425" rIns="91425" bIns="91425" anchor="t" anchorCtr="0">
+            <a:noAutofit/>
+          </a:bodyPr>
+          <a:lstStyle/>
+          <a:p>
+            <a:pPr marL="0" lvl="0" indent="0" algn="l" rtl="0">
+              <a:spcBef>
+                <a:spcPts val="0"/>
+              </a:spcBef>
+              <a:spcAft>
+                <a:spcPts val="0"/>
+              </a:spcAft>
+              <a:buNone/>
+            </a:pPr>
+            <a:r>
+              <a:rPr lang="en-GB" dirty="0"/>
+              <a:t>CONCLUSION</a:t>
+            </a:r>
+            <a:endParaRPr dirty="0"/>
+          </a:p>
+        </p:txBody>
+      </p:sp>
+      <p:sp>
+        <p:nvSpPr>
+          <p:cNvPr id="234" name="Google Shape;234;p34"/>
+          <p:cNvSpPr txBox="1">
+            <a:spLocks noGrp="1"/>
+          </p:cNvSpPr>
+          <p:nvPr>
+            <p:ph type="body" idx="1"/>
+          </p:nvPr>
+        </p:nvSpPr>
+        <p:spPr>
+          <a:xfrm>
+            <a:off x="727650" y="1441200"/>
+            <a:ext cx="7688700" cy="2261100"/>
+          </a:xfrm>
+          <a:prstGeom prst="rect">
+            <a:avLst/>
+          </a:prstGeom>
+        </p:spPr>
+        <p:txBody>
+          <a:bodyPr spcFirstLastPara="1" wrap="square" lIns="91425" tIns="91425" rIns="91425" bIns="91425" anchor="t" anchorCtr="0">
+            <a:noAutofit/>
+          </a:bodyPr>
+          <a:lstStyle/>
+          <a:p>
+            <a:pPr marL="0" lvl="0" indent="0" algn="l" rtl="0">
+              <a:spcBef>
+                <a:spcPts val="0"/>
+              </a:spcBef>
+              <a:spcAft>
+                <a:spcPts val="0"/>
+              </a:spcAft>
+              <a:buNone/>
+            </a:pPr>
+            <a:r>
+              <a:rPr lang="en-GB" dirty="0"/>
+              <a:t>•  The images for the COVID-19 chest </a:t>
+            </a:r>
+            <a:r>
+              <a:rPr lang="en-GB" dirty="0" err="1"/>
+              <a:t>xrays</a:t>
+            </a:r>
+            <a:r>
+              <a:rPr lang="en-GB" dirty="0"/>
+              <a:t> were classified and evaluated with test data to get 92% test accuracy.</a:t>
+            </a:r>
+            <a:endParaRPr dirty="0"/>
+          </a:p>
+          <a:p>
+            <a:pPr marL="0" lvl="0" indent="0" algn="l" rtl="0">
+              <a:spcBef>
+                <a:spcPts val="1600"/>
+              </a:spcBef>
+              <a:spcAft>
+                <a:spcPts val="0"/>
+              </a:spcAft>
+              <a:buNone/>
+            </a:pPr>
+            <a:r>
+              <a:rPr lang="en-GB" dirty="0"/>
+              <a:t>• The positive cases of New York are continuing to increase at least for the next 30 days. </a:t>
+            </a:r>
+            <a:endParaRPr dirty="0"/>
+          </a:p>
+          <a:p>
+            <a:pPr marL="0" lvl="0" indent="0" algn="l" rtl="0">
+              <a:spcBef>
+                <a:spcPts val="1600"/>
+              </a:spcBef>
+              <a:spcAft>
+                <a:spcPts val="0"/>
+              </a:spcAft>
+              <a:buNone/>
+            </a:pPr>
+            <a:r>
+              <a:rPr lang="en-GB" dirty="0"/>
+              <a:t>• The positive cases for Illinois are increasing on a higher rate, all the other states are expected a mild increase for the next 10 days.</a:t>
+            </a:r>
+            <a:endParaRPr dirty="0"/>
+          </a:p>
+          <a:p>
+            <a:pPr marL="0" lvl="0" indent="0" algn="l" rtl="0">
+              <a:spcBef>
+                <a:spcPts val="1600"/>
+              </a:spcBef>
+              <a:spcAft>
+                <a:spcPts val="0"/>
+              </a:spcAft>
+              <a:buNone/>
+            </a:pPr>
+            <a:r>
+              <a:rPr lang="en-GB" dirty="0"/>
+              <a:t>• Washington State has the highest recovery rate as of May 12.</a:t>
+            </a:r>
+            <a:endParaRPr dirty="0"/>
+          </a:p>
+          <a:p>
+            <a:pPr marL="0" lvl="0" indent="0" algn="l" rtl="0">
+              <a:spcBef>
+                <a:spcPts val="1600"/>
+              </a:spcBef>
+              <a:spcAft>
+                <a:spcPts val="0"/>
+              </a:spcAft>
+              <a:buNone/>
+            </a:pPr>
+            <a:endParaRPr dirty="0"/>
+          </a:p>
+          <a:p>
+            <a:pPr marL="0" lvl="0" indent="0" algn="l" rtl="0">
+              <a:spcBef>
+                <a:spcPts val="1600"/>
+              </a:spcBef>
+              <a:spcAft>
+                <a:spcPts val="1600"/>
+              </a:spcAft>
+              <a:buNone/>
+            </a:pPr>
+            <a:endParaRPr dirty="0"/>
+          </a:p>
+        </p:txBody>
+      </p:sp>
+    </p:spTree>
+  </p:cSld>
+  <p:clrMapOvr>
+    <a:masterClrMapping/>
+  </p:clrMapOvr>
+</p:sld>
+</file>
+
+<file path=ppt/slides/slide23.xml><?xml version="1.0" encoding="utf-8"?>
+<p:sld xmlns:a="http://schemas.openxmlformats.org/drawingml/2006/main" xmlns:r="http://schemas.openxmlformats.org/officeDocument/2006/relationships" xmlns:p="http://schemas.openxmlformats.org/presentationml/2006/main">
+  <p:cSld>
+    <p:spTree>
+      <p:nvGrpSpPr>
+        <p:cNvPr id="1" name="Shape 238"/>
+        <p:cNvGrpSpPr/>
+        <p:nvPr/>
+      </p:nvGrpSpPr>
+      <p:grpSpPr>
+        <a:xfrm>
+          <a:off x="0" y="0"/>
+          <a:ext cx="0" cy="0"/>
+          <a:chOff x="0" y="0"/>
+          <a:chExt cx="0" cy="0"/>
+        </a:xfrm>
+      </p:grpSpPr>
+      <p:sp>
+        <p:nvSpPr>
+          <p:cNvPr id="239" name="Google Shape;239;p35"/>
+          <p:cNvSpPr txBox="1">
+            <a:spLocks noGrp="1"/>
+          </p:cNvSpPr>
+          <p:nvPr>
+            <p:ph type="title"/>
+          </p:nvPr>
+        </p:nvSpPr>
+        <p:spPr>
+          <a:xfrm>
+            <a:off x="727650" y="2800700"/>
+            <a:ext cx="7688700" cy="535200"/>
+          </a:xfrm>
+          <a:prstGeom prst="rect">
+            <a:avLst/>
+          </a:prstGeom>
+        </p:spPr>
+        <p:txBody>
+          <a:bodyPr spcFirstLastPara="1" wrap="square" lIns="91425" tIns="91425" rIns="91425" bIns="91425" anchor="t" anchorCtr="0">
+            <a:noAutofit/>
+          </a:bodyPr>
+          <a:lstStyle/>
+          <a:p>
+            <a:pPr marL="1828800" lvl="0" indent="457200" algn="l" rtl="0">
+              <a:spcBef>
+                <a:spcPts val="0"/>
+              </a:spcBef>
+              <a:spcAft>
+                <a:spcPts val="0"/>
+              </a:spcAft>
+              <a:buNone/>
+            </a:pPr>
+            <a:r>
+              <a:rPr lang="en-GB"/>
+              <a:t>THANK YOU!</a:t>
+            </a:r>
+            <a:endParaRPr/>
+          </a:p>
+        </p:txBody>
+      </p:sp>
     </p:spTree>
   </p:cSld>
   <p:clrMapOvr>
@@ -9116,6 +13103,134 @@
   <p:cSld>
     <p:spTree>
       <p:nvGrpSpPr>
+        <p:cNvPr id="1" name="Shape 85">
+          <a:extLst>
+            <a:ext uri="{FF2B5EF4-FFF2-40B4-BE49-F238E27FC236}">
+              <a16:creationId xmlns:a16="http://schemas.microsoft.com/office/drawing/2014/main" id="{F4658A4F-5568-AD46-9EA6-BB498EC4EB10}"/>
+            </a:ext>
+          </a:extLst>
+        </p:cNvPr>
+        <p:cNvGrpSpPr/>
+        <p:nvPr/>
+      </p:nvGrpSpPr>
+      <p:grpSpPr>
+        <a:xfrm>
+          <a:off x="0" y="0"/>
+          <a:ext cx="0" cy="0"/>
+          <a:chOff x="0" y="0"/>
+          <a:chExt cx="0" cy="0"/>
+        </a:xfrm>
+      </p:grpSpPr>
+      <p:sp>
+        <p:nvSpPr>
+          <p:cNvPr id="86" name="Google Shape;86;p13">
+            <a:extLst>
+              <a:ext uri="{FF2B5EF4-FFF2-40B4-BE49-F238E27FC236}">
+                <a16:creationId xmlns:a16="http://schemas.microsoft.com/office/drawing/2014/main" id="{972D6EA2-E6C7-980B-26DE-F580010C70F6}"/>
+              </a:ext>
+            </a:extLst>
+          </p:cNvPr>
+          <p:cNvSpPr txBox="1">
+            <a:spLocks noGrp="1"/>
+          </p:cNvSpPr>
+          <p:nvPr>
+            <p:ph type="ctrTitle"/>
+          </p:nvPr>
+        </p:nvSpPr>
+        <p:spPr>
+          <a:xfrm>
+            <a:off x="727950" y="1800432"/>
+            <a:ext cx="7688100" cy="885300"/>
+          </a:xfrm>
+          <a:prstGeom prst="rect">
+            <a:avLst/>
+          </a:prstGeom>
+        </p:spPr>
+        <p:txBody>
+          <a:bodyPr spcFirstLastPara="1" wrap="square" lIns="91425" tIns="91425" rIns="91425" bIns="91425" anchor="t" anchorCtr="0">
+            <a:noAutofit/>
+          </a:bodyPr>
+          <a:lstStyle/>
+          <a:p>
+            <a:pPr marL="0" lvl="0" indent="0" algn="l" rtl="0">
+              <a:spcBef>
+                <a:spcPts val="0"/>
+              </a:spcBef>
+              <a:spcAft>
+                <a:spcPts val="0"/>
+              </a:spcAft>
+              <a:buNone/>
+            </a:pPr>
+            <a:r>
+              <a:rPr lang="en-GB" dirty="0"/>
+              <a:t>Part 1 – Web Scraping</a:t>
+            </a:r>
+            <a:endParaRPr dirty="0"/>
+          </a:p>
+        </p:txBody>
+      </p:sp>
+      <p:sp>
+        <p:nvSpPr>
+          <p:cNvPr id="87" name="Google Shape;87;p13">
+            <a:extLst>
+              <a:ext uri="{FF2B5EF4-FFF2-40B4-BE49-F238E27FC236}">
+                <a16:creationId xmlns:a16="http://schemas.microsoft.com/office/drawing/2014/main" id="{44AC54B9-D2A0-50D8-45C1-C7D6F230B28E}"/>
+              </a:ext>
+            </a:extLst>
+          </p:cNvPr>
+          <p:cNvSpPr txBox="1">
+            <a:spLocks noGrp="1"/>
+          </p:cNvSpPr>
+          <p:nvPr>
+            <p:ph type="subTitle" idx="1"/>
+          </p:nvPr>
+        </p:nvSpPr>
+        <p:spPr>
+          <a:xfrm>
+            <a:off x="727950" y="1379920"/>
+            <a:ext cx="7688100" cy="2353383"/>
+          </a:xfrm>
+          <a:prstGeom prst="rect">
+            <a:avLst/>
+          </a:prstGeom>
+        </p:spPr>
+        <p:txBody>
+          <a:bodyPr spcFirstLastPara="1" wrap="square" lIns="91425" tIns="91425" rIns="91425" bIns="91425" anchor="t" anchorCtr="0">
+            <a:noAutofit/>
+          </a:bodyPr>
+          <a:lstStyle/>
+          <a:p>
+            <a:pPr marL="5486400" lvl="0" indent="0" algn="l" rtl="0">
+              <a:spcBef>
+                <a:spcPts val="0"/>
+              </a:spcBef>
+              <a:spcAft>
+                <a:spcPts val="0"/>
+              </a:spcAft>
+              <a:buNone/>
+            </a:pPr>
+            <a:endParaRPr lang="en-US" dirty="0"/>
+          </a:p>
+        </p:txBody>
+      </p:sp>
+    </p:spTree>
+    <p:extLst>
+      <p:ext uri="{BB962C8B-B14F-4D97-AF65-F5344CB8AC3E}">
+        <p14:creationId xmlns:p14="http://schemas.microsoft.com/office/powerpoint/2010/main" val="4112210537"/>
+      </p:ext>
+    </p:extLst>
+  </p:cSld>
+  <p:clrMapOvr>
+    <a:masterClrMapping/>
+  </p:clrMapOvr>
+</p:sld>
+</file>
+
+<file path=ppt/slides/slide5.xml><?xml version="1.0" encoding="utf-8"?>
+<p:sld xmlns:a="http://schemas.openxmlformats.org/drawingml/2006/main" xmlns:r="http://schemas.openxmlformats.org/officeDocument/2006/relationships" xmlns:p="http://schemas.openxmlformats.org/presentationml/2006/main">
+  <p:cSld>
+    <p:spTree>
+      <p:nvGrpSpPr>
         <p:cNvPr id="1" name="Shape 104"/>
         <p:cNvGrpSpPr/>
         <p:nvPr/>
@@ -9164,7 +13279,7 @@
             </a:pPr>
             <a:r>
               <a:rPr lang="en-GB" dirty="0"/>
-              <a:t>Part 1 – Web Scraping</a:t>
+              <a:t>Data Gathered</a:t>
             </a:r>
             <a:endParaRPr dirty="0"/>
           </a:p>
@@ -9261,7 +13376,7 @@
 </p:sld>
 </file>
 
-<file path=ppt/slides/slide5.xml><?xml version="1.0" encoding="utf-8"?>
+<file path=ppt/slides/slide6.xml><?xml version="1.0" encoding="utf-8"?>
 <p:sld xmlns:a="http://schemas.openxmlformats.org/drawingml/2006/main" xmlns:r="http://schemas.openxmlformats.org/officeDocument/2006/relationships" xmlns:p="http://schemas.openxmlformats.org/presentationml/2006/main">
   <p:cSld>
     <p:spTree>
@@ -9465,7 +13580,7 @@
 </p:sld>
 </file>
 
-<file path=ppt/slides/slide6.xml><?xml version="1.0" encoding="utf-8"?>
+<file path=ppt/slides/slide7.xml><?xml version="1.0" encoding="utf-8"?>
 <p:sld xmlns:a="http://schemas.openxmlformats.org/drawingml/2006/main" xmlns:r="http://schemas.openxmlformats.org/officeDocument/2006/relationships" xmlns:p="http://schemas.openxmlformats.org/presentationml/2006/main">
   <p:cSld>
     <p:spTree>
@@ -9669,7 +13784,7 @@
 </p:sld>
 </file>
 
-<file path=ppt/slides/slide7.xml><?xml version="1.0" encoding="utf-8"?>
+<file path=ppt/slides/slide8.xml><?xml version="1.0" encoding="utf-8"?>
 <p:sld xmlns:a="http://schemas.openxmlformats.org/drawingml/2006/main" xmlns:r="http://schemas.openxmlformats.org/officeDocument/2006/relationships" xmlns:p="http://schemas.openxmlformats.org/presentationml/2006/main">
   <p:cSld>
     <p:spTree>
@@ -9783,15 +13898,15 @@
 </p:sld>
 </file>
 
-<file path=ppt/slides/slide8.xml><?xml version="1.0" encoding="utf-8"?>
+<file path=ppt/slides/slide9.xml><?xml version="1.0" encoding="utf-8"?>
 <p:sld xmlns:a="http://schemas.openxmlformats.org/drawingml/2006/main" xmlns:r="http://schemas.openxmlformats.org/officeDocument/2006/relationships" xmlns:p="http://schemas.openxmlformats.org/presentationml/2006/main">
   <p:cSld>
     <p:spTree>
       <p:nvGrpSpPr>
-        <p:cNvPr id="1" name="Shape 104">
+        <p:cNvPr id="1" name="Shape 85">
           <a:extLst>
             <a:ext uri="{FF2B5EF4-FFF2-40B4-BE49-F238E27FC236}">
-              <a16:creationId xmlns:a16="http://schemas.microsoft.com/office/drawing/2014/main" id="{DBF1712A-DC92-1912-1362-CB9FAA20751D}"/>
+              <a16:creationId xmlns:a16="http://schemas.microsoft.com/office/drawing/2014/main" id="{61269C37-D398-01B9-B69E-49CBE20C46B7}"/>
             </a:ext>
           </a:extLst>
         </p:cNvPr>
@@ -9808,10 +13923,10 @@
       </p:grpSpPr>
       <p:sp>
         <p:nvSpPr>
-          <p:cNvPr id="105" name="Google Shape;105;p16">
+          <p:cNvPr id="86" name="Google Shape;86;p13">
             <a:extLst>
               <a:ext uri="{FF2B5EF4-FFF2-40B4-BE49-F238E27FC236}">
-                <a16:creationId xmlns:a16="http://schemas.microsoft.com/office/drawing/2014/main" id="{7F64335F-865F-7A79-AEC4-9671FC8C6376}"/>
+                <a16:creationId xmlns:a16="http://schemas.microsoft.com/office/drawing/2014/main" id="{D1D3EA25-DABB-1BB0-DCE2-535B2B107F31}"/>
               </a:ext>
             </a:extLst>
           </p:cNvPr>
@@ -9819,13 +13934,13 @@
             <a:spLocks noGrp="1"/>
           </p:cNvSpPr>
           <p:nvPr>
-            <p:ph type="title"/>
+            <p:ph type="ctrTitle"/>
           </p:nvPr>
         </p:nvSpPr>
         <p:spPr>
           <a:xfrm>
-            <a:off x="727650" y="632850"/>
-            <a:ext cx="7688700" cy="535200"/>
+            <a:off x="665605" y="1620323"/>
+            <a:ext cx="7688100" cy="885300"/>
           </a:xfrm>
           <a:prstGeom prst="rect">
             <a:avLst/>
@@ -9856,10 +13971,10 @@
       </p:sp>
       <p:sp>
         <p:nvSpPr>
-          <p:cNvPr id="106" name="Google Shape;106;p16">
+          <p:cNvPr id="87" name="Google Shape;87;p13">
             <a:extLst>
               <a:ext uri="{FF2B5EF4-FFF2-40B4-BE49-F238E27FC236}">
-                <a16:creationId xmlns:a16="http://schemas.microsoft.com/office/drawing/2014/main" id="{D54E0CB9-BE14-EA6E-DF20-4CBBB7221DAE}"/>
+                <a16:creationId xmlns:a16="http://schemas.microsoft.com/office/drawing/2014/main" id="{1F7E6070-2A46-B153-7750-BA822D6C550F}"/>
               </a:ext>
             </a:extLst>
           </p:cNvPr>
@@ -9867,13 +13982,13 @@
             <a:spLocks noGrp="1"/>
           </p:cNvSpPr>
           <p:nvPr>
-            <p:ph type="body" idx="1"/>
+            <p:ph type="subTitle" idx="1"/>
           </p:nvPr>
         </p:nvSpPr>
         <p:spPr>
           <a:xfrm>
-            <a:off x="727650" y="1441200"/>
-            <a:ext cx="7688700" cy="2261100"/>
+            <a:off x="727950" y="1379920"/>
+            <a:ext cx="7688100" cy="2353383"/>
           </a:xfrm>
           <a:prstGeom prst="rect">
             <a:avLst/>
@@ -9887,7 +14002,31 @@
           <a:p>
             <a:pPr marL="0" lvl="0" indent="0" algn="l" rtl="0">
               <a:spcBef>
-                <a:spcPts val="1600"/>
+                <a:spcPts val="0"/>
+              </a:spcBef>
+              <a:spcAft>
+                <a:spcPts val="0"/>
+              </a:spcAft>
+              <a:buNone/>
+            </a:pPr>
+            <a:endParaRPr lang="en-GB" dirty="0"/>
+          </a:p>
+          <a:p>
+            <a:pPr marL="0" lvl="0" indent="0" algn="l" rtl="0">
+              <a:spcBef>
+                <a:spcPts val="0"/>
+              </a:spcBef>
+              <a:spcAft>
+                <a:spcPts val="0"/>
+              </a:spcAft>
+              <a:buNone/>
+            </a:pPr>
+            <a:endParaRPr lang="en-GB" dirty="0"/>
+          </a:p>
+          <a:p>
+            <a:pPr marL="0" lvl="0" indent="0" algn="l" rtl="0">
+              <a:spcBef>
+                <a:spcPts val="0"/>
               </a:spcBef>
               <a:spcAft>
                 <a:spcPts val="0"/>
@@ -9895,254 +14034,18 @@
               <a:buNone/>
             </a:pPr>
             <a:r>
-              <a:rPr lang="en-US" sz="1400" b="1" dirty="0"/>
-              <a:t>•  I first established a baseline using a Naïve </a:t>
+              <a:rPr lang="en-US" dirty="0"/>
+              <a:t>                                                                           </a:t>
             </a:r>
-            <a:r>
-              <a:rPr lang="en-US" sz="1400" b="1"/>
-              <a:t>Bayes estimator.</a:t>
-            </a:r>
-            <a:endParaRPr lang="en-US" sz="1400" b="1" dirty="0"/>
-          </a:p>
-          <a:p>
-            <a:pPr marL="0" lvl="0" indent="0" algn="l" rtl="0">
-              <a:spcBef>
-                <a:spcPts val="1600"/>
-              </a:spcBef>
-              <a:spcAft>
-                <a:spcPts val="0"/>
-              </a:spcAft>
-              <a:buNone/>
-            </a:pPr>
-            <a:r>
-              <a:rPr lang="en-US" sz="1400" b="1" dirty="0"/>
-              <a:t>•  52,745 of the 56,109 activities are unique. </a:t>
-            </a:r>
-          </a:p>
-          <a:p>
-            <a:pPr marL="0" lvl="0" indent="0" algn="l" rtl="0">
-              <a:spcBef>
-                <a:spcPts val="1600"/>
-              </a:spcBef>
-              <a:spcAft>
-                <a:spcPts val="0"/>
-              </a:spcAft>
-              <a:buNone/>
-            </a:pPr>
-            <a:r>
-              <a:rPr lang="en-US" sz="1400" b="1" dirty="0"/>
-              <a:t>• I scraped up to 3,000 activities at the 30 travel destinations.</a:t>
-            </a:r>
-          </a:p>
-          <a:p>
-            <a:pPr marL="0" lvl="0" indent="0" algn="l" rtl="0">
-              <a:spcBef>
-                <a:spcPts val="1600"/>
-              </a:spcBef>
-              <a:spcAft>
-                <a:spcPts val="1600"/>
-              </a:spcAft>
-              <a:buNone/>
-            </a:pPr>
-            <a:endParaRPr b="1" dirty="0"/>
           </a:p>
         </p:txBody>
       </p:sp>
     </p:spTree>
     <p:extLst>
       <p:ext uri="{BB962C8B-B14F-4D97-AF65-F5344CB8AC3E}">
-        <p14:creationId xmlns:p14="http://schemas.microsoft.com/office/powerpoint/2010/main" val="1161134581"/>
+        <p14:creationId xmlns:p14="http://schemas.microsoft.com/office/powerpoint/2010/main" val="3121120044"/>
       </p:ext>
     </p:extLst>
-  </p:cSld>
-  <p:clrMapOvr>
-    <a:masterClrMapping/>
-  </p:clrMapOvr>
-</p:sld>
-</file>
-
-<file path=ppt/slides/slide9.xml><?xml version="1.0" encoding="utf-8"?>
-<p:sld xmlns:a="http://schemas.openxmlformats.org/drawingml/2006/main" xmlns:r="http://schemas.openxmlformats.org/officeDocument/2006/relationships" xmlns:p="http://schemas.openxmlformats.org/presentationml/2006/main">
-  <p:cSld>
-    <p:spTree>
-      <p:nvGrpSpPr>
-        <p:cNvPr id="1" name="Shape 232"/>
-        <p:cNvGrpSpPr/>
-        <p:nvPr/>
-      </p:nvGrpSpPr>
-      <p:grpSpPr>
-        <a:xfrm>
-          <a:off x="0" y="0"/>
-          <a:ext cx="0" cy="0"/>
-          <a:chOff x="0" y="0"/>
-          <a:chExt cx="0" cy="0"/>
-        </a:xfrm>
-      </p:grpSpPr>
-      <p:sp>
-        <p:nvSpPr>
-          <p:cNvPr id="233" name="Google Shape;233;p34"/>
-          <p:cNvSpPr txBox="1">
-            <a:spLocks noGrp="1"/>
-          </p:cNvSpPr>
-          <p:nvPr>
-            <p:ph type="title"/>
-          </p:nvPr>
-        </p:nvSpPr>
-        <p:spPr>
-          <a:xfrm>
-            <a:off x="727650" y="598213"/>
-            <a:ext cx="7688700" cy="535200"/>
-          </a:xfrm>
-          <a:prstGeom prst="rect">
-            <a:avLst/>
-          </a:prstGeom>
-        </p:spPr>
-        <p:txBody>
-          <a:bodyPr spcFirstLastPara="1" wrap="square" lIns="91425" tIns="91425" rIns="91425" bIns="91425" anchor="t" anchorCtr="0">
-            <a:noAutofit/>
-          </a:bodyPr>
-          <a:lstStyle/>
-          <a:p>
-            <a:pPr marL="0" lvl="0" indent="0" algn="l" rtl="0">
-              <a:spcBef>
-                <a:spcPts val="0"/>
-              </a:spcBef>
-              <a:spcAft>
-                <a:spcPts val="0"/>
-              </a:spcAft>
-              <a:buNone/>
-            </a:pPr>
-            <a:r>
-              <a:rPr lang="en-GB" dirty="0"/>
-              <a:t>CONCLUSION</a:t>
-            </a:r>
-            <a:endParaRPr dirty="0"/>
-          </a:p>
-        </p:txBody>
-      </p:sp>
-      <p:sp>
-        <p:nvSpPr>
-          <p:cNvPr id="234" name="Google Shape;234;p34"/>
-          <p:cNvSpPr txBox="1">
-            <a:spLocks noGrp="1"/>
-          </p:cNvSpPr>
-          <p:nvPr>
-            <p:ph type="body" idx="1"/>
-          </p:nvPr>
-        </p:nvSpPr>
-        <p:spPr>
-          <a:xfrm>
-            <a:off x="727650" y="1441200"/>
-            <a:ext cx="7688700" cy="2261100"/>
-          </a:xfrm>
-          <a:prstGeom prst="rect">
-            <a:avLst/>
-          </a:prstGeom>
-        </p:spPr>
-        <p:txBody>
-          <a:bodyPr spcFirstLastPara="1" wrap="square" lIns="91425" tIns="91425" rIns="91425" bIns="91425" anchor="t" anchorCtr="0">
-            <a:noAutofit/>
-          </a:bodyPr>
-          <a:lstStyle/>
-          <a:p>
-            <a:pPr marL="0" lvl="0" indent="0" algn="l" rtl="0">
-              <a:spcBef>
-                <a:spcPts val="0"/>
-              </a:spcBef>
-              <a:spcAft>
-                <a:spcPts val="0"/>
-              </a:spcAft>
-              <a:buNone/>
-            </a:pPr>
-            <a:r>
-              <a:rPr lang="en-GB" dirty="0"/>
-              <a:t>•  The images for the COVID-19 chest </a:t>
-            </a:r>
-            <a:r>
-              <a:rPr lang="en-GB" dirty="0" err="1"/>
-              <a:t>xrays</a:t>
-            </a:r>
-            <a:r>
-              <a:rPr lang="en-GB" dirty="0"/>
-              <a:t> were classified and evaluated with test data to get 92% test accuracy.</a:t>
-            </a:r>
-            <a:endParaRPr dirty="0"/>
-          </a:p>
-          <a:p>
-            <a:pPr marL="0" lvl="0" indent="0" algn="l" rtl="0">
-              <a:spcBef>
-                <a:spcPts val="1600"/>
-              </a:spcBef>
-              <a:spcAft>
-                <a:spcPts val="0"/>
-              </a:spcAft>
-              <a:buNone/>
-            </a:pPr>
-            <a:r>
-              <a:rPr lang="en-GB" dirty="0"/>
-              <a:t>• The positive cases of New York are continuing to increase at least for the next 30 days. </a:t>
-            </a:r>
-            <a:endParaRPr dirty="0"/>
-          </a:p>
-          <a:p>
-            <a:pPr marL="0" lvl="0" indent="0" algn="l" rtl="0">
-              <a:spcBef>
-                <a:spcPts val="1600"/>
-              </a:spcBef>
-              <a:spcAft>
-                <a:spcPts val="0"/>
-              </a:spcAft>
-              <a:buNone/>
-            </a:pPr>
-            <a:r>
-              <a:rPr lang="en-GB" dirty="0"/>
-              <a:t>• The positive cases for Illinois are increasing on a higher rate, all the other states are expected a mild increase for the next 10 days.</a:t>
-            </a:r>
-            <a:endParaRPr dirty="0"/>
-          </a:p>
-          <a:p>
-            <a:pPr marL="0" lvl="0" indent="0" algn="l" rtl="0">
-              <a:spcBef>
-                <a:spcPts val="1600"/>
-              </a:spcBef>
-              <a:spcAft>
-                <a:spcPts val="0"/>
-              </a:spcAft>
-              <a:buNone/>
-            </a:pPr>
-            <a:r>
-              <a:rPr lang="en-GB" dirty="0"/>
-              <a:t>• Washington State has the highest recovery rate as of May 12.</a:t>
-            </a:r>
-            <a:endParaRPr dirty="0"/>
-          </a:p>
-          <a:p>
-            <a:pPr marL="0" lvl="0" indent="0" algn="l" rtl="0">
-              <a:spcBef>
-                <a:spcPts val="1600"/>
-              </a:spcBef>
-              <a:spcAft>
-                <a:spcPts val="0"/>
-              </a:spcAft>
-              <a:buNone/>
-            </a:pPr>
-            <a:endParaRPr dirty="0"/>
-          </a:p>
-          <a:p>
-            <a:pPr marL="0" lvl="0" indent="0" algn="l" rtl="0">
-              <a:spcBef>
-                <a:spcPts val="1600"/>
-              </a:spcBef>
-              <a:spcAft>
-                <a:spcPts val="1600"/>
-              </a:spcAft>
-              <a:buNone/>
-            </a:pPr>
-            <a:endParaRPr dirty="0"/>
-          </a:p>
-        </p:txBody>
-      </p:sp>
-    </p:spTree>
   </p:cSld>
   <p:clrMapOvr>
     <a:masterClrMapping/>

--- a/Capstone Projects/Final_Capstone_NLP_Search_Recommendation/Recommender_System_Trip_Advisor.pptx
+++ b/Capstone Projects/Final_Capstone_NLP_Search_Recommendation/Recommender_System_Trip_Advisor.pptx
@@ -5,7 +5,7 @@
     <p:sldMasterId id="2147483659" r:id="rId1"/>
   </p:sldMasterIdLst>
   <p:notesMasterIdLst>
-    <p:notesMasterId r:id="rId25"/>
+    <p:notesMasterId r:id="rId30"/>
   </p:notesMasterIdLst>
   <p:sldIdLst>
     <p:sldId id="256" r:id="rId2"/>
@@ -16,38 +16,43 @@
     <p:sldId id="283" r:id="rId7"/>
     <p:sldId id="285" r:id="rId8"/>
     <p:sldId id="284" r:id="rId9"/>
-    <p:sldId id="301" r:id="rId10"/>
-    <p:sldId id="294" r:id="rId11"/>
-    <p:sldId id="280" r:id="rId12"/>
-    <p:sldId id="286" r:id="rId13"/>
-    <p:sldId id="287" r:id="rId14"/>
-    <p:sldId id="289" r:id="rId15"/>
-    <p:sldId id="290" r:id="rId16"/>
-    <p:sldId id="291" r:id="rId17"/>
-    <p:sldId id="292" r:id="rId18"/>
-    <p:sldId id="298" r:id="rId19"/>
-    <p:sldId id="293" r:id="rId20"/>
-    <p:sldId id="295" r:id="rId21"/>
-    <p:sldId id="299" r:id="rId22"/>
-    <p:sldId id="277" r:id="rId23"/>
-    <p:sldId id="278" r:id="rId24"/>
+    <p:sldId id="302" r:id="rId10"/>
+    <p:sldId id="304" r:id="rId11"/>
+    <p:sldId id="294" r:id="rId12"/>
+    <p:sldId id="303" r:id="rId13"/>
+    <p:sldId id="280" r:id="rId14"/>
+    <p:sldId id="286" r:id="rId15"/>
+    <p:sldId id="287" r:id="rId16"/>
+    <p:sldId id="301" r:id="rId17"/>
+    <p:sldId id="289" r:id="rId18"/>
+    <p:sldId id="290" r:id="rId19"/>
+    <p:sldId id="291" r:id="rId20"/>
+    <p:sldId id="292" r:id="rId21"/>
+    <p:sldId id="298" r:id="rId22"/>
+    <p:sldId id="293" r:id="rId23"/>
+    <p:sldId id="295" r:id="rId24"/>
+    <p:sldId id="299" r:id="rId25"/>
+    <p:sldId id="305" r:id="rId26"/>
+    <p:sldId id="306" r:id="rId27"/>
+    <p:sldId id="277" r:id="rId28"/>
+    <p:sldId id="278" r:id="rId29"/>
   </p:sldIdLst>
   <p:sldSz cx="9144000" cy="5143500" type="screen16x9"/>
   <p:notesSz cx="6858000" cy="9144000"/>
   <p:embeddedFontLst>
     <p:embeddedFont>
       <p:font typeface="Lato" panose="020F0502020204030203" pitchFamily="34" charset="0"/>
-      <p:regular r:id="rId26"/>
-      <p:bold r:id="rId27"/>
-      <p:italic r:id="rId28"/>
-      <p:boldItalic r:id="rId29"/>
+      <p:regular r:id="rId31"/>
+      <p:bold r:id="rId32"/>
+      <p:italic r:id="rId33"/>
+      <p:boldItalic r:id="rId34"/>
     </p:embeddedFont>
     <p:embeddedFont>
       <p:font typeface="Raleway" pitchFamily="2" charset="0"/>
-      <p:regular r:id="rId30"/>
-      <p:bold r:id="rId31"/>
-      <p:italic r:id="rId32"/>
-      <p:boldItalic r:id="rId33"/>
+      <p:regular r:id="rId35"/>
+      <p:bold r:id="rId36"/>
+      <p:italic r:id="rId37"/>
+      <p:boldItalic r:id="rId38"/>
     </p:embeddedFont>
   </p:embeddedFontLst>
   <p:defaultTextStyle>
@@ -848,6 +853,133 @@
   <p:cSld>
     <p:spTree>
       <p:nvGrpSpPr>
+        <p:cNvPr id="1" name="Shape 82">
+          <a:extLst>
+            <a:ext uri="{FF2B5EF4-FFF2-40B4-BE49-F238E27FC236}">
+              <a16:creationId xmlns:a16="http://schemas.microsoft.com/office/drawing/2014/main" id="{D62D26BC-096B-42F5-F0EE-6E00EE9991D8}"/>
+            </a:ext>
+          </a:extLst>
+        </p:cNvPr>
+        <p:cNvGrpSpPr/>
+        <p:nvPr/>
+      </p:nvGrpSpPr>
+      <p:grpSpPr>
+        <a:xfrm>
+          <a:off x="0" y="0"/>
+          <a:ext cx="0" cy="0"/>
+          <a:chOff x="0" y="0"/>
+          <a:chExt cx="0" cy="0"/>
+        </a:xfrm>
+      </p:grpSpPr>
+      <p:sp>
+        <p:nvSpPr>
+          <p:cNvPr id="83" name="Google Shape;83;p:notes">
+            <a:extLst>
+              <a:ext uri="{FF2B5EF4-FFF2-40B4-BE49-F238E27FC236}">
+                <a16:creationId xmlns:a16="http://schemas.microsoft.com/office/drawing/2014/main" id="{9113314B-349F-07FE-8D37-B5A5B8D92B75}"/>
+              </a:ext>
+            </a:extLst>
+          </p:cNvPr>
+          <p:cNvSpPr>
+            <a:spLocks noGrp="1" noRot="1" noChangeAspect="1"/>
+          </p:cNvSpPr>
+          <p:nvPr>
+            <p:ph type="sldImg" idx="2"/>
+          </p:nvPr>
+        </p:nvSpPr>
+        <p:spPr>
+          <a:xfrm>
+            <a:off x="381000" y="685800"/>
+            <a:ext cx="6096000" cy="3429000"/>
+          </a:xfrm>
+          <a:custGeom>
+            <a:avLst/>
+            <a:gdLst/>
+            <a:ahLst/>
+            <a:cxnLst/>
+            <a:rect l="l" t="t" r="r" b="b"/>
+            <a:pathLst>
+              <a:path w="120000" h="120000" extrusionOk="0">
+                <a:moveTo>
+                  <a:pt x="0" y="0"/>
+                </a:moveTo>
+                <a:lnTo>
+                  <a:pt x="120000" y="0"/>
+                </a:lnTo>
+                <a:lnTo>
+                  <a:pt x="120000" y="120000"/>
+                </a:lnTo>
+                <a:lnTo>
+                  <a:pt x="0" y="120000"/>
+                </a:lnTo>
+                <a:close/>
+              </a:path>
+            </a:pathLst>
+          </a:custGeom>
+        </p:spPr>
+      </p:sp>
+      <p:sp>
+        <p:nvSpPr>
+          <p:cNvPr id="84" name="Google Shape;84;p:notes">
+            <a:extLst>
+              <a:ext uri="{FF2B5EF4-FFF2-40B4-BE49-F238E27FC236}">
+                <a16:creationId xmlns:a16="http://schemas.microsoft.com/office/drawing/2014/main" id="{74793C45-1C7A-BF85-A25E-6C2AA06A16D7}"/>
+              </a:ext>
+            </a:extLst>
+          </p:cNvPr>
+          <p:cNvSpPr txBox="1">
+            <a:spLocks noGrp="1"/>
+          </p:cNvSpPr>
+          <p:nvPr>
+            <p:ph type="body" idx="1"/>
+          </p:nvPr>
+        </p:nvSpPr>
+        <p:spPr>
+          <a:xfrm>
+            <a:off x="685800" y="4343400"/>
+            <a:ext cx="5486400" cy="4114800"/>
+          </a:xfrm>
+          <a:prstGeom prst="rect">
+            <a:avLst/>
+          </a:prstGeom>
+        </p:spPr>
+        <p:txBody>
+          <a:bodyPr spcFirstLastPara="1" wrap="square" lIns="91425" tIns="91425" rIns="91425" bIns="91425" anchor="t" anchorCtr="0">
+            <a:noAutofit/>
+          </a:bodyPr>
+          <a:lstStyle/>
+          <a:p>
+            <a:pPr marL="0" lvl="0" indent="0" algn="l" rtl="0">
+              <a:spcBef>
+                <a:spcPts val="0"/>
+              </a:spcBef>
+              <a:spcAft>
+                <a:spcPts val="0"/>
+              </a:spcAft>
+              <a:buNone/>
+            </a:pPr>
+            <a:endParaRPr/>
+          </a:p>
+        </p:txBody>
+      </p:sp>
+    </p:spTree>
+    <p:extLst>
+      <p:ext uri="{BB962C8B-B14F-4D97-AF65-F5344CB8AC3E}">
+        <p14:creationId xmlns:p14="http://schemas.microsoft.com/office/powerpoint/2010/main" val="1179501294"/>
+      </p:ext>
+    </p:extLst>
+  </p:cSld>
+  <p:clrMapOvr>
+    <a:masterClrMapping/>
+  </p:clrMapOvr>
+</p:notes>
+</file>
+
+<file path=ppt/notesSlides/notesSlide11.xml><?xml version="1.0" encoding="utf-8"?>
+<p:notes xmlns:a="http://schemas.openxmlformats.org/drawingml/2006/main" xmlns:r="http://schemas.openxmlformats.org/officeDocument/2006/relationships" xmlns:p="http://schemas.openxmlformats.org/presentationml/2006/main" showMasterSp="0" showMasterPhAnim="0">
+  <p:cSld>
+    <p:spTree>
+      <p:nvGrpSpPr>
         <p:cNvPr id="1" name="Shape 101">
           <a:extLst>
             <a:ext uri="{FF2B5EF4-FFF2-40B4-BE49-F238E27FC236}">
@@ -970,7 +1102,7 @@
 </p:notes>
 </file>
 
-<file path=ppt/notesSlides/notesSlide11.xml><?xml version="1.0" encoding="utf-8"?>
+<file path=ppt/notesSlides/notesSlide12.xml><?xml version="1.0" encoding="utf-8"?>
 <p:notes xmlns:a="http://schemas.openxmlformats.org/drawingml/2006/main" xmlns:r="http://schemas.openxmlformats.org/officeDocument/2006/relationships" xmlns:p="http://schemas.openxmlformats.org/presentationml/2006/main" showMasterSp="0" showMasterPhAnim="0">
   <p:cSld>
     <p:spTree>
@@ -1097,7 +1229,7 @@
 </p:notes>
 </file>
 
-<file path=ppt/notesSlides/notesSlide12.xml><?xml version="1.0" encoding="utf-8"?>
+<file path=ppt/notesSlides/notesSlide13.xml><?xml version="1.0" encoding="utf-8"?>
 <p:notes xmlns:a="http://schemas.openxmlformats.org/drawingml/2006/main" xmlns:r="http://schemas.openxmlformats.org/officeDocument/2006/relationships" xmlns:p="http://schemas.openxmlformats.org/presentationml/2006/main" showMasterSp="0" showMasterPhAnim="0">
   <p:cSld>
     <p:spTree>
@@ -1224,7 +1356,134 @@
 </p:notes>
 </file>
 
-<file path=ppt/notesSlides/notesSlide13.xml><?xml version="1.0" encoding="utf-8"?>
+<file path=ppt/notesSlides/notesSlide14.xml><?xml version="1.0" encoding="utf-8"?>
+<p:notes xmlns:a="http://schemas.openxmlformats.org/drawingml/2006/main" xmlns:r="http://schemas.openxmlformats.org/officeDocument/2006/relationships" xmlns:p="http://schemas.openxmlformats.org/presentationml/2006/main" showMasterSp="0" showMasterPhAnim="0">
+  <p:cSld>
+    <p:spTree>
+      <p:nvGrpSpPr>
+        <p:cNvPr id="1" name="Shape 82">
+          <a:extLst>
+            <a:ext uri="{FF2B5EF4-FFF2-40B4-BE49-F238E27FC236}">
+              <a16:creationId xmlns:a16="http://schemas.microsoft.com/office/drawing/2014/main" id="{C249FA8C-3704-2C2D-C6EE-834233A07543}"/>
+            </a:ext>
+          </a:extLst>
+        </p:cNvPr>
+        <p:cNvGrpSpPr/>
+        <p:nvPr/>
+      </p:nvGrpSpPr>
+      <p:grpSpPr>
+        <a:xfrm>
+          <a:off x="0" y="0"/>
+          <a:ext cx="0" cy="0"/>
+          <a:chOff x="0" y="0"/>
+          <a:chExt cx="0" cy="0"/>
+        </a:xfrm>
+      </p:grpSpPr>
+      <p:sp>
+        <p:nvSpPr>
+          <p:cNvPr id="83" name="Google Shape;83;p:notes">
+            <a:extLst>
+              <a:ext uri="{FF2B5EF4-FFF2-40B4-BE49-F238E27FC236}">
+                <a16:creationId xmlns:a16="http://schemas.microsoft.com/office/drawing/2014/main" id="{3B79F5E9-9DCC-70A9-E95F-D6D4439584FA}"/>
+              </a:ext>
+            </a:extLst>
+          </p:cNvPr>
+          <p:cNvSpPr>
+            <a:spLocks noGrp="1" noRot="1" noChangeAspect="1"/>
+          </p:cNvSpPr>
+          <p:nvPr>
+            <p:ph type="sldImg" idx="2"/>
+          </p:nvPr>
+        </p:nvSpPr>
+        <p:spPr>
+          <a:xfrm>
+            <a:off x="381000" y="685800"/>
+            <a:ext cx="6096000" cy="3429000"/>
+          </a:xfrm>
+          <a:custGeom>
+            <a:avLst/>
+            <a:gdLst/>
+            <a:ahLst/>
+            <a:cxnLst/>
+            <a:rect l="l" t="t" r="r" b="b"/>
+            <a:pathLst>
+              <a:path w="120000" h="120000" extrusionOk="0">
+                <a:moveTo>
+                  <a:pt x="0" y="0"/>
+                </a:moveTo>
+                <a:lnTo>
+                  <a:pt x="120000" y="0"/>
+                </a:lnTo>
+                <a:lnTo>
+                  <a:pt x="120000" y="120000"/>
+                </a:lnTo>
+                <a:lnTo>
+                  <a:pt x="0" y="120000"/>
+                </a:lnTo>
+                <a:close/>
+              </a:path>
+            </a:pathLst>
+          </a:custGeom>
+        </p:spPr>
+      </p:sp>
+      <p:sp>
+        <p:nvSpPr>
+          <p:cNvPr id="84" name="Google Shape;84;p:notes">
+            <a:extLst>
+              <a:ext uri="{FF2B5EF4-FFF2-40B4-BE49-F238E27FC236}">
+                <a16:creationId xmlns:a16="http://schemas.microsoft.com/office/drawing/2014/main" id="{17788B55-F879-F301-EF41-5270EC08EE9B}"/>
+              </a:ext>
+            </a:extLst>
+          </p:cNvPr>
+          <p:cNvSpPr txBox="1">
+            <a:spLocks noGrp="1"/>
+          </p:cNvSpPr>
+          <p:nvPr>
+            <p:ph type="body" idx="1"/>
+          </p:nvPr>
+        </p:nvSpPr>
+        <p:spPr>
+          <a:xfrm>
+            <a:off x="685800" y="4343400"/>
+            <a:ext cx="5486400" cy="4114800"/>
+          </a:xfrm>
+          <a:prstGeom prst="rect">
+            <a:avLst/>
+          </a:prstGeom>
+        </p:spPr>
+        <p:txBody>
+          <a:bodyPr spcFirstLastPara="1" wrap="square" lIns="91425" tIns="91425" rIns="91425" bIns="91425" anchor="t" anchorCtr="0">
+            <a:noAutofit/>
+          </a:bodyPr>
+          <a:lstStyle/>
+          <a:p>
+            <a:pPr marL="0" lvl="0" indent="0" algn="l" rtl="0">
+              <a:spcBef>
+                <a:spcPts val="0"/>
+              </a:spcBef>
+              <a:spcAft>
+                <a:spcPts val="0"/>
+              </a:spcAft>
+              <a:buNone/>
+            </a:pPr>
+            <a:endParaRPr/>
+          </a:p>
+        </p:txBody>
+      </p:sp>
+    </p:spTree>
+    <p:extLst>
+      <p:ext uri="{BB962C8B-B14F-4D97-AF65-F5344CB8AC3E}">
+        <p14:creationId xmlns:p14="http://schemas.microsoft.com/office/powerpoint/2010/main" val="1317463135"/>
+      </p:ext>
+    </p:extLst>
+  </p:cSld>
+  <p:clrMapOvr>
+    <a:masterClrMapping/>
+  </p:clrMapOvr>
+</p:notes>
+</file>
+
+<file path=ppt/notesSlides/notesSlide15.xml><?xml version="1.0" encoding="utf-8"?>
 <p:notes xmlns:a="http://schemas.openxmlformats.org/drawingml/2006/main" xmlns:r="http://schemas.openxmlformats.org/officeDocument/2006/relationships" xmlns:p="http://schemas.openxmlformats.org/presentationml/2006/main" showMasterSp="0" showMasterPhAnim="0">
   <p:cSld>
     <p:spTree>
@@ -1351,7 +1610,7 @@
 </p:notes>
 </file>
 
-<file path=ppt/notesSlides/notesSlide14.xml><?xml version="1.0" encoding="utf-8"?>
+<file path=ppt/notesSlides/notesSlide16.xml><?xml version="1.0" encoding="utf-8"?>
 <p:notes xmlns:a="http://schemas.openxmlformats.org/drawingml/2006/main" xmlns:r="http://schemas.openxmlformats.org/officeDocument/2006/relationships" xmlns:p="http://schemas.openxmlformats.org/presentationml/2006/main" showMasterSp="0" showMasterPhAnim="0">
   <p:cSld>
     <p:spTree>
@@ -1478,7 +1737,7 @@
 </p:notes>
 </file>
 
-<file path=ppt/notesSlides/notesSlide15.xml><?xml version="1.0" encoding="utf-8"?>
+<file path=ppt/notesSlides/notesSlide17.xml><?xml version="1.0" encoding="utf-8"?>
 <p:notes xmlns:a="http://schemas.openxmlformats.org/drawingml/2006/main" xmlns:r="http://schemas.openxmlformats.org/officeDocument/2006/relationships" xmlns:p="http://schemas.openxmlformats.org/presentationml/2006/main" showMasterSp="0" showMasterPhAnim="0">
   <p:cSld>
     <p:spTree>
@@ -1605,7 +1864,7 @@
 </p:notes>
 </file>
 
-<file path=ppt/notesSlides/notesSlide16.xml><?xml version="1.0" encoding="utf-8"?>
+<file path=ppt/notesSlides/notesSlide18.xml><?xml version="1.0" encoding="utf-8"?>
 <p:notes xmlns:a="http://schemas.openxmlformats.org/drawingml/2006/main" xmlns:r="http://schemas.openxmlformats.org/officeDocument/2006/relationships" xmlns:p="http://schemas.openxmlformats.org/presentationml/2006/main" showMasterSp="0" showMasterPhAnim="0">
   <p:cSld>
     <p:spTree>
@@ -1732,7 +1991,7 @@
 </p:notes>
 </file>
 
-<file path=ppt/notesSlides/notesSlide17.xml><?xml version="1.0" encoding="utf-8"?>
+<file path=ppt/notesSlides/notesSlide19.xml><?xml version="1.0" encoding="utf-8"?>
 <p:notes xmlns:a="http://schemas.openxmlformats.org/drawingml/2006/main" xmlns:r="http://schemas.openxmlformats.org/officeDocument/2006/relationships" xmlns:p="http://schemas.openxmlformats.org/presentationml/2006/main" showMasterSp="0" showMasterPhAnim="0">
   <p:cSld>
     <p:spTree>
@@ -1859,7 +2118,111 @@
 </p:notes>
 </file>
 
-<file path=ppt/notesSlides/notesSlide18.xml><?xml version="1.0" encoding="utf-8"?>
+<file path=ppt/notesSlides/notesSlide2.xml><?xml version="1.0" encoding="utf-8"?>
+<p:notes xmlns:a="http://schemas.openxmlformats.org/drawingml/2006/main" xmlns:r="http://schemas.openxmlformats.org/officeDocument/2006/relationships" xmlns:p="http://schemas.openxmlformats.org/presentationml/2006/main" showMasterSp="0" showMasterPhAnim="0">
+  <p:cSld>
+    <p:spTree>
+      <p:nvGrpSpPr>
+        <p:cNvPr id="1" name="Shape 89"/>
+        <p:cNvGrpSpPr/>
+        <p:nvPr/>
+      </p:nvGrpSpPr>
+      <p:grpSpPr>
+        <a:xfrm>
+          <a:off x="0" y="0"/>
+          <a:ext cx="0" cy="0"/>
+          <a:chOff x="0" y="0"/>
+          <a:chExt cx="0" cy="0"/>
+        </a:xfrm>
+      </p:grpSpPr>
+      <p:sp>
+        <p:nvSpPr>
+          <p:cNvPr id="90" name="Google Shape;90;g851b290239_0_45:notes"/>
+          <p:cNvSpPr>
+            <a:spLocks noGrp="1" noRot="1" noChangeAspect="1"/>
+          </p:cNvSpPr>
+          <p:nvPr>
+            <p:ph type="sldImg" idx="2"/>
+          </p:nvPr>
+        </p:nvSpPr>
+        <p:spPr>
+          <a:xfrm>
+            <a:off x="381000" y="685800"/>
+            <a:ext cx="6096000" cy="3429000"/>
+          </a:xfrm>
+          <a:custGeom>
+            <a:avLst/>
+            <a:gdLst/>
+            <a:ahLst/>
+            <a:cxnLst/>
+            <a:rect l="l" t="t" r="r" b="b"/>
+            <a:pathLst>
+              <a:path w="120000" h="120000" extrusionOk="0">
+                <a:moveTo>
+                  <a:pt x="0" y="0"/>
+                </a:moveTo>
+                <a:lnTo>
+                  <a:pt x="120000" y="0"/>
+                </a:lnTo>
+                <a:lnTo>
+                  <a:pt x="120000" y="120000"/>
+                </a:lnTo>
+                <a:lnTo>
+                  <a:pt x="0" y="120000"/>
+                </a:lnTo>
+                <a:close/>
+              </a:path>
+            </a:pathLst>
+          </a:custGeom>
+        </p:spPr>
+      </p:sp>
+      <p:sp>
+        <p:nvSpPr>
+          <p:cNvPr id="91" name="Google Shape;91;g851b290239_0_45:notes"/>
+          <p:cNvSpPr txBox="1">
+            <a:spLocks noGrp="1"/>
+          </p:cNvSpPr>
+          <p:nvPr>
+            <p:ph type="body" idx="1"/>
+          </p:nvPr>
+        </p:nvSpPr>
+        <p:spPr>
+          <a:xfrm>
+            <a:off x="685800" y="4343400"/>
+            <a:ext cx="5486400" cy="4114800"/>
+          </a:xfrm>
+          <a:prstGeom prst="rect">
+            <a:avLst/>
+          </a:prstGeom>
+        </p:spPr>
+        <p:txBody>
+          <a:bodyPr spcFirstLastPara="1" wrap="square" lIns="91425" tIns="91425" rIns="91425" bIns="91425" anchor="t" anchorCtr="0">
+            <a:noAutofit/>
+          </a:bodyPr>
+          <a:lstStyle/>
+          <a:p>
+            <a:pPr marL="0" lvl="0" indent="0" algn="l" rtl="0">
+              <a:spcBef>
+                <a:spcPts val="0"/>
+              </a:spcBef>
+              <a:spcAft>
+                <a:spcPts val="0"/>
+              </a:spcAft>
+              <a:buNone/>
+            </a:pPr>
+            <a:endParaRPr/>
+          </a:p>
+        </p:txBody>
+      </p:sp>
+    </p:spTree>
+  </p:cSld>
+  <p:clrMapOvr>
+    <a:masterClrMapping/>
+  </p:clrMapOvr>
+</p:notes>
+</file>
+
+<file path=ppt/notesSlides/notesSlide20.xml><?xml version="1.0" encoding="utf-8"?>
 <p:notes xmlns:a="http://schemas.openxmlformats.org/drawingml/2006/main" xmlns:r="http://schemas.openxmlformats.org/officeDocument/2006/relationships" xmlns:p="http://schemas.openxmlformats.org/presentationml/2006/main" showMasterSp="0" showMasterPhAnim="0">
   <p:cSld>
     <p:spTree>
@@ -1986,7 +2349,7 @@
 </p:notes>
 </file>
 
-<file path=ppt/notesSlides/notesSlide19.xml><?xml version="1.0" encoding="utf-8"?>
+<file path=ppt/notesSlides/notesSlide21.xml><?xml version="1.0" encoding="utf-8"?>
 <p:notes xmlns:a="http://schemas.openxmlformats.org/drawingml/2006/main" xmlns:r="http://schemas.openxmlformats.org/officeDocument/2006/relationships" xmlns:p="http://schemas.openxmlformats.org/presentationml/2006/main" showMasterSp="0" showMasterPhAnim="0">
   <p:cSld>
     <p:spTree>
@@ -2113,12 +2476,18 @@
 </p:notes>
 </file>
 
-<file path=ppt/notesSlides/notesSlide2.xml><?xml version="1.0" encoding="utf-8"?>
+<file path=ppt/notesSlides/notesSlide22.xml><?xml version="1.0" encoding="utf-8"?>
 <p:notes xmlns:a="http://schemas.openxmlformats.org/drawingml/2006/main" xmlns:r="http://schemas.openxmlformats.org/officeDocument/2006/relationships" xmlns:p="http://schemas.openxmlformats.org/presentationml/2006/main" showMasterSp="0" showMasterPhAnim="0">
   <p:cSld>
     <p:spTree>
       <p:nvGrpSpPr>
-        <p:cNvPr id="1" name="Shape 89"/>
+        <p:cNvPr id="1" name="Shape 82">
+          <a:extLst>
+            <a:ext uri="{FF2B5EF4-FFF2-40B4-BE49-F238E27FC236}">
+              <a16:creationId xmlns:a16="http://schemas.microsoft.com/office/drawing/2014/main" id="{830677EE-3EC6-0AF3-1C1C-2A8574EAEF74}"/>
+            </a:ext>
+          </a:extLst>
+        </p:cNvPr>
         <p:cNvGrpSpPr/>
         <p:nvPr/>
       </p:nvGrpSpPr>
@@ -2132,7 +2501,13 @@
       </p:grpSpPr>
       <p:sp>
         <p:nvSpPr>
-          <p:cNvPr id="90" name="Google Shape;90;g851b290239_0_45:notes"/>
+          <p:cNvPr id="83" name="Google Shape;83;p:notes">
+            <a:extLst>
+              <a:ext uri="{FF2B5EF4-FFF2-40B4-BE49-F238E27FC236}">
+                <a16:creationId xmlns:a16="http://schemas.microsoft.com/office/drawing/2014/main" id="{D6F424A5-B047-B473-EE7A-9834203AE7B0}"/>
+              </a:ext>
+            </a:extLst>
+          </p:cNvPr>
           <p:cNvSpPr>
             <a:spLocks noGrp="1" noRot="1" noChangeAspect="1"/>
           </p:cNvSpPr>
@@ -2173,7 +2548,13 @@
       </p:sp>
       <p:sp>
         <p:nvSpPr>
-          <p:cNvPr id="91" name="Google Shape;91;g851b290239_0_45:notes"/>
+          <p:cNvPr id="84" name="Google Shape;84;p:notes">
+            <a:extLst>
+              <a:ext uri="{FF2B5EF4-FFF2-40B4-BE49-F238E27FC236}">
+                <a16:creationId xmlns:a16="http://schemas.microsoft.com/office/drawing/2014/main" id="{6D04685B-298F-9175-FBD1-BE5950BF5D88}"/>
+              </a:ext>
+            </a:extLst>
+          </p:cNvPr>
           <p:cNvSpPr txBox="1">
             <a:spLocks noGrp="1"/>
           </p:cNvSpPr>
@@ -2210,6 +2591,11 @@
         </p:txBody>
       </p:sp>
     </p:spTree>
+    <p:extLst>
+      <p:ext uri="{BB962C8B-B14F-4D97-AF65-F5344CB8AC3E}">
+        <p14:creationId xmlns:p14="http://schemas.microsoft.com/office/powerpoint/2010/main" val="2494218382"/>
+      </p:ext>
+    </p:extLst>
   </p:cSld>
   <p:clrMapOvr>
     <a:masterClrMapping/>
@@ -2217,7 +2603,134 @@
 </p:notes>
 </file>
 
-<file path=ppt/notesSlides/notesSlide20.xml><?xml version="1.0" encoding="utf-8"?>
+<file path=ppt/notesSlides/notesSlide23.xml><?xml version="1.0" encoding="utf-8"?>
+<p:notes xmlns:a="http://schemas.openxmlformats.org/drawingml/2006/main" xmlns:r="http://schemas.openxmlformats.org/officeDocument/2006/relationships" xmlns:p="http://schemas.openxmlformats.org/presentationml/2006/main" showMasterSp="0" showMasterPhAnim="0">
+  <p:cSld>
+    <p:spTree>
+      <p:nvGrpSpPr>
+        <p:cNvPr id="1" name="Shape 82">
+          <a:extLst>
+            <a:ext uri="{FF2B5EF4-FFF2-40B4-BE49-F238E27FC236}">
+              <a16:creationId xmlns:a16="http://schemas.microsoft.com/office/drawing/2014/main" id="{7EBACF95-7A31-ABDF-10D4-246E40E1A878}"/>
+            </a:ext>
+          </a:extLst>
+        </p:cNvPr>
+        <p:cNvGrpSpPr/>
+        <p:nvPr/>
+      </p:nvGrpSpPr>
+      <p:grpSpPr>
+        <a:xfrm>
+          <a:off x="0" y="0"/>
+          <a:ext cx="0" cy="0"/>
+          <a:chOff x="0" y="0"/>
+          <a:chExt cx="0" cy="0"/>
+        </a:xfrm>
+      </p:grpSpPr>
+      <p:sp>
+        <p:nvSpPr>
+          <p:cNvPr id="83" name="Google Shape;83;p:notes">
+            <a:extLst>
+              <a:ext uri="{FF2B5EF4-FFF2-40B4-BE49-F238E27FC236}">
+                <a16:creationId xmlns:a16="http://schemas.microsoft.com/office/drawing/2014/main" id="{17290589-C987-171F-F5B0-4B9DDEDCD08B}"/>
+              </a:ext>
+            </a:extLst>
+          </p:cNvPr>
+          <p:cNvSpPr>
+            <a:spLocks noGrp="1" noRot="1" noChangeAspect="1"/>
+          </p:cNvSpPr>
+          <p:nvPr>
+            <p:ph type="sldImg" idx="2"/>
+          </p:nvPr>
+        </p:nvSpPr>
+        <p:spPr>
+          <a:xfrm>
+            <a:off x="381000" y="685800"/>
+            <a:ext cx="6096000" cy="3429000"/>
+          </a:xfrm>
+          <a:custGeom>
+            <a:avLst/>
+            <a:gdLst/>
+            <a:ahLst/>
+            <a:cxnLst/>
+            <a:rect l="l" t="t" r="r" b="b"/>
+            <a:pathLst>
+              <a:path w="120000" h="120000" extrusionOk="0">
+                <a:moveTo>
+                  <a:pt x="0" y="0"/>
+                </a:moveTo>
+                <a:lnTo>
+                  <a:pt x="120000" y="0"/>
+                </a:lnTo>
+                <a:lnTo>
+                  <a:pt x="120000" y="120000"/>
+                </a:lnTo>
+                <a:lnTo>
+                  <a:pt x="0" y="120000"/>
+                </a:lnTo>
+                <a:close/>
+              </a:path>
+            </a:pathLst>
+          </a:custGeom>
+        </p:spPr>
+      </p:sp>
+      <p:sp>
+        <p:nvSpPr>
+          <p:cNvPr id="84" name="Google Shape;84;p:notes">
+            <a:extLst>
+              <a:ext uri="{FF2B5EF4-FFF2-40B4-BE49-F238E27FC236}">
+                <a16:creationId xmlns:a16="http://schemas.microsoft.com/office/drawing/2014/main" id="{24426C2D-E9B4-FA44-0C07-3189AA0091E8}"/>
+              </a:ext>
+            </a:extLst>
+          </p:cNvPr>
+          <p:cNvSpPr txBox="1">
+            <a:spLocks noGrp="1"/>
+          </p:cNvSpPr>
+          <p:nvPr>
+            <p:ph type="body" idx="1"/>
+          </p:nvPr>
+        </p:nvSpPr>
+        <p:spPr>
+          <a:xfrm>
+            <a:off x="685800" y="4343400"/>
+            <a:ext cx="5486400" cy="4114800"/>
+          </a:xfrm>
+          <a:prstGeom prst="rect">
+            <a:avLst/>
+          </a:prstGeom>
+        </p:spPr>
+        <p:txBody>
+          <a:bodyPr spcFirstLastPara="1" wrap="square" lIns="91425" tIns="91425" rIns="91425" bIns="91425" anchor="t" anchorCtr="0">
+            <a:noAutofit/>
+          </a:bodyPr>
+          <a:lstStyle/>
+          <a:p>
+            <a:pPr marL="0" lvl="0" indent="0" algn="l" rtl="0">
+              <a:spcBef>
+                <a:spcPts val="0"/>
+              </a:spcBef>
+              <a:spcAft>
+                <a:spcPts val="0"/>
+              </a:spcAft>
+              <a:buNone/>
+            </a:pPr>
+            <a:endParaRPr/>
+          </a:p>
+        </p:txBody>
+      </p:sp>
+    </p:spTree>
+    <p:extLst>
+      <p:ext uri="{BB962C8B-B14F-4D97-AF65-F5344CB8AC3E}">
+        <p14:creationId xmlns:p14="http://schemas.microsoft.com/office/powerpoint/2010/main" val="1149075014"/>
+      </p:ext>
+    </p:extLst>
+  </p:cSld>
+  <p:clrMapOvr>
+    <a:masterClrMapping/>
+  </p:clrMapOvr>
+</p:notes>
+</file>
+
+<file path=ppt/notesSlides/notesSlide24.xml><?xml version="1.0" encoding="utf-8"?>
 <p:notes xmlns:a="http://schemas.openxmlformats.org/drawingml/2006/main" xmlns:r="http://schemas.openxmlformats.org/officeDocument/2006/relationships" xmlns:p="http://schemas.openxmlformats.org/presentationml/2006/main" showMasterSp="0" showMasterPhAnim="0">
   <p:cSld>
     <p:spTree>
@@ -2321,7 +2834,7 @@
 </p:notes>
 </file>
 
-<file path=ppt/notesSlides/notesSlide21.xml><?xml version="1.0" encoding="utf-8"?>
+<file path=ppt/notesSlides/notesSlide25.xml><?xml version="1.0" encoding="utf-8"?>
 <p:notes xmlns:a="http://schemas.openxmlformats.org/drawingml/2006/main" xmlns:r="http://schemas.openxmlformats.org/officeDocument/2006/relationships" xmlns:p="http://schemas.openxmlformats.org/presentationml/2006/main" showMasterSp="0" showMasterPhAnim="0">
   <p:cSld>
     <p:spTree>
@@ -3146,10 +3659,10 @@
   <p:cSld>
     <p:spTree>
       <p:nvGrpSpPr>
-        <p:cNvPr id="1" name="Shape 82">
+        <p:cNvPr id="1" name="Shape 101">
           <a:extLst>
             <a:ext uri="{FF2B5EF4-FFF2-40B4-BE49-F238E27FC236}">
-              <a16:creationId xmlns:a16="http://schemas.microsoft.com/office/drawing/2014/main" id="{C249FA8C-3704-2C2D-C6EE-834233A07543}"/>
+              <a16:creationId xmlns:a16="http://schemas.microsoft.com/office/drawing/2014/main" id="{22A962BD-F4D4-754A-749F-1CD447647AF7}"/>
             </a:ext>
           </a:extLst>
         </p:cNvPr>
@@ -3166,10 +3679,10 @@
       </p:grpSpPr>
       <p:sp>
         <p:nvSpPr>
-          <p:cNvPr id="83" name="Google Shape;83;p:notes">
+          <p:cNvPr id="102" name="Google Shape;102;g851b290239_0_292:notes">
             <a:extLst>
               <a:ext uri="{FF2B5EF4-FFF2-40B4-BE49-F238E27FC236}">
-                <a16:creationId xmlns:a16="http://schemas.microsoft.com/office/drawing/2014/main" id="{3B79F5E9-9DCC-70A9-E95F-D6D4439584FA}"/>
+                <a16:creationId xmlns:a16="http://schemas.microsoft.com/office/drawing/2014/main" id="{9A887D05-171C-2F81-944A-E628D1B994E0}"/>
               </a:ext>
             </a:extLst>
           </p:cNvPr>
@@ -3213,10 +3726,10 @@
       </p:sp>
       <p:sp>
         <p:nvSpPr>
-          <p:cNvPr id="84" name="Google Shape;84;p:notes">
+          <p:cNvPr id="103" name="Google Shape;103;g851b290239_0_292:notes">
             <a:extLst>
               <a:ext uri="{FF2B5EF4-FFF2-40B4-BE49-F238E27FC236}">
-                <a16:creationId xmlns:a16="http://schemas.microsoft.com/office/drawing/2014/main" id="{17788B55-F879-F301-EF41-5270EC08EE9B}"/>
+                <a16:creationId xmlns:a16="http://schemas.microsoft.com/office/drawing/2014/main" id="{4AB0C90C-F524-7549-B58D-A03E3BFFE2D7}"/>
               </a:ext>
             </a:extLst>
           </p:cNvPr>
@@ -3258,7 +3771,7 @@
     </p:spTree>
     <p:extLst>
       <p:ext uri="{BB962C8B-B14F-4D97-AF65-F5344CB8AC3E}">
-        <p14:creationId xmlns:p14="http://schemas.microsoft.com/office/powerpoint/2010/main" val="1317463135"/>
+        <p14:creationId xmlns:p14="http://schemas.microsoft.com/office/powerpoint/2010/main" val="752125896"/>
       </p:ext>
     </p:extLst>
   </p:cSld>
@@ -10003,6 +10516,162 @@
   <p:cSld>
     <p:spTree>
       <p:nvGrpSpPr>
+        <p:cNvPr id="1" name="Shape 85">
+          <a:extLst>
+            <a:ext uri="{FF2B5EF4-FFF2-40B4-BE49-F238E27FC236}">
+              <a16:creationId xmlns:a16="http://schemas.microsoft.com/office/drawing/2014/main" id="{C54760EC-A696-1751-7781-36DDEB0FBDA3}"/>
+            </a:ext>
+          </a:extLst>
+        </p:cNvPr>
+        <p:cNvGrpSpPr/>
+        <p:nvPr/>
+      </p:nvGrpSpPr>
+      <p:grpSpPr>
+        <a:xfrm>
+          <a:off x="0" y="0"/>
+          <a:ext cx="0" cy="0"/>
+          <a:chOff x="0" y="0"/>
+          <a:chExt cx="0" cy="0"/>
+        </a:xfrm>
+      </p:grpSpPr>
+      <p:sp>
+        <p:nvSpPr>
+          <p:cNvPr id="86" name="Google Shape;86;p13">
+            <a:extLst>
+              <a:ext uri="{FF2B5EF4-FFF2-40B4-BE49-F238E27FC236}">
+                <a16:creationId xmlns:a16="http://schemas.microsoft.com/office/drawing/2014/main" id="{0F624B5E-A5B6-07E1-B932-64DDDDA06560}"/>
+              </a:ext>
+            </a:extLst>
+          </p:cNvPr>
+          <p:cNvSpPr txBox="1">
+            <a:spLocks noGrp="1"/>
+          </p:cNvSpPr>
+          <p:nvPr>
+            <p:ph type="ctrTitle"/>
+          </p:nvPr>
+        </p:nvSpPr>
+        <p:spPr>
+          <a:xfrm>
+            <a:off x="589405" y="1606468"/>
+            <a:ext cx="7688100" cy="885300"/>
+          </a:xfrm>
+          <a:prstGeom prst="rect">
+            <a:avLst/>
+          </a:prstGeom>
+        </p:spPr>
+        <p:txBody>
+          <a:bodyPr spcFirstLastPara="1" wrap="square" lIns="91425" tIns="91425" rIns="91425" bIns="91425" anchor="t" anchorCtr="0">
+            <a:noAutofit/>
+          </a:bodyPr>
+          <a:lstStyle/>
+          <a:p>
+            <a:pPr marL="0" lvl="0" indent="0" algn="l" rtl="0">
+              <a:spcBef>
+                <a:spcPts val="0"/>
+              </a:spcBef>
+              <a:spcAft>
+                <a:spcPts val="0"/>
+              </a:spcAft>
+              <a:buNone/>
+            </a:pPr>
+            <a:r>
+              <a:rPr lang="en-GB" dirty="0"/>
+              <a:t>Part 2 – Data Analysis and </a:t>
+            </a:r>
+            <a:r>
+              <a:rPr lang="en-GB" dirty="0" err="1"/>
+              <a:t>Modeling</a:t>
+            </a:r>
+            <a:endParaRPr dirty="0"/>
+          </a:p>
+        </p:txBody>
+      </p:sp>
+      <p:sp>
+        <p:nvSpPr>
+          <p:cNvPr id="87" name="Google Shape;87;p13">
+            <a:extLst>
+              <a:ext uri="{FF2B5EF4-FFF2-40B4-BE49-F238E27FC236}">
+                <a16:creationId xmlns:a16="http://schemas.microsoft.com/office/drawing/2014/main" id="{8E47B519-8426-C725-1C0F-CA3D1D27A47C}"/>
+              </a:ext>
+            </a:extLst>
+          </p:cNvPr>
+          <p:cNvSpPr txBox="1">
+            <a:spLocks noGrp="1"/>
+          </p:cNvSpPr>
+          <p:nvPr>
+            <p:ph type="subTitle" idx="1"/>
+          </p:nvPr>
+        </p:nvSpPr>
+        <p:spPr>
+          <a:xfrm>
+            <a:off x="727950" y="1379920"/>
+            <a:ext cx="7688100" cy="2353383"/>
+          </a:xfrm>
+          <a:prstGeom prst="rect">
+            <a:avLst/>
+          </a:prstGeom>
+        </p:spPr>
+        <p:txBody>
+          <a:bodyPr spcFirstLastPara="1" wrap="square" lIns="91425" tIns="91425" rIns="91425" bIns="91425" anchor="t" anchorCtr="0">
+            <a:noAutofit/>
+          </a:bodyPr>
+          <a:lstStyle/>
+          <a:p>
+            <a:pPr marL="0" lvl="0" indent="0" algn="l" rtl="0">
+              <a:spcBef>
+                <a:spcPts val="0"/>
+              </a:spcBef>
+              <a:spcAft>
+                <a:spcPts val="0"/>
+              </a:spcAft>
+              <a:buNone/>
+            </a:pPr>
+            <a:endParaRPr lang="en-GB" dirty="0"/>
+          </a:p>
+          <a:p>
+            <a:pPr marL="0" lvl="0" indent="0" algn="l" rtl="0">
+              <a:spcBef>
+                <a:spcPts val="0"/>
+              </a:spcBef>
+              <a:spcAft>
+                <a:spcPts val="0"/>
+              </a:spcAft>
+              <a:buNone/>
+            </a:pPr>
+            <a:endParaRPr lang="en-GB" dirty="0"/>
+          </a:p>
+          <a:p>
+            <a:pPr marL="5486400" lvl="0" indent="0" algn="l" rtl="0">
+              <a:spcBef>
+                <a:spcPts val="0"/>
+              </a:spcBef>
+              <a:spcAft>
+                <a:spcPts val="0"/>
+              </a:spcAft>
+              <a:buNone/>
+            </a:pPr>
+            <a:endParaRPr lang="en-US" dirty="0"/>
+          </a:p>
+        </p:txBody>
+      </p:sp>
+    </p:spTree>
+    <p:extLst>
+      <p:ext uri="{BB962C8B-B14F-4D97-AF65-F5344CB8AC3E}">
+        <p14:creationId xmlns:p14="http://schemas.microsoft.com/office/powerpoint/2010/main" val="3100884417"/>
+      </p:ext>
+    </p:extLst>
+  </p:cSld>
+  <p:clrMapOvr>
+    <a:masterClrMapping/>
+  </p:clrMapOvr>
+</p:sld>
+</file>
+
+<file path=ppt/slides/slide11.xml><?xml version="1.0" encoding="utf-8"?>
+<p:sld xmlns:a="http://schemas.openxmlformats.org/drawingml/2006/main" xmlns:r="http://schemas.openxmlformats.org/officeDocument/2006/relationships" xmlns:p="http://schemas.openxmlformats.org/presentationml/2006/main">
+  <p:cSld>
+    <p:spTree>
+      <p:nvGrpSpPr>
         <p:cNvPr id="1" name=""/>
         <p:cNvGrpSpPr/>
         <p:nvPr/>
@@ -10086,7 +10755,101 @@
 </p:sld>
 </file>
 
-<file path=ppt/slides/slide11.xml><?xml version="1.0" encoding="utf-8"?>
+<file path=ppt/slides/slide12.xml><?xml version="1.0" encoding="utf-8"?>
+<p:sld xmlns:a="http://schemas.openxmlformats.org/drawingml/2006/main" xmlns:r="http://schemas.openxmlformats.org/officeDocument/2006/relationships" xmlns:p="http://schemas.openxmlformats.org/presentationml/2006/main">
+  <p:cSld>
+    <p:spTree>
+      <p:nvGrpSpPr>
+        <p:cNvPr id="1" name="">
+          <a:extLst>
+            <a:ext uri="{FF2B5EF4-FFF2-40B4-BE49-F238E27FC236}">
+              <a16:creationId xmlns:a16="http://schemas.microsoft.com/office/drawing/2014/main" id="{5443FB28-9B95-99D8-5616-B415F57466AD}"/>
+            </a:ext>
+          </a:extLst>
+        </p:cNvPr>
+        <p:cNvGrpSpPr/>
+        <p:nvPr/>
+      </p:nvGrpSpPr>
+      <p:grpSpPr>
+        <a:xfrm>
+          <a:off x="0" y="0"/>
+          <a:ext cx="0" cy="0"/>
+          <a:chOff x="0" y="0"/>
+          <a:chExt cx="0" cy="0"/>
+        </a:xfrm>
+      </p:grpSpPr>
+      <p:sp>
+        <p:nvSpPr>
+          <p:cNvPr id="2" name="Title 1">
+            <a:extLst>
+              <a:ext uri="{FF2B5EF4-FFF2-40B4-BE49-F238E27FC236}">
+                <a16:creationId xmlns:a16="http://schemas.microsoft.com/office/drawing/2014/main" id="{D9678F9F-7791-EBFA-77F4-8EDC938FBD94}"/>
+              </a:ext>
+            </a:extLst>
+          </p:cNvPr>
+          <p:cNvSpPr>
+            <a:spLocks noGrp="1"/>
+          </p:cNvSpPr>
+          <p:nvPr>
+            <p:ph type="title"/>
+          </p:nvPr>
+        </p:nvSpPr>
+        <p:spPr>
+          <a:xfrm>
+            <a:off x="674032" y="618995"/>
+            <a:ext cx="7688700" cy="535200"/>
+          </a:xfrm>
+        </p:spPr>
+        <p:txBody>
+          <a:bodyPr/>
+          <a:lstStyle/>
+          <a:p>
+            <a:r>
+              <a:rPr lang="en-US" dirty="0"/>
+              <a:t>Word Cloud</a:t>
+            </a:r>
+          </a:p>
+        </p:txBody>
+      </p:sp>
+      <p:sp>
+        <p:nvSpPr>
+          <p:cNvPr id="3" name="Text Placeholder 2">
+            <a:extLst>
+              <a:ext uri="{FF2B5EF4-FFF2-40B4-BE49-F238E27FC236}">
+                <a16:creationId xmlns:a16="http://schemas.microsoft.com/office/drawing/2014/main" id="{E6B5FFA7-796D-B3E4-F66A-E2652DCE6EF8}"/>
+              </a:ext>
+            </a:extLst>
+          </p:cNvPr>
+          <p:cNvSpPr>
+            <a:spLocks noGrp="1"/>
+          </p:cNvSpPr>
+          <p:nvPr>
+            <p:ph type="body" idx="1"/>
+          </p:nvPr>
+        </p:nvSpPr>
+        <p:spPr/>
+        <p:txBody>
+          <a:bodyPr/>
+          <a:lstStyle/>
+          <a:p>
+            <a:endParaRPr lang="en-US" dirty="0"/>
+          </a:p>
+        </p:txBody>
+      </p:sp>
+    </p:spTree>
+    <p:extLst>
+      <p:ext uri="{BB962C8B-B14F-4D97-AF65-F5344CB8AC3E}">
+        <p14:creationId xmlns:p14="http://schemas.microsoft.com/office/powerpoint/2010/main" val="1967613256"/>
+      </p:ext>
+    </p:extLst>
+  </p:cSld>
+  <p:clrMapOvr>
+    <a:masterClrMapping/>
+  </p:clrMapOvr>
+</p:sld>
+</file>
+
+<file path=ppt/slides/slide13.xml><?xml version="1.0" encoding="utf-8"?>
 <p:sld xmlns:a="http://schemas.openxmlformats.org/drawingml/2006/main" xmlns:r="http://schemas.openxmlformats.org/officeDocument/2006/relationships" xmlns:p="http://schemas.openxmlformats.org/presentationml/2006/main">
   <p:cSld>
     <p:spTree>
@@ -10295,7 +11058,7 @@
 </p:sld>
 </file>
 
-<file path=ppt/slides/slide12.xml><?xml version="1.0" encoding="utf-8"?>
+<file path=ppt/slides/slide14.xml><?xml version="1.0" encoding="utf-8"?>
 <p:sld xmlns:a="http://schemas.openxmlformats.org/drawingml/2006/main" xmlns:r="http://schemas.openxmlformats.org/officeDocument/2006/relationships" xmlns:p="http://schemas.openxmlformats.org/presentationml/2006/main">
   <p:cSld>
     <p:spTree>
@@ -10493,7 +11256,7 @@
 </p:sld>
 </file>
 
-<file path=ppt/slides/slide13.xml><?xml version="1.0" encoding="utf-8"?>
+<file path=ppt/slides/slide15.xml><?xml version="1.0" encoding="utf-8"?>
 <p:sld xmlns:a="http://schemas.openxmlformats.org/drawingml/2006/main" xmlns:r="http://schemas.openxmlformats.org/officeDocument/2006/relationships" xmlns:p="http://schemas.openxmlformats.org/presentationml/2006/main">
   <p:cSld>
     <p:spTree>
@@ -10696,7 +11459,91 @@
 </p:sld>
 </file>
 
-<file path=ppt/slides/slide14.xml><?xml version="1.0" encoding="utf-8"?>
+<file path=ppt/slides/slide16.xml><?xml version="1.0" encoding="utf-8"?>
+<p:sld xmlns:a="http://schemas.openxmlformats.org/drawingml/2006/main" xmlns:r="http://schemas.openxmlformats.org/officeDocument/2006/relationships" xmlns:p="http://schemas.openxmlformats.org/presentationml/2006/main">
+  <p:cSld>
+    <p:spTree>
+      <p:nvGrpSpPr>
+        <p:cNvPr id="1" name="Shape 85">
+          <a:extLst>
+            <a:ext uri="{FF2B5EF4-FFF2-40B4-BE49-F238E27FC236}">
+              <a16:creationId xmlns:a16="http://schemas.microsoft.com/office/drawing/2014/main" id="{61269C37-D398-01B9-B69E-49CBE20C46B7}"/>
+            </a:ext>
+          </a:extLst>
+        </p:cNvPr>
+        <p:cNvGrpSpPr/>
+        <p:nvPr/>
+      </p:nvGrpSpPr>
+      <p:grpSpPr>
+        <a:xfrm>
+          <a:off x="0" y="0"/>
+          <a:ext cx="0" cy="0"/>
+          <a:chOff x="0" y="0"/>
+          <a:chExt cx="0" cy="0"/>
+        </a:xfrm>
+      </p:grpSpPr>
+      <p:sp>
+        <p:nvSpPr>
+          <p:cNvPr id="86" name="Google Shape;86;p13">
+            <a:extLst>
+              <a:ext uri="{FF2B5EF4-FFF2-40B4-BE49-F238E27FC236}">
+                <a16:creationId xmlns:a16="http://schemas.microsoft.com/office/drawing/2014/main" id="{D1D3EA25-DABB-1BB0-DCE2-535B2B107F31}"/>
+              </a:ext>
+            </a:extLst>
+          </p:cNvPr>
+          <p:cNvSpPr txBox="1">
+            <a:spLocks noGrp="1"/>
+          </p:cNvSpPr>
+          <p:nvPr>
+            <p:ph type="ctrTitle"/>
+          </p:nvPr>
+        </p:nvSpPr>
+        <p:spPr>
+          <a:xfrm>
+            <a:off x="665605" y="1620323"/>
+            <a:ext cx="7688100" cy="885300"/>
+          </a:xfrm>
+          <a:prstGeom prst="rect">
+            <a:avLst/>
+          </a:prstGeom>
+        </p:spPr>
+        <p:txBody>
+          <a:bodyPr spcFirstLastPara="1" wrap="square" lIns="91425" tIns="91425" rIns="91425" bIns="91425" anchor="t" anchorCtr="0">
+            <a:noAutofit/>
+          </a:bodyPr>
+          <a:lstStyle/>
+          <a:p>
+            <a:pPr marL="0" lvl="0" indent="0" algn="l" rtl="0">
+              <a:spcBef>
+                <a:spcPts val="0"/>
+              </a:spcBef>
+              <a:spcAft>
+                <a:spcPts val="0"/>
+              </a:spcAft>
+              <a:buNone/>
+            </a:pPr>
+            <a:r>
+              <a:rPr lang="en-GB" dirty="0"/>
+              <a:t>Part 3 – NLP Recommender System</a:t>
+            </a:r>
+            <a:endParaRPr lang="en-US" dirty="0"/>
+          </a:p>
+        </p:txBody>
+      </p:sp>
+    </p:spTree>
+    <p:extLst>
+      <p:ext uri="{BB962C8B-B14F-4D97-AF65-F5344CB8AC3E}">
+        <p14:creationId xmlns:p14="http://schemas.microsoft.com/office/powerpoint/2010/main" val="3121120044"/>
+      </p:ext>
+    </p:extLst>
+  </p:cSld>
+  <p:clrMapOvr>
+    <a:masterClrMapping/>
+  </p:clrMapOvr>
+</p:sld>
+</file>
+
+<file path=ppt/slides/slide17.xml><?xml version="1.0" encoding="utf-8"?>
 <p:sld xmlns:a="http://schemas.openxmlformats.org/drawingml/2006/main" xmlns:r="http://schemas.openxmlformats.org/officeDocument/2006/relationships" xmlns:p="http://schemas.openxmlformats.org/presentationml/2006/main">
   <p:cSld>
     <p:spTree>
@@ -10854,7 +11701,7 @@
 </p:sld>
 </file>
 
-<file path=ppt/slides/slide15.xml><?xml version="1.0" encoding="utf-8"?>
+<file path=ppt/slides/slide18.xml><?xml version="1.0" encoding="utf-8"?>
 <p:sld xmlns:a="http://schemas.openxmlformats.org/drawingml/2006/main" xmlns:r="http://schemas.openxmlformats.org/officeDocument/2006/relationships" xmlns:p="http://schemas.openxmlformats.org/presentationml/2006/main">
   <p:cSld>
     <p:spTree>
@@ -11024,7 +11871,7 @@
 </p:sld>
 </file>
 
-<file path=ppt/slides/slide16.xml><?xml version="1.0" encoding="utf-8"?>
+<file path=ppt/slides/slide19.xml><?xml version="1.0" encoding="utf-8"?>
 <p:sld xmlns:a="http://schemas.openxmlformats.org/drawingml/2006/main" xmlns:r="http://schemas.openxmlformats.org/officeDocument/2006/relationships" xmlns:p="http://schemas.openxmlformats.org/presentationml/2006/main">
   <p:cSld>
     <p:spTree>
@@ -11194,7 +12041,261 @@
 </p:sld>
 </file>
 
-<file path=ppt/slides/slide17.xml><?xml version="1.0" encoding="utf-8"?>
+<file path=ppt/slides/slide2.xml><?xml version="1.0" encoding="utf-8"?>
+<p:sld xmlns:a="http://schemas.openxmlformats.org/drawingml/2006/main" xmlns:r="http://schemas.openxmlformats.org/officeDocument/2006/relationships" xmlns:p="http://schemas.openxmlformats.org/presentationml/2006/main">
+  <p:cSld>
+    <p:spTree>
+      <p:nvGrpSpPr>
+        <p:cNvPr id="1" name="Shape 92"/>
+        <p:cNvGrpSpPr/>
+        <p:nvPr/>
+      </p:nvGrpSpPr>
+      <p:grpSpPr>
+        <a:xfrm>
+          <a:off x="0" y="0"/>
+          <a:ext cx="0" cy="0"/>
+          <a:chOff x="0" y="0"/>
+          <a:chExt cx="0" cy="0"/>
+        </a:xfrm>
+      </p:grpSpPr>
+      <p:sp>
+        <p:nvSpPr>
+          <p:cNvPr id="93" name="Google Shape;93;p14"/>
+          <p:cNvSpPr txBox="1">
+            <a:spLocks noGrp="1"/>
+          </p:cNvSpPr>
+          <p:nvPr>
+            <p:ph type="title"/>
+          </p:nvPr>
+        </p:nvSpPr>
+        <p:spPr>
+          <a:xfrm>
+            <a:off x="444900" y="629192"/>
+            <a:ext cx="7688700" cy="535200"/>
+          </a:xfrm>
+          <a:prstGeom prst="rect">
+            <a:avLst/>
+          </a:prstGeom>
+        </p:spPr>
+        <p:txBody>
+          <a:bodyPr spcFirstLastPara="1" wrap="square" lIns="91425" tIns="91425" rIns="91425" bIns="91425" anchor="t" anchorCtr="0">
+            <a:noAutofit/>
+          </a:bodyPr>
+          <a:lstStyle/>
+          <a:p>
+            <a:pPr marL="0" lvl="0" indent="0" algn="l" rtl="0">
+              <a:spcBef>
+                <a:spcPts val="0"/>
+              </a:spcBef>
+              <a:spcAft>
+                <a:spcPts val="0"/>
+              </a:spcAft>
+              <a:buNone/>
+            </a:pPr>
+            <a:r>
+              <a:rPr lang="en-GB" dirty="0"/>
+              <a:t>INTRODUCTION</a:t>
+            </a:r>
+            <a:endParaRPr dirty="0"/>
+          </a:p>
+        </p:txBody>
+      </p:sp>
+      <p:sp>
+        <p:nvSpPr>
+          <p:cNvPr id="94" name="Google Shape;94;p14"/>
+          <p:cNvSpPr txBox="1">
+            <a:spLocks noGrp="1"/>
+          </p:cNvSpPr>
+          <p:nvPr>
+            <p:ph type="body" idx="1"/>
+          </p:nvPr>
+        </p:nvSpPr>
+        <p:spPr>
+          <a:xfrm>
+            <a:off x="-61323" y="1359545"/>
+            <a:ext cx="8257800" cy="2534100"/>
+          </a:xfrm>
+          <a:prstGeom prst="rect">
+            <a:avLst/>
+          </a:prstGeom>
+        </p:spPr>
+        <p:txBody>
+          <a:bodyPr spcFirstLastPara="1" wrap="square" lIns="91425" tIns="91425" rIns="91425" bIns="91425" anchor="t" anchorCtr="0">
+            <a:noAutofit/>
+          </a:bodyPr>
+          <a:lstStyle/>
+          <a:p>
+            <a:pPr marL="457200" lvl="0" indent="-317500" algn="l" rtl="0">
+              <a:lnSpc>
+                <a:spcPct val="150000"/>
+              </a:lnSpc>
+              <a:spcBef>
+                <a:spcPts val="0"/>
+              </a:spcBef>
+              <a:spcAft>
+                <a:spcPts val="0"/>
+              </a:spcAft>
+              <a:buSzPts val="1400"/>
+              <a:buChar char="●"/>
+            </a:pPr>
+            <a:r>
+              <a:rPr lang="en-US" sz="1400" b="1" dirty="0"/>
+              <a:t>The travel industry was heavily disrupted by the</a:t>
+            </a:r>
+          </a:p>
+          <a:p>
+            <a:pPr marL="139700" lvl="0" indent="0" algn="l" rtl="0">
+              <a:lnSpc>
+                <a:spcPct val="150000"/>
+              </a:lnSpc>
+              <a:spcBef>
+                <a:spcPts val="0"/>
+              </a:spcBef>
+              <a:spcAft>
+                <a:spcPts val="0"/>
+              </a:spcAft>
+              <a:buSzPts val="1400"/>
+              <a:buNone/>
+            </a:pPr>
+            <a:r>
+              <a:rPr lang="en-US" sz="1400" b="1" dirty="0"/>
+              <a:t>        COVID-19 pandemic.</a:t>
+            </a:r>
+            <a:endParaRPr sz="1400" b="1" dirty="0"/>
+          </a:p>
+          <a:p>
+            <a:pPr marL="457200" lvl="0" indent="-317500" algn="l" rtl="0">
+              <a:lnSpc>
+                <a:spcPct val="200000"/>
+              </a:lnSpc>
+              <a:spcBef>
+                <a:spcPts val="0"/>
+              </a:spcBef>
+              <a:spcAft>
+                <a:spcPts val="0"/>
+              </a:spcAft>
+              <a:buSzPts val="1400"/>
+              <a:buChar char="●"/>
+            </a:pPr>
+            <a:r>
+              <a:rPr lang="en-US" sz="1400" b="1" dirty="0"/>
+              <a:t>With the development of vaccines, a lot of people </a:t>
+            </a:r>
+          </a:p>
+          <a:p>
+            <a:pPr marL="139700" lvl="0" indent="0" algn="l" rtl="0">
+              <a:lnSpc>
+                <a:spcPct val="200000"/>
+              </a:lnSpc>
+              <a:spcBef>
+                <a:spcPts val="0"/>
+              </a:spcBef>
+              <a:spcAft>
+                <a:spcPts val="0"/>
+              </a:spcAft>
+              <a:buSzPts val="1400"/>
+              <a:buNone/>
+            </a:pPr>
+            <a:r>
+              <a:rPr lang="en-US" sz="1400" b="1" dirty="0"/>
+              <a:t>        started to travel again.</a:t>
+            </a:r>
+          </a:p>
+          <a:p>
+            <a:pPr marL="457200" lvl="0" indent="-317500" algn="l" rtl="0">
+              <a:lnSpc>
+                <a:spcPct val="150000"/>
+              </a:lnSpc>
+              <a:spcBef>
+                <a:spcPts val="0"/>
+              </a:spcBef>
+              <a:spcAft>
+                <a:spcPts val="0"/>
+              </a:spcAft>
+              <a:buSzPts val="1400"/>
+              <a:buChar char="●"/>
+            </a:pPr>
+            <a:r>
+              <a:rPr lang="en-US" sz="1400" b="1" dirty="0"/>
+              <a:t>In 2023, travel and tourism rebounded back to 2019 </a:t>
+            </a:r>
+          </a:p>
+          <a:p>
+            <a:pPr marL="139700" lvl="0" indent="0" algn="l" rtl="0">
+              <a:lnSpc>
+                <a:spcPct val="150000"/>
+              </a:lnSpc>
+              <a:spcBef>
+                <a:spcPts val="0"/>
+              </a:spcBef>
+              <a:spcAft>
+                <a:spcPts val="0"/>
+              </a:spcAft>
+              <a:buSzPts val="1400"/>
+              <a:buNone/>
+            </a:pPr>
+            <a:r>
+              <a:rPr lang="en-US" sz="1400" b="1" dirty="0"/>
+              <a:t>        levels.</a:t>
+            </a:r>
+          </a:p>
+          <a:p>
+            <a:pPr marL="139700" lvl="0" indent="0" algn="l" rtl="0">
+              <a:lnSpc>
+                <a:spcPct val="200000"/>
+              </a:lnSpc>
+              <a:spcBef>
+                <a:spcPts val="0"/>
+              </a:spcBef>
+              <a:spcAft>
+                <a:spcPts val="0"/>
+              </a:spcAft>
+              <a:buSzPts val="1400"/>
+              <a:buNone/>
+            </a:pPr>
+            <a:endParaRPr sz="1400" b="1" dirty="0"/>
+          </a:p>
+        </p:txBody>
+      </p:sp>
+      <p:pic>
+        <p:nvPicPr>
+          <p:cNvPr id="3" name="Picture 2" descr="A graph showing the spread of coronavirus&#10;&#10;Description automatically generated">
+            <a:extLst>
+              <a:ext uri="{FF2B5EF4-FFF2-40B4-BE49-F238E27FC236}">
+                <a16:creationId xmlns:a16="http://schemas.microsoft.com/office/drawing/2014/main" id="{17767E87-7E60-2D91-5E6A-AB250DAA40C7}"/>
+              </a:ext>
+            </a:extLst>
+          </p:cNvPr>
+          <p:cNvPicPr>
+            <a:picLocks noChangeAspect="1"/>
+          </p:cNvPicPr>
+          <p:nvPr/>
+        </p:nvPicPr>
+        <p:blipFill>
+          <a:blip r:embed="rId3"/>
+          <a:stretch>
+            <a:fillRect/>
+          </a:stretch>
+        </p:blipFill>
+        <p:spPr>
+          <a:xfrm>
+            <a:off x="4983365" y="824345"/>
+            <a:ext cx="3689963" cy="3689963"/>
+          </a:xfrm>
+          <a:prstGeom prst="rect">
+            <a:avLst/>
+          </a:prstGeom>
+        </p:spPr>
+      </p:pic>
+    </p:spTree>
+  </p:cSld>
+  <p:clrMapOvr>
+    <a:masterClrMapping/>
+  </p:clrMapOvr>
+</p:sld>
+</file>
+
+<file path=ppt/slides/slide20.xml><?xml version="1.0" encoding="utf-8"?>
 <p:sld xmlns:a="http://schemas.openxmlformats.org/drawingml/2006/main" xmlns:r="http://schemas.openxmlformats.org/officeDocument/2006/relationships" xmlns:p="http://schemas.openxmlformats.org/presentationml/2006/main">
   <p:cSld>
     <p:spTree>
@@ -11425,7 +12526,7 @@
 </p:sld>
 </file>
 
-<file path=ppt/slides/slide18.xml><?xml version="1.0" encoding="utf-8"?>
+<file path=ppt/slides/slide21.xml><?xml version="1.0" encoding="utf-8"?>
 <p:sld xmlns:a="http://schemas.openxmlformats.org/drawingml/2006/main" xmlns:r="http://schemas.openxmlformats.org/officeDocument/2006/relationships" xmlns:p="http://schemas.openxmlformats.org/presentationml/2006/main">
   <p:cSld>
     <p:spTree>
@@ -11539,7 +12640,7 @@
 </p:sld>
 </file>
 
-<file path=ppt/slides/slide19.xml><?xml version="1.0" encoding="utf-8"?>
+<file path=ppt/slides/slide22.xml><?xml version="1.0" encoding="utf-8"?>
 <p:sld xmlns:a="http://schemas.openxmlformats.org/drawingml/2006/main" xmlns:r="http://schemas.openxmlformats.org/officeDocument/2006/relationships" xmlns:p="http://schemas.openxmlformats.org/presentationml/2006/main">
   <p:cSld>
     <p:spTree>
@@ -11933,261 +13034,7 @@
 </p:sld>
 </file>
 
-<file path=ppt/slides/slide2.xml><?xml version="1.0" encoding="utf-8"?>
-<p:sld xmlns:a="http://schemas.openxmlformats.org/drawingml/2006/main" xmlns:r="http://schemas.openxmlformats.org/officeDocument/2006/relationships" xmlns:p="http://schemas.openxmlformats.org/presentationml/2006/main">
-  <p:cSld>
-    <p:spTree>
-      <p:nvGrpSpPr>
-        <p:cNvPr id="1" name="Shape 92"/>
-        <p:cNvGrpSpPr/>
-        <p:nvPr/>
-      </p:nvGrpSpPr>
-      <p:grpSpPr>
-        <a:xfrm>
-          <a:off x="0" y="0"/>
-          <a:ext cx="0" cy="0"/>
-          <a:chOff x="0" y="0"/>
-          <a:chExt cx="0" cy="0"/>
-        </a:xfrm>
-      </p:grpSpPr>
-      <p:sp>
-        <p:nvSpPr>
-          <p:cNvPr id="93" name="Google Shape;93;p14"/>
-          <p:cNvSpPr txBox="1">
-            <a:spLocks noGrp="1"/>
-          </p:cNvSpPr>
-          <p:nvPr>
-            <p:ph type="title"/>
-          </p:nvPr>
-        </p:nvSpPr>
-        <p:spPr>
-          <a:xfrm>
-            <a:off x="444900" y="629192"/>
-            <a:ext cx="7688700" cy="535200"/>
-          </a:xfrm>
-          <a:prstGeom prst="rect">
-            <a:avLst/>
-          </a:prstGeom>
-        </p:spPr>
-        <p:txBody>
-          <a:bodyPr spcFirstLastPara="1" wrap="square" lIns="91425" tIns="91425" rIns="91425" bIns="91425" anchor="t" anchorCtr="0">
-            <a:noAutofit/>
-          </a:bodyPr>
-          <a:lstStyle/>
-          <a:p>
-            <a:pPr marL="0" lvl="0" indent="0" algn="l" rtl="0">
-              <a:spcBef>
-                <a:spcPts val="0"/>
-              </a:spcBef>
-              <a:spcAft>
-                <a:spcPts val="0"/>
-              </a:spcAft>
-              <a:buNone/>
-            </a:pPr>
-            <a:r>
-              <a:rPr lang="en-GB" dirty="0"/>
-              <a:t>INTRODUCTION</a:t>
-            </a:r>
-            <a:endParaRPr dirty="0"/>
-          </a:p>
-        </p:txBody>
-      </p:sp>
-      <p:sp>
-        <p:nvSpPr>
-          <p:cNvPr id="94" name="Google Shape;94;p14"/>
-          <p:cNvSpPr txBox="1">
-            <a:spLocks noGrp="1"/>
-          </p:cNvSpPr>
-          <p:nvPr>
-            <p:ph type="body" idx="1"/>
-          </p:nvPr>
-        </p:nvSpPr>
-        <p:spPr>
-          <a:xfrm>
-            <a:off x="-61323" y="1359545"/>
-            <a:ext cx="8257800" cy="2534100"/>
-          </a:xfrm>
-          <a:prstGeom prst="rect">
-            <a:avLst/>
-          </a:prstGeom>
-        </p:spPr>
-        <p:txBody>
-          <a:bodyPr spcFirstLastPara="1" wrap="square" lIns="91425" tIns="91425" rIns="91425" bIns="91425" anchor="t" anchorCtr="0">
-            <a:noAutofit/>
-          </a:bodyPr>
-          <a:lstStyle/>
-          <a:p>
-            <a:pPr marL="457200" lvl="0" indent="-317500" algn="l" rtl="0">
-              <a:lnSpc>
-                <a:spcPct val="150000"/>
-              </a:lnSpc>
-              <a:spcBef>
-                <a:spcPts val="0"/>
-              </a:spcBef>
-              <a:spcAft>
-                <a:spcPts val="0"/>
-              </a:spcAft>
-              <a:buSzPts val="1400"/>
-              <a:buChar char="●"/>
-            </a:pPr>
-            <a:r>
-              <a:rPr lang="en-US" sz="1400" b="1" dirty="0"/>
-              <a:t>The travel industry was heavily disrupted by the</a:t>
-            </a:r>
-          </a:p>
-          <a:p>
-            <a:pPr marL="139700" lvl="0" indent="0" algn="l" rtl="0">
-              <a:lnSpc>
-                <a:spcPct val="150000"/>
-              </a:lnSpc>
-              <a:spcBef>
-                <a:spcPts val="0"/>
-              </a:spcBef>
-              <a:spcAft>
-                <a:spcPts val="0"/>
-              </a:spcAft>
-              <a:buSzPts val="1400"/>
-              <a:buNone/>
-            </a:pPr>
-            <a:r>
-              <a:rPr lang="en-US" sz="1400" b="1" dirty="0"/>
-              <a:t>        COVID-19 pandemic.</a:t>
-            </a:r>
-            <a:endParaRPr sz="1400" b="1" dirty="0"/>
-          </a:p>
-          <a:p>
-            <a:pPr marL="457200" lvl="0" indent="-317500" algn="l" rtl="0">
-              <a:lnSpc>
-                <a:spcPct val="200000"/>
-              </a:lnSpc>
-              <a:spcBef>
-                <a:spcPts val="0"/>
-              </a:spcBef>
-              <a:spcAft>
-                <a:spcPts val="0"/>
-              </a:spcAft>
-              <a:buSzPts val="1400"/>
-              <a:buChar char="●"/>
-            </a:pPr>
-            <a:r>
-              <a:rPr lang="en-US" sz="1400" b="1" dirty="0"/>
-              <a:t>With the development of vaccines, a lot of people </a:t>
-            </a:r>
-          </a:p>
-          <a:p>
-            <a:pPr marL="139700" lvl="0" indent="0" algn="l" rtl="0">
-              <a:lnSpc>
-                <a:spcPct val="200000"/>
-              </a:lnSpc>
-              <a:spcBef>
-                <a:spcPts val="0"/>
-              </a:spcBef>
-              <a:spcAft>
-                <a:spcPts val="0"/>
-              </a:spcAft>
-              <a:buSzPts val="1400"/>
-              <a:buNone/>
-            </a:pPr>
-            <a:r>
-              <a:rPr lang="en-US" sz="1400" b="1" dirty="0"/>
-              <a:t>        started to travel again.</a:t>
-            </a:r>
-          </a:p>
-          <a:p>
-            <a:pPr marL="457200" lvl="0" indent="-317500" algn="l" rtl="0">
-              <a:lnSpc>
-                <a:spcPct val="150000"/>
-              </a:lnSpc>
-              <a:spcBef>
-                <a:spcPts val="0"/>
-              </a:spcBef>
-              <a:spcAft>
-                <a:spcPts val="0"/>
-              </a:spcAft>
-              <a:buSzPts val="1400"/>
-              <a:buChar char="●"/>
-            </a:pPr>
-            <a:r>
-              <a:rPr lang="en-US" sz="1400" b="1" dirty="0"/>
-              <a:t>In 2023, travel and tourism rebounded back to 2019 </a:t>
-            </a:r>
-          </a:p>
-          <a:p>
-            <a:pPr marL="139700" lvl="0" indent="0" algn="l" rtl="0">
-              <a:lnSpc>
-                <a:spcPct val="150000"/>
-              </a:lnSpc>
-              <a:spcBef>
-                <a:spcPts val="0"/>
-              </a:spcBef>
-              <a:spcAft>
-                <a:spcPts val="0"/>
-              </a:spcAft>
-              <a:buSzPts val="1400"/>
-              <a:buNone/>
-            </a:pPr>
-            <a:r>
-              <a:rPr lang="en-US" sz="1400" b="1" dirty="0"/>
-              <a:t>        levels.</a:t>
-            </a:r>
-          </a:p>
-          <a:p>
-            <a:pPr marL="139700" lvl="0" indent="0" algn="l" rtl="0">
-              <a:lnSpc>
-                <a:spcPct val="200000"/>
-              </a:lnSpc>
-              <a:spcBef>
-                <a:spcPts val="0"/>
-              </a:spcBef>
-              <a:spcAft>
-                <a:spcPts val="0"/>
-              </a:spcAft>
-              <a:buSzPts val="1400"/>
-              <a:buNone/>
-            </a:pPr>
-            <a:endParaRPr sz="1400" b="1" dirty="0"/>
-          </a:p>
-        </p:txBody>
-      </p:sp>
-      <p:pic>
-        <p:nvPicPr>
-          <p:cNvPr id="3" name="Picture 2" descr="A graph showing the spread of coronavirus&#10;&#10;Description automatically generated">
-            <a:extLst>
-              <a:ext uri="{FF2B5EF4-FFF2-40B4-BE49-F238E27FC236}">
-                <a16:creationId xmlns:a16="http://schemas.microsoft.com/office/drawing/2014/main" id="{17767E87-7E60-2D91-5E6A-AB250DAA40C7}"/>
-              </a:ext>
-            </a:extLst>
-          </p:cNvPr>
-          <p:cNvPicPr>
-            <a:picLocks noChangeAspect="1"/>
-          </p:cNvPicPr>
-          <p:nvPr/>
-        </p:nvPicPr>
-        <p:blipFill>
-          <a:blip r:embed="rId3"/>
-          <a:stretch>
-            <a:fillRect/>
-          </a:stretch>
-        </p:blipFill>
-        <p:spPr>
-          <a:xfrm>
-            <a:off x="4983365" y="824345"/>
-            <a:ext cx="3689963" cy="3689963"/>
-          </a:xfrm>
-          <a:prstGeom prst="rect">
-            <a:avLst/>
-          </a:prstGeom>
-        </p:spPr>
-      </p:pic>
-    </p:spTree>
-  </p:cSld>
-  <p:clrMapOvr>
-    <a:masterClrMapping/>
-  </p:clrMapOvr>
-</p:sld>
-</file>
-
-<file path=ppt/slides/slide20.xml><?xml version="1.0" encoding="utf-8"?>
+<file path=ppt/slides/slide23.xml><?xml version="1.0" encoding="utf-8"?>
 <p:sld xmlns:a="http://schemas.openxmlformats.org/drawingml/2006/main" xmlns:r="http://schemas.openxmlformats.org/officeDocument/2006/relationships" xmlns:p="http://schemas.openxmlformats.org/presentationml/2006/main">
   <p:cSld>
     <p:spTree>
@@ -12552,7 +13399,7 @@
 </p:sld>
 </file>
 
-<file path=ppt/slides/slide21.xml><?xml version="1.0" encoding="utf-8"?>
+<file path=ppt/slides/slide24.xml><?xml version="1.0" encoding="utf-8"?>
 <p:sld xmlns:a="http://schemas.openxmlformats.org/drawingml/2006/main" xmlns:r="http://schemas.openxmlformats.org/officeDocument/2006/relationships" xmlns:p="http://schemas.openxmlformats.org/presentationml/2006/main">
   <p:cSld>
     <p:spTree>
@@ -12640,7 +13487,179 @@
 </p:sld>
 </file>
 
-<file path=ppt/slides/slide22.xml><?xml version="1.0" encoding="utf-8"?>
+<file path=ppt/slides/slide25.xml><?xml version="1.0" encoding="utf-8"?>
+<p:sld xmlns:a="http://schemas.openxmlformats.org/drawingml/2006/main" xmlns:r="http://schemas.openxmlformats.org/officeDocument/2006/relationships" xmlns:p="http://schemas.openxmlformats.org/presentationml/2006/main">
+  <p:cSld>
+    <p:spTree>
+      <p:nvGrpSpPr>
+        <p:cNvPr id="1" name="Shape 85">
+          <a:extLst>
+            <a:ext uri="{FF2B5EF4-FFF2-40B4-BE49-F238E27FC236}">
+              <a16:creationId xmlns:a16="http://schemas.microsoft.com/office/drawing/2014/main" id="{F0533BB1-159F-36EA-E9FF-20EA70AF21B8}"/>
+            </a:ext>
+          </a:extLst>
+        </p:cNvPr>
+        <p:cNvGrpSpPr/>
+        <p:nvPr/>
+      </p:nvGrpSpPr>
+      <p:grpSpPr>
+        <a:xfrm>
+          <a:off x="0" y="0"/>
+          <a:ext cx="0" cy="0"/>
+          <a:chOff x="0" y="0"/>
+          <a:chExt cx="0" cy="0"/>
+        </a:xfrm>
+      </p:grpSpPr>
+      <p:sp>
+        <p:nvSpPr>
+          <p:cNvPr id="86" name="Google Shape;86;p13">
+            <a:extLst>
+              <a:ext uri="{FF2B5EF4-FFF2-40B4-BE49-F238E27FC236}">
+                <a16:creationId xmlns:a16="http://schemas.microsoft.com/office/drawing/2014/main" id="{85473D8D-1B0C-64B1-5B0A-3D7AD6DE9DB7}"/>
+              </a:ext>
+            </a:extLst>
+          </p:cNvPr>
+          <p:cNvSpPr txBox="1">
+            <a:spLocks noGrp="1"/>
+          </p:cNvSpPr>
+          <p:nvPr>
+            <p:ph type="ctrTitle"/>
+          </p:nvPr>
+        </p:nvSpPr>
+        <p:spPr>
+          <a:xfrm>
+            <a:off x="665605" y="1620323"/>
+            <a:ext cx="7688100" cy="885300"/>
+          </a:xfrm>
+          <a:prstGeom prst="rect">
+            <a:avLst/>
+          </a:prstGeom>
+        </p:spPr>
+        <p:txBody>
+          <a:bodyPr spcFirstLastPara="1" wrap="square" lIns="91425" tIns="91425" rIns="91425" bIns="91425" anchor="t" anchorCtr="0">
+            <a:noAutofit/>
+          </a:bodyPr>
+          <a:lstStyle/>
+          <a:p>
+            <a:pPr marL="0" lvl="0" indent="0" algn="l" rtl="0">
+              <a:spcBef>
+                <a:spcPts val="0"/>
+              </a:spcBef>
+              <a:spcAft>
+                <a:spcPts val="0"/>
+              </a:spcAft>
+              <a:buNone/>
+            </a:pPr>
+            <a:r>
+              <a:rPr lang="en-GB" dirty="0"/>
+              <a:t>Part 4 – Dash App</a:t>
+            </a:r>
+            <a:endParaRPr lang="en-US" dirty="0"/>
+          </a:p>
+        </p:txBody>
+      </p:sp>
+    </p:spTree>
+    <p:extLst>
+      <p:ext uri="{BB962C8B-B14F-4D97-AF65-F5344CB8AC3E}">
+        <p14:creationId xmlns:p14="http://schemas.microsoft.com/office/powerpoint/2010/main" val="4009384607"/>
+      </p:ext>
+    </p:extLst>
+  </p:cSld>
+  <p:clrMapOvr>
+    <a:masterClrMapping/>
+  </p:clrMapOvr>
+</p:sld>
+</file>
+
+<file path=ppt/slides/slide26.xml><?xml version="1.0" encoding="utf-8"?>
+<p:sld xmlns:a="http://schemas.openxmlformats.org/drawingml/2006/main" xmlns:r="http://schemas.openxmlformats.org/officeDocument/2006/relationships" xmlns:p="http://schemas.openxmlformats.org/presentationml/2006/main">
+  <p:cSld>
+    <p:spTree>
+      <p:nvGrpSpPr>
+        <p:cNvPr id="1" name="Shape 85">
+          <a:extLst>
+            <a:ext uri="{FF2B5EF4-FFF2-40B4-BE49-F238E27FC236}">
+              <a16:creationId xmlns:a16="http://schemas.microsoft.com/office/drawing/2014/main" id="{D7DD19F3-C73C-9346-9656-1B56721A6063}"/>
+            </a:ext>
+          </a:extLst>
+        </p:cNvPr>
+        <p:cNvGrpSpPr/>
+        <p:nvPr/>
+      </p:nvGrpSpPr>
+      <p:grpSpPr>
+        <a:xfrm>
+          <a:off x="0" y="0"/>
+          <a:ext cx="0" cy="0"/>
+          <a:chOff x="0" y="0"/>
+          <a:chExt cx="0" cy="0"/>
+        </a:xfrm>
+      </p:grpSpPr>
+      <p:sp>
+        <p:nvSpPr>
+          <p:cNvPr id="86" name="Google Shape;86;p13">
+            <a:extLst>
+              <a:ext uri="{FF2B5EF4-FFF2-40B4-BE49-F238E27FC236}">
+                <a16:creationId xmlns:a16="http://schemas.microsoft.com/office/drawing/2014/main" id="{4A9795AE-D417-FABD-A016-4E42E689CF00}"/>
+              </a:ext>
+            </a:extLst>
+          </p:cNvPr>
+          <p:cNvSpPr txBox="1">
+            <a:spLocks noGrp="1"/>
+          </p:cNvSpPr>
+          <p:nvPr>
+            <p:ph type="ctrTitle"/>
+          </p:nvPr>
+        </p:nvSpPr>
+        <p:spPr>
+          <a:xfrm>
+            <a:off x="665605" y="1620323"/>
+            <a:ext cx="7688100" cy="885300"/>
+          </a:xfrm>
+          <a:prstGeom prst="rect">
+            <a:avLst/>
+          </a:prstGeom>
+        </p:spPr>
+        <p:txBody>
+          <a:bodyPr spcFirstLastPara="1" wrap="square" lIns="91425" tIns="91425" rIns="91425" bIns="91425" anchor="t" anchorCtr="0">
+            <a:noAutofit/>
+          </a:bodyPr>
+          <a:lstStyle/>
+          <a:p>
+            <a:pPr marL="0" lvl="0" indent="0" algn="l" rtl="0">
+              <a:spcBef>
+                <a:spcPts val="0"/>
+              </a:spcBef>
+              <a:spcAft>
+                <a:spcPts val="0"/>
+              </a:spcAft>
+              <a:buNone/>
+            </a:pPr>
+            <a:r>
+              <a:rPr lang="en-GB" dirty="0"/>
+              <a:t>Part 5 – Conclusion and </a:t>
+            </a:r>
+            <a:r>
+              <a:rPr lang="en-GB" dirty="0" err="1"/>
+              <a:t>Enchancements</a:t>
+            </a:r>
+            <a:endParaRPr lang="en-US" dirty="0"/>
+          </a:p>
+        </p:txBody>
+      </p:sp>
+    </p:spTree>
+    <p:extLst>
+      <p:ext uri="{BB962C8B-B14F-4D97-AF65-F5344CB8AC3E}">
+        <p14:creationId xmlns:p14="http://schemas.microsoft.com/office/powerpoint/2010/main" val="1647593349"/>
+      </p:ext>
+    </p:extLst>
+  </p:cSld>
+  <p:clrMapOvr>
+    <a:masterClrMapping/>
+  </p:clrMapOvr>
+</p:sld>
+</file>
+
+<file path=ppt/slides/slide27.xml><?xml version="1.0" encoding="utf-8"?>
 <p:sld xmlns:a="http://schemas.openxmlformats.org/drawingml/2006/main" xmlns:r="http://schemas.openxmlformats.org/officeDocument/2006/relationships" xmlns:p="http://schemas.openxmlformats.org/presentationml/2006/main">
   <p:cSld>
     <p:spTree>
@@ -12829,7 +13848,7 @@
 </p:sld>
 </file>
 
-<file path=ppt/slides/slide23.xml><?xml version="1.0" encoding="utf-8"?>
+<file path=ppt/slides/slide28.xml><?xml version="1.0" encoding="utf-8"?>
 <p:sld xmlns:a="http://schemas.openxmlformats.org/drawingml/2006/main" xmlns:r="http://schemas.openxmlformats.org/officeDocument/2006/relationships" xmlns:p="http://schemas.openxmlformats.org/presentationml/2006/main">
   <p:cSld>
     <p:spTree>
@@ -12967,8 +13986,8 @@
         </p:nvSpPr>
         <p:spPr>
           <a:xfrm>
-            <a:off x="727650" y="1496943"/>
-            <a:ext cx="8143200" cy="2454300"/>
+            <a:off x="727650" y="1112632"/>
+            <a:ext cx="8143200" cy="3951204"/>
           </a:xfrm>
           <a:prstGeom prst="rect">
             <a:avLst/>
@@ -12994,7 +14013,7 @@
             </a:pPr>
             <a:r>
               <a:rPr lang="en-GB" sz="1600" b="1" dirty="0"/>
-              <a:t>There are three parts of the project:</a:t>
+              <a:t>There are five parts of the project:</a:t>
             </a:r>
             <a:endParaRPr sz="1600" b="1" dirty="0"/>
           </a:p>
@@ -13016,7 +14035,6 @@
               <a:rPr lang="en-US" sz="1600" b="1" dirty="0"/>
               <a:t>Scrape activities from 30 travel destinations in Trip Advisor.</a:t>
             </a:r>
-            <a:endParaRPr sz="1600" b="1" dirty="0"/>
           </a:p>
           <a:p>
             <a:pPr marL="457200" lvl="0" indent="-317500" algn="l" rtl="0">
@@ -13024,7 +14042,7 @@
                 <a:spcPct val="150000"/>
               </a:lnSpc>
               <a:spcBef>
-                <a:spcPts val="0"/>
+                <a:spcPts val="1600"/>
               </a:spcBef>
               <a:spcAft>
                 <a:spcPts val="0"/>
@@ -13034,7 +14052,7 @@
             </a:pPr>
             <a:r>
               <a:rPr lang="en-US" sz="1600" b="1" dirty="0"/>
-              <a:t>Make an NLP recommender system to predict future travel destinations based on input text.</a:t>
+              <a:t>Perform data analysis and modeling.</a:t>
             </a:r>
           </a:p>
           <a:p>
@@ -13043,7 +14061,26 @@
                 <a:spcPct val="150000"/>
               </a:lnSpc>
               <a:spcBef>
-                <a:spcPts val="0"/>
+                <a:spcPts val="1600"/>
+              </a:spcBef>
+              <a:spcAft>
+                <a:spcPts val="0"/>
+              </a:spcAft>
+              <a:buSzPts val="1400"/>
+              <a:buAutoNum type="arabicParenR"/>
+            </a:pPr>
+            <a:r>
+              <a:rPr lang="en-US" sz="1600" b="1" dirty="0"/>
+              <a:t>Make an NLP recommender system to predict future travel destinations.</a:t>
+            </a:r>
+          </a:p>
+          <a:p>
+            <a:pPr marL="457200" lvl="0" indent="-317500" algn="l" rtl="0">
+              <a:lnSpc>
+                <a:spcPct val="150000"/>
+              </a:lnSpc>
+              <a:spcBef>
+                <a:spcPts val="1600"/>
               </a:spcBef>
               <a:spcAft>
                 <a:spcPts val="0"/>
@@ -13055,10 +14092,13 @@
               <a:rPr lang="en-US" sz="1600" b="1" dirty="0"/>
               <a:t>Create a Dash app to make personalized travel recommendations.</a:t>
             </a:r>
-            <a:endParaRPr sz="1600" b="1" dirty="0"/>
-          </a:p>
-          <a:p>
-            <a:pPr marL="457200" lvl="0" indent="0" algn="l" rtl="0">
+            <a:r>
+              <a:rPr lang="en-GB" sz="1600" b="1" dirty="0"/>
+              <a:t> </a:t>
+            </a:r>
+          </a:p>
+          <a:p>
+            <a:pPr marL="457200" lvl="0" indent="-317500" algn="l" rtl="0">
               <a:lnSpc>
                 <a:spcPct val="150000"/>
               </a:lnSpc>
@@ -13068,25 +14108,14 @@
               <a:spcAft>
                 <a:spcPts val="0"/>
               </a:spcAft>
-              <a:buNone/>
-            </a:pPr>
-            <a:endParaRPr sz="1400" b="1" dirty="0"/>
-          </a:p>
-          <a:p>
-            <a:pPr marL="457200" lvl="0" indent="0" algn="l" rtl="0">
-              <a:spcBef>
-                <a:spcPts val="1600"/>
-              </a:spcBef>
-              <a:spcAft>
-                <a:spcPts val="1600"/>
-              </a:spcAft>
-              <a:buNone/>
+              <a:buSzPts val="1400"/>
+              <a:buAutoNum type="arabicParenR"/>
             </a:pPr>
             <a:r>
-              <a:rPr lang="en-GB" sz="1400" b="1" dirty="0"/>
-              <a:t> </a:t>
+              <a:rPr lang="en-US" sz="1600" b="1" dirty="0"/>
+              <a:t>Analyze limitations and discuss future enhancements.</a:t>
             </a:r>
-            <a:endParaRPr sz="1400" b="1" dirty="0"/>
+            <a:endParaRPr sz="1600" b="1" dirty="0"/>
           </a:p>
         </p:txBody>
       </p:sp>
@@ -13166,50 +14195,6 @@
               <a:t>Part 1 – Web Scraping</a:t>
             </a:r>
             <a:endParaRPr dirty="0"/>
-          </a:p>
-        </p:txBody>
-      </p:sp>
-      <p:sp>
-        <p:nvSpPr>
-          <p:cNvPr id="87" name="Google Shape;87;p13">
-            <a:extLst>
-              <a:ext uri="{FF2B5EF4-FFF2-40B4-BE49-F238E27FC236}">
-                <a16:creationId xmlns:a16="http://schemas.microsoft.com/office/drawing/2014/main" id="{44AC54B9-D2A0-50D8-45C1-C7D6F230B28E}"/>
-              </a:ext>
-            </a:extLst>
-          </p:cNvPr>
-          <p:cNvSpPr txBox="1">
-            <a:spLocks noGrp="1"/>
-          </p:cNvSpPr>
-          <p:nvPr>
-            <p:ph type="subTitle" idx="1"/>
-          </p:nvPr>
-        </p:nvSpPr>
-        <p:spPr>
-          <a:xfrm>
-            <a:off x="727950" y="1379920"/>
-            <a:ext cx="7688100" cy="2353383"/>
-          </a:xfrm>
-          <a:prstGeom prst="rect">
-            <a:avLst/>
-          </a:prstGeom>
-        </p:spPr>
-        <p:txBody>
-          <a:bodyPr spcFirstLastPara="1" wrap="square" lIns="91425" tIns="91425" rIns="91425" bIns="91425" anchor="t" anchorCtr="0">
-            <a:noAutofit/>
-          </a:bodyPr>
-          <a:lstStyle/>
-          <a:p>
-            <a:pPr marL="5486400" lvl="0" indent="0" algn="l" rtl="0">
-              <a:spcBef>
-                <a:spcPts val="0"/>
-              </a:spcBef>
-              <a:spcAft>
-                <a:spcPts val="0"/>
-              </a:spcAft>
-              <a:buNone/>
-            </a:pPr>
-            <a:endParaRPr lang="en-US" dirty="0"/>
           </a:p>
         </p:txBody>
       </p:sp>
@@ -13903,10 +14888,10 @@
   <p:cSld>
     <p:spTree>
       <p:nvGrpSpPr>
-        <p:cNvPr id="1" name="Shape 85">
+        <p:cNvPr id="1" name="Shape 104">
           <a:extLst>
             <a:ext uri="{FF2B5EF4-FFF2-40B4-BE49-F238E27FC236}">
-              <a16:creationId xmlns:a16="http://schemas.microsoft.com/office/drawing/2014/main" id="{61269C37-D398-01B9-B69E-49CBE20C46B7}"/>
+              <a16:creationId xmlns:a16="http://schemas.microsoft.com/office/drawing/2014/main" id="{58B26248-B1DE-A8A4-BCEE-E13C9C0F59A2}"/>
             </a:ext>
           </a:extLst>
         </p:cNvPr>
@@ -13923,10 +14908,10 @@
       </p:grpSpPr>
       <p:sp>
         <p:nvSpPr>
-          <p:cNvPr id="86" name="Google Shape;86;p13">
+          <p:cNvPr id="105" name="Google Shape;105;p16">
             <a:extLst>
               <a:ext uri="{FF2B5EF4-FFF2-40B4-BE49-F238E27FC236}">
-                <a16:creationId xmlns:a16="http://schemas.microsoft.com/office/drawing/2014/main" id="{D1D3EA25-DABB-1BB0-DCE2-535B2B107F31}"/>
+                <a16:creationId xmlns:a16="http://schemas.microsoft.com/office/drawing/2014/main" id="{1FA7B336-5919-E8A5-4CF7-555D3180B9E0}"/>
               </a:ext>
             </a:extLst>
           </p:cNvPr>
@@ -13934,13 +14919,13 @@
             <a:spLocks noGrp="1"/>
           </p:cNvSpPr>
           <p:nvPr>
-            <p:ph type="ctrTitle"/>
+            <p:ph type="title"/>
           </p:nvPr>
         </p:nvSpPr>
         <p:spPr>
           <a:xfrm>
-            <a:off x="665605" y="1620323"/>
-            <a:ext cx="7688100" cy="885300"/>
+            <a:off x="209904" y="606216"/>
+            <a:ext cx="7688700" cy="535200"/>
           </a:xfrm>
           <a:prstGeom prst="rect">
             <a:avLst/>
@@ -13963,87 +14948,46 @@
             </a:pPr>
             <a:r>
               <a:rPr lang="en-GB" dirty="0"/>
-              <a:t>Part 2 – NLP Recommender System</a:t>
+              <a:t>Most Frequent Words</a:t>
             </a:r>
             <a:endParaRPr dirty="0"/>
           </a:p>
         </p:txBody>
       </p:sp>
-      <p:sp>
-        <p:nvSpPr>
-          <p:cNvPr id="87" name="Google Shape;87;p13">
+      <p:pic>
+        <p:nvPicPr>
+          <p:cNvPr id="5" name="Picture 4" descr="A graph of different colored bars&#10;&#10;Description automatically generated">
             <a:extLst>
               <a:ext uri="{FF2B5EF4-FFF2-40B4-BE49-F238E27FC236}">
-                <a16:creationId xmlns:a16="http://schemas.microsoft.com/office/drawing/2014/main" id="{1F7E6070-2A46-B153-7750-BA822D6C550F}"/>
+                <a16:creationId xmlns:a16="http://schemas.microsoft.com/office/drawing/2014/main" id="{D1EAE1EF-4302-47A5-BCF3-25D73BB6C590}"/>
               </a:ext>
             </a:extLst>
           </p:cNvPr>
-          <p:cNvSpPr txBox="1">
-            <a:spLocks noGrp="1"/>
-          </p:cNvSpPr>
-          <p:nvPr>
-            <p:ph type="subTitle" idx="1"/>
-          </p:nvPr>
-        </p:nvSpPr>
+          <p:cNvPicPr>
+            <a:picLocks noChangeAspect="1"/>
+          </p:cNvPicPr>
+          <p:nvPr/>
+        </p:nvPicPr>
+        <p:blipFill>
+          <a:blip r:embed="rId3"/>
+          <a:stretch>
+            <a:fillRect/>
+          </a:stretch>
+        </p:blipFill>
         <p:spPr>
           <a:xfrm>
-            <a:off x="727950" y="1379920"/>
-            <a:ext cx="7688100" cy="2353383"/>
+            <a:off x="2038783" y="1253587"/>
+            <a:ext cx="6516399" cy="3723657"/>
           </a:xfrm>
           <a:prstGeom prst="rect">
             <a:avLst/>
           </a:prstGeom>
         </p:spPr>
-        <p:txBody>
-          <a:bodyPr spcFirstLastPara="1" wrap="square" lIns="91425" tIns="91425" rIns="91425" bIns="91425" anchor="t" anchorCtr="0">
-            <a:noAutofit/>
-          </a:bodyPr>
-          <a:lstStyle/>
-          <a:p>
-            <a:pPr marL="0" lvl="0" indent="0" algn="l" rtl="0">
-              <a:spcBef>
-                <a:spcPts val="0"/>
-              </a:spcBef>
-              <a:spcAft>
-                <a:spcPts val="0"/>
-              </a:spcAft>
-              <a:buNone/>
-            </a:pPr>
-            <a:endParaRPr lang="en-GB" dirty="0"/>
-          </a:p>
-          <a:p>
-            <a:pPr marL="0" lvl="0" indent="0" algn="l" rtl="0">
-              <a:spcBef>
-                <a:spcPts val="0"/>
-              </a:spcBef>
-              <a:spcAft>
-                <a:spcPts val="0"/>
-              </a:spcAft>
-              <a:buNone/>
-            </a:pPr>
-            <a:endParaRPr lang="en-GB" dirty="0"/>
-          </a:p>
-          <a:p>
-            <a:pPr marL="0" lvl="0" indent="0" algn="l" rtl="0">
-              <a:spcBef>
-                <a:spcPts val="0"/>
-              </a:spcBef>
-              <a:spcAft>
-                <a:spcPts val="0"/>
-              </a:spcAft>
-              <a:buNone/>
-            </a:pPr>
-            <a:r>
-              <a:rPr lang="en-US" dirty="0"/>
-              <a:t>                                                                           </a:t>
-            </a:r>
-          </a:p>
-        </p:txBody>
-      </p:sp>
+      </p:pic>
     </p:spTree>
     <p:extLst>
       <p:ext uri="{BB962C8B-B14F-4D97-AF65-F5344CB8AC3E}">
-        <p14:creationId xmlns:p14="http://schemas.microsoft.com/office/powerpoint/2010/main" val="3121120044"/>
+        <p14:creationId xmlns:p14="http://schemas.microsoft.com/office/powerpoint/2010/main" val="1904565305"/>
       </p:ext>
     </p:extLst>
   </p:cSld>
